--- a/Unit25AdvancedSQL/BOTSWANA CUSTOMER PRICE Index study.pptx
+++ b/Unit25AdvancedSQL/BOTSWANA CUSTOMER PRICE Index study.pptx
@@ -114,6 +114,11 @@
       </a:defRPr>
     </a:lvl9pPr>
   </p:defaultTextStyle>
+  <p:extLst>
+    <p:ext uri="{EFAFB233-063F-42B5-8137-9DF3F51BA10A}">
+      <p15:sldGuideLst xmlns:p15="http://schemas.microsoft.com/office/powerpoint/2012/main"/>
+    </p:ext>
+  </p:extLst>
 </p:presentation>
 </file>
 
@@ -280,7 +285,7 @@
           <a:p>
             <a:fld id="{D8054153-5139-4509-8365-9EBB5BA0BDBB}" type="datetimeFigureOut">
               <a:rPr lang="en-ZA" smtClean="0"/>
-              <a:t>2022/10/21</a:t>
+              <a:t>2022/10/23</a:t>
             </a:fld>
             <a:endParaRPr lang="en-ZA"/>
           </a:p>
@@ -450,7 +455,7 @@
           <a:p>
             <a:fld id="{D8054153-5139-4509-8365-9EBB5BA0BDBB}" type="datetimeFigureOut">
               <a:rPr lang="en-ZA" smtClean="0"/>
-              <a:t>2022/10/21</a:t>
+              <a:t>2022/10/23</a:t>
             </a:fld>
             <a:endParaRPr lang="en-ZA"/>
           </a:p>
@@ -630,7 +635,7 @@
           <a:p>
             <a:fld id="{D8054153-5139-4509-8365-9EBB5BA0BDBB}" type="datetimeFigureOut">
               <a:rPr lang="en-ZA" smtClean="0"/>
-              <a:t>2022/10/21</a:t>
+              <a:t>2022/10/23</a:t>
             </a:fld>
             <a:endParaRPr lang="en-ZA"/>
           </a:p>
@@ -800,7 +805,7 @@
           <a:p>
             <a:fld id="{D8054153-5139-4509-8365-9EBB5BA0BDBB}" type="datetimeFigureOut">
               <a:rPr lang="en-ZA" smtClean="0"/>
-              <a:t>2022/10/21</a:t>
+              <a:t>2022/10/23</a:t>
             </a:fld>
             <a:endParaRPr lang="en-ZA"/>
           </a:p>
@@ -1068,7 +1073,7 @@
           <a:p>
             <a:fld id="{D8054153-5139-4509-8365-9EBB5BA0BDBB}" type="datetimeFigureOut">
               <a:rPr lang="en-ZA" smtClean="0"/>
-              <a:t>2022/10/21</a:t>
+              <a:t>2022/10/23</a:t>
             </a:fld>
             <a:endParaRPr lang="en-ZA"/>
           </a:p>
@@ -1300,7 +1305,7 @@
           <a:p>
             <a:fld id="{D8054153-5139-4509-8365-9EBB5BA0BDBB}" type="datetimeFigureOut">
               <a:rPr lang="en-ZA" smtClean="0"/>
-              <a:t>2022/10/21</a:t>
+              <a:t>2022/10/23</a:t>
             </a:fld>
             <a:endParaRPr lang="en-ZA"/>
           </a:p>
@@ -1659,7 +1664,7 @@
           <a:p>
             <a:fld id="{D8054153-5139-4509-8365-9EBB5BA0BDBB}" type="datetimeFigureOut">
               <a:rPr lang="en-ZA" smtClean="0"/>
-              <a:t>2022/10/21</a:t>
+              <a:t>2022/10/23</a:t>
             </a:fld>
             <a:endParaRPr lang="en-ZA"/>
           </a:p>
@@ -1800,7 +1805,7 @@
           <a:p>
             <a:fld id="{D8054153-5139-4509-8365-9EBB5BA0BDBB}" type="datetimeFigureOut">
               <a:rPr lang="en-ZA" smtClean="0"/>
-              <a:t>2022/10/21</a:t>
+              <a:t>2022/10/23</a:t>
             </a:fld>
             <a:endParaRPr lang="en-ZA"/>
           </a:p>
@@ -1895,7 +1900,7 @@
           <a:p>
             <a:fld id="{D8054153-5139-4509-8365-9EBB5BA0BDBB}" type="datetimeFigureOut">
               <a:rPr lang="en-ZA" smtClean="0"/>
-              <a:t>2022/10/21</a:t>
+              <a:t>2022/10/23</a:t>
             </a:fld>
             <a:endParaRPr lang="en-ZA"/>
           </a:p>
@@ -2252,7 +2257,7 @@
           <a:p>
             <a:fld id="{D8054153-5139-4509-8365-9EBB5BA0BDBB}" type="datetimeFigureOut">
               <a:rPr lang="en-ZA" smtClean="0"/>
-              <a:t>2022/10/21</a:t>
+              <a:t>2022/10/23</a:t>
             </a:fld>
             <a:endParaRPr lang="en-ZA"/>
           </a:p>
@@ -2609,7 +2614,7 @@
           <a:p>
             <a:fld id="{D8054153-5139-4509-8365-9EBB5BA0BDBB}" type="datetimeFigureOut">
               <a:rPr lang="en-ZA" smtClean="0"/>
-              <a:t>2022/10/21</a:t>
+              <a:t>2022/10/23</a:t>
             </a:fld>
             <a:endParaRPr lang="en-ZA"/>
           </a:p>
@@ -2851,7 +2856,7 @@
           <a:p>
             <a:fld id="{D8054153-5139-4509-8365-9EBB5BA0BDBB}" type="datetimeFigureOut">
               <a:rPr lang="en-ZA" smtClean="0"/>
-              <a:t>2022/10/21</a:t>
+              <a:t>2022/10/23</a:t>
             </a:fld>
             <a:endParaRPr lang="en-ZA"/>
           </a:p>
@@ -3892,7 +3897,7 @@
                   <a:srgbClr val="404040"/>
                 </a:solidFill>
               </a:rPr>
-              <a:t>The data for this project was sourced from the Bank of Botswana website.</a:t>
+              <a:t>The data for this project was sourced from the Bank of Botswana website and the exchange rate data for South Africa is from the South African Reserve Bank website.</a:t>
             </a:r>
           </a:p>
           <a:p>

--- a/Unit25AdvancedSQL/BOTSWANA CUSTOMER PRICE Index study.pptx
+++ b/Unit25AdvancedSQL/BOTSWANA CUSTOMER PRICE Index study.pptx
@@ -6,16 +6,17 @@
   </p:sldMasterIdLst>
   <p:sldIdLst>
     <p:sldId id="256" r:id="rId2"/>
-    <p:sldId id="257" r:id="rId3"/>
-    <p:sldId id="258" r:id="rId4"/>
-    <p:sldId id="259" r:id="rId5"/>
-    <p:sldId id="260" r:id="rId6"/>
+    <p:sldId id="267" r:id="rId3"/>
+    <p:sldId id="257" r:id="rId4"/>
+    <p:sldId id="258" r:id="rId5"/>
+    <p:sldId id="259" r:id="rId6"/>
     <p:sldId id="263" r:id="rId7"/>
-    <p:sldId id="264" r:id="rId8"/>
-    <p:sldId id="261" r:id="rId9"/>
-    <p:sldId id="265" r:id="rId10"/>
-    <p:sldId id="262" r:id="rId11"/>
-    <p:sldId id="266" r:id="rId12"/>
+    <p:sldId id="260" r:id="rId8"/>
+    <p:sldId id="264" r:id="rId9"/>
+    <p:sldId id="261" r:id="rId10"/>
+    <p:sldId id="265" r:id="rId11"/>
+    <p:sldId id="262" r:id="rId12"/>
+    <p:sldId id="266" r:id="rId13"/>
   </p:sldIdLst>
   <p:sldSz cx="12192000" cy="6858000"/>
   <p:notesSz cx="6858000" cy="9144000"/>
@@ -122,6 +123,3134 @@
 </p:presentation>
 </file>
 
+<file path=ppt/diagrams/colors1.xml><?xml version="1.0" encoding="utf-8"?>
+<dgm:colorsDef xmlns:dgm="http://schemas.openxmlformats.org/drawingml/2006/diagram" xmlns:a="http://schemas.openxmlformats.org/drawingml/2006/main" uniqueId="urn:microsoft.com/office/officeart/2005/8/colors/colorful2">
+  <dgm:title val=""/>
+  <dgm:desc val=""/>
+  <dgm:catLst>
+    <dgm:cat type="colorful" pri="10200"/>
+  </dgm:catLst>
+  <dgm:styleLbl name="node0">
+    <dgm:fillClrLst meth="repeat">
+      <a:schemeClr val="accent1"/>
+    </dgm:fillClrLst>
+    <dgm:linClrLst meth="repeat">
+      <a:schemeClr val="lt1"/>
+    </dgm:linClrLst>
+    <dgm:effectClrLst/>
+    <dgm:txLinClrLst/>
+    <dgm:txFillClrLst/>
+    <dgm:txEffectClrLst/>
+  </dgm:styleLbl>
+  <dgm:styleLbl name="node1">
+    <dgm:fillClrLst>
+      <a:schemeClr val="accent2"/>
+      <a:schemeClr val="accent3"/>
+    </dgm:fillClrLst>
+    <dgm:linClrLst meth="repeat">
+      <a:schemeClr val="lt1"/>
+    </dgm:linClrLst>
+    <dgm:effectClrLst/>
+    <dgm:txLinClrLst/>
+    <dgm:txFillClrLst/>
+    <dgm:txEffectClrLst/>
+  </dgm:styleLbl>
+  <dgm:styleLbl name="alignNode1">
+    <dgm:fillClrLst>
+      <a:schemeClr val="accent2"/>
+      <a:schemeClr val="accent3"/>
+    </dgm:fillClrLst>
+    <dgm:linClrLst>
+      <a:schemeClr val="accent2"/>
+      <a:schemeClr val="accent3"/>
+    </dgm:linClrLst>
+    <dgm:effectClrLst/>
+    <dgm:txLinClrLst/>
+    <dgm:txFillClrLst/>
+    <dgm:txEffectClrLst/>
+  </dgm:styleLbl>
+  <dgm:styleLbl name="lnNode1">
+    <dgm:fillClrLst>
+      <a:schemeClr val="accent2"/>
+      <a:schemeClr val="accent3"/>
+    </dgm:fillClrLst>
+    <dgm:linClrLst meth="repeat">
+      <a:schemeClr val="lt1"/>
+    </dgm:linClrLst>
+    <dgm:effectClrLst/>
+    <dgm:txLinClrLst/>
+    <dgm:txFillClrLst/>
+    <dgm:txEffectClrLst/>
+  </dgm:styleLbl>
+  <dgm:styleLbl name="vennNode1">
+    <dgm:fillClrLst>
+      <a:schemeClr val="accent2">
+        <a:alpha val="50000"/>
+      </a:schemeClr>
+      <a:schemeClr val="accent3">
+        <a:alpha val="50000"/>
+      </a:schemeClr>
+    </dgm:fillClrLst>
+    <dgm:linClrLst meth="repeat">
+      <a:schemeClr val="lt1"/>
+    </dgm:linClrLst>
+    <dgm:effectClrLst/>
+    <dgm:txLinClrLst/>
+    <dgm:txFillClrLst/>
+    <dgm:txEffectClrLst/>
+  </dgm:styleLbl>
+  <dgm:styleLbl name="node2">
+    <dgm:fillClrLst>
+      <a:schemeClr val="accent3"/>
+    </dgm:fillClrLst>
+    <dgm:linClrLst meth="repeat">
+      <a:schemeClr val="lt1"/>
+    </dgm:linClrLst>
+    <dgm:effectClrLst/>
+    <dgm:txLinClrLst/>
+    <dgm:txFillClrLst/>
+    <dgm:txEffectClrLst/>
+  </dgm:styleLbl>
+  <dgm:styleLbl name="node3">
+    <dgm:fillClrLst>
+      <a:schemeClr val="accent4"/>
+    </dgm:fillClrLst>
+    <dgm:linClrLst meth="repeat">
+      <a:schemeClr val="lt1"/>
+    </dgm:linClrLst>
+    <dgm:effectClrLst/>
+    <dgm:txLinClrLst/>
+    <dgm:txFillClrLst/>
+    <dgm:txEffectClrLst/>
+  </dgm:styleLbl>
+  <dgm:styleLbl name="node4">
+    <dgm:fillClrLst>
+      <a:schemeClr val="accent5"/>
+    </dgm:fillClrLst>
+    <dgm:linClrLst meth="repeat">
+      <a:schemeClr val="lt1"/>
+    </dgm:linClrLst>
+    <dgm:effectClrLst/>
+    <dgm:txLinClrLst/>
+    <dgm:txFillClrLst/>
+    <dgm:txEffectClrLst/>
+  </dgm:styleLbl>
+  <dgm:styleLbl name="fgImgPlace1">
+    <dgm:fillClrLst>
+      <a:schemeClr val="accent2">
+        <a:tint val="50000"/>
+      </a:schemeClr>
+      <a:schemeClr val="accent3">
+        <a:tint val="50000"/>
+      </a:schemeClr>
+    </dgm:fillClrLst>
+    <dgm:linClrLst meth="repeat">
+      <a:schemeClr val="lt1"/>
+    </dgm:linClrLst>
+    <dgm:effectClrLst/>
+    <dgm:txLinClrLst/>
+    <dgm:txFillClrLst meth="repeat">
+      <a:schemeClr val="lt1"/>
+    </dgm:txFillClrLst>
+    <dgm:txEffectClrLst/>
+  </dgm:styleLbl>
+  <dgm:styleLbl name="alignImgPlace1">
+    <dgm:fillClrLst>
+      <a:schemeClr val="accent2">
+        <a:tint val="50000"/>
+      </a:schemeClr>
+      <a:schemeClr val="accent3">
+        <a:tint val="20000"/>
+      </a:schemeClr>
+    </dgm:fillClrLst>
+    <dgm:linClrLst meth="repeat">
+      <a:schemeClr val="lt1"/>
+    </dgm:linClrLst>
+    <dgm:effectClrLst/>
+    <dgm:txLinClrLst/>
+    <dgm:txFillClrLst meth="repeat">
+      <a:schemeClr val="lt1"/>
+    </dgm:txFillClrLst>
+    <dgm:txEffectClrLst/>
+  </dgm:styleLbl>
+  <dgm:styleLbl name="bgImgPlace1">
+    <dgm:fillClrLst>
+      <a:schemeClr val="accent2">
+        <a:tint val="50000"/>
+      </a:schemeClr>
+      <a:schemeClr val="accent3">
+        <a:tint val="20000"/>
+      </a:schemeClr>
+    </dgm:fillClrLst>
+    <dgm:linClrLst meth="repeat">
+      <a:schemeClr val="lt1"/>
+    </dgm:linClrLst>
+    <dgm:effectClrLst/>
+    <dgm:txLinClrLst/>
+    <dgm:txFillClrLst meth="repeat">
+      <a:schemeClr val="lt1"/>
+    </dgm:txFillClrLst>
+    <dgm:txEffectClrLst/>
+  </dgm:styleLbl>
+  <dgm:styleLbl name="sibTrans2D1">
+    <dgm:fillClrLst>
+      <a:schemeClr val="accent2"/>
+      <a:schemeClr val="accent3"/>
+    </dgm:fillClrLst>
+    <dgm:linClrLst meth="repeat">
+      <a:schemeClr val="lt1"/>
+    </dgm:linClrLst>
+    <dgm:effectClrLst/>
+    <dgm:txLinClrLst/>
+    <dgm:txFillClrLst/>
+    <dgm:txEffectClrLst/>
+  </dgm:styleLbl>
+  <dgm:styleLbl name="fgSibTrans2D1">
+    <dgm:fillClrLst>
+      <a:schemeClr val="accent2"/>
+      <a:schemeClr val="accent3"/>
+    </dgm:fillClrLst>
+    <dgm:linClrLst meth="repeat">
+      <a:schemeClr val="lt1"/>
+    </dgm:linClrLst>
+    <dgm:effectClrLst/>
+    <dgm:txLinClrLst/>
+    <dgm:txFillClrLst meth="repeat">
+      <a:schemeClr val="lt1"/>
+    </dgm:txFillClrLst>
+    <dgm:txEffectClrLst/>
+  </dgm:styleLbl>
+  <dgm:styleLbl name="bgSibTrans2D1">
+    <dgm:fillClrLst>
+      <a:schemeClr val="accent2"/>
+      <a:schemeClr val="accent3"/>
+    </dgm:fillClrLst>
+    <dgm:linClrLst meth="repeat">
+      <a:schemeClr val="lt1"/>
+    </dgm:linClrLst>
+    <dgm:effectClrLst/>
+    <dgm:txLinClrLst/>
+    <dgm:txFillClrLst meth="repeat">
+      <a:schemeClr val="lt1"/>
+    </dgm:txFillClrLst>
+    <dgm:txEffectClrLst/>
+  </dgm:styleLbl>
+  <dgm:styleLbl name="sibTrans1D1">
+    <dgm:fillClrLst/>
+    <dgm:linClrLst>
+      <a:schemeClr val="accent2"/>
+      <a:schemeClr val="accent3"/>
+    </dgm:linClrLst>
+    <dgm:effectClrLst/>
+    <dgm:txLinClrLst/>
+    <dgm:txFillClrLst meth="repeat">
+      <a:schemeClr val="tx1"/>
+    </dgm:txFillClrLst>
+    <dgm:txEffectClrLst/>
+  </dgm:styleLbl>
+  <dgm:styleLbl name="callout">
+    <dgm:fillClrLst meth="repeat">
+      <a:schemeClr val="accent2"/>
+    </dgm:fillClrLst>
+    <dgm:linClrLst meth="repeat">
+      <a:schemeClr val="accent2">
+        <a:tint val="50000"/>
+      </a:schemeClr>
+    </dgm:linClrLst>
+    <dgm:effectClrLst/>
+    <dgm:txLinClrLst/>
+    <dgm:txFillClrLst meth="repeat">
+      <a:schemeClr val="tx1"/>
+    </dgm:txFillClrLst>
+    <dgm:txEffectClrLst/>
+  </dgm:styleLbl>
+  <dgm:styleLbl name="asst0">
+    <dgm:fillClrLst meth="repeat">
+      <a:schemeClr val="accent2"/>
+    </dgm:fillClrLst>
+    <dgm:linClrLst meth="repeat">
+      <a:schemeClr val="lt1">
+        <a:shade val="80000"/>
+      </a:schemeClr>
+    </dgm:linClrLst>
+    <dgm:effectClrLst/>
+    <dgm:txLinClrLst/>
+    <dgm:txFillClrLst/>
+    <dgm:txEffectClrLst/>
+  </dgm:styleLbl>
+  <dgm:styleLbl name="asst1">
+    <dgm:fillClrLst meth="repeat">
+      <a:schemeClr val="accent3"/>
+    </dgm:fillClrLst>
+    <dgm:linClrLst meth="repeat">
+      <a:schemeClr val="lt1">
+        <a:shade val="80000"/>
+      </a:schemeClr>
+    </dgm:linClrLst>
+    <dgm:effectClrLst/>
+    <dgm:txLinClrLst/>
+    <dgm:txFillClrLst/>
+    <dgm:txEffectClrLst/>
+  </dgm:styleLbl>
+  <dgm:styleLbl name="asst2">
+    <dgm:fillClrLst>
+      <a:schemeClr val="accent4"/>
+    </dgm:fillClrLst>
+    <dgm:linClrLst meth="repeat">
+      <a:schemeClr val="lt1"/>
+    </dgm:linClrLst>
+    <dgm:effectClrLst/>
+    <dgm:txLinClrLst/>
+    <dgm:txFillClrLst/>
+    <dgm:txEffectClrLst/>
+  </dgm:styleLbl>
+  <dgm:styleLbl name="asst3">
+    <dgm:fillClrLst>
+      <a:schemeClr val="accent5"/>
+    </dgm:fillClrLst>
+    <dgm:linClrLst meth="repeat">
+      <a:schemeClr val="lt1"/>
+    </dgm:linClrLst>
+    <dgm:effectClrLst/>
+    <dgm:txLinClrLst/>
+    <dgm:txFillClrLst/>
+    <dgm:txEffectClrLst/>
+  </dgm:styleLbl>
+  <dgm:styleLbl name="asst4">
+    <dgm:fillClrLst>
+      <a:schemeClr val="accent6"/>
+    </dgm:fillClrLst>
+    <dgm:linClrLst meth="repeat">
+      <a:schemeClr val="lt1"/>
+    </dgm:linClrLst>
+    <dgm:effectClrLst/>
+    <dgm:txLinClrLst/>
+    <dgm:txFillClrLst/>
+    <dgm:txEffectClrLst/>
+  </dgm:styleLbl>
+  <dgm:styleLbl name="parChTrans2D1">
+    <dgm:fillClrLst meth="repeat">
+      <a:schemeClr val="accent2"/>
+    </dgm:fillClrLst>
+    <dgm:linClrLst meth="repeat">
+      <a:schemeClr val="lt1"/>
+    </dgm:linClrLst>
+    <dgm:effectClrLst/>
+    <dgm:txLinClrLst/>
+    <dgm:txFillClrLst meth="repeat">
+      <a:schemeClr val="lt1"/>
+    </dgm:txFillClrLst>
+    <dgm:txEffectClrLst/>
+  </dgm:styleLbl>
+  <dgm:styleLbl name="parChTrans2D2">
+    <dgm:fillClrLst meth="repeat">
+      <a:schemeClr val="accent3"/>
+    </dgm:fillClrLst>
+    <dgm:linClrLst meth="repeat">
+      <a:schemeClr val="lt1"/>
+    </dgm:linClrLst>
+    <dgm:effectClrLst/>
+    <dgm:txLinClrLst/>
+    <dgm:txFillClrLst/>
+    <dgm:txEffectClrLst/>
+  </dgm:styleLbl>
+  <dgm:styleLbl name="parChTrans2D3">
+    <dgm:fillClrLst meth="repeat">
+      <a:schemeClr val="accent4"/>
+    </dgm:fillClrLst>
+    <dgm:linClrLst meth="repeat">
+      <a:schemeClr val="lt1"/>
+    </dgm:linClrLst>
+    <dgm:effectClrLst/>
+    <dgm:txLinClrLst/>
+    <dgm:txFillClrLst/>
+    <dgm:txEffectClrLst/>
+  </dgm:styleLbl>
+  <dgm:styleLbl name="parChTrans2D4">
+    <dgm:fillClrLst meth="repeat">
+      <a:schemeClr val="accent5"/>
+    </dgm:fillClrLst>
+    <dgm:linClrLst meth="repeat">
+      <a:schemeClr val="lt1"/>
+    </dgm:linClrLst>
+    <dgm:effectClrLst/>
+    <dgm:txLinClrLst/>
+    <dgm:txFillClrLst meth="repeat">
+      <a:schemeClr val="lt1"/>
+    </dgm:txFillClrLst>
+    <dgm:txEffectClrLst/>
+  </dgm:styleLbl>
+  <dgm:styleLbl name="parChTrans1D1">
+    <dgm:fillClrLst meth="repeat">
+      <a:schemeClr val="accent2"/>
+    </dgm:fillClrLst>
+    <dgm:linClrLst meth="repeat">
+      <a:schemeClr val="accent2"/>
+    </dgm:linClrLst>
+    <dgm:effectClrLst/>
+    <dgm:txLinClrLst/>
+    <dgm:txFillClrLst meth="repeat">
+      <a:schemeClr val="tx1"/>
+    </dgm:txFillClrLst>
+    <dgm:txEffectClrLst/>
+  </dgm:styleLbl>
+  <dgm:styleLbl name="parChTrans1D2">
+    <dgm:fillClrLst meth="repeat">
+      <a:schemeClr val="accent2">
+        <a:tint val="90000"/>
+      </a:schemeClr>
+    </dgm:fillClrLst>
+    <dgm:linClrLst meth="repeat">
+      <a:schemeClr val="accent3"/>
+    </dgm:linClrLst>
+    <dgm:effectClrLst/>
+    <dgm:txLinClrLst/>
+    <dgm:txFillClrLst meth="repeat">
+      <a:schemeClr val="tx1"/>
+    </dgm:txFillClrLst>
+    <dgm:txEffectClrLst/>
+  </dgm:styleLbl>
+  <dgm:styleLbl name="parChTrans1D3">
+    <dgm:fillClrLst meth="repeat">
+      <a:schemeClr val="accent2">
+        <a:tint val="70000"/>
+      </a:schemeClr>
+    </dgm:fillClrLst>
+    <dgm:linClrLst meth="repeat">
+      <a:schemeClr val="accent4"/>
+    </dgm:linClrLst>
+    <dgm:effectClrLst/>
+    <dgm:txLinClrLst/>
+    <dgm:txFillClrLst meth="repeat">
+      <a:schemeClr val="tx1"/>
+    </dgm:txFillClrLst>
+    <dgm:txEffectClrLst/>
+  </dgm:styleLbl>
+  <dgm:styleLbl name="parChTrans1D4">
+    <dgm:fillClrLst meth="repeat">
+      <a:schemeClr val="accent2">
+        <a:tint val="50000"/>
+      </a:schemeClr>
+    </dgm:fillClrLst>
+    <dgm:linClrLst meth="repeat">
+      <a:schemeClr val="accent5"/>
+    </dgm:linClrLst>
+    <dgm:effectClrLst/>
+    <dgm:txLinClrLst/>
+    <dgm:txFillClrLst meth="repeat">
+      <a:schemeClr val="tx1"/>
+    </dgm:txFillClrLst>
+    <dgm:txEffectClrLst/>
+  </dgm:styleLbl>
+  <dgm:styleLbl name="fgAcc1">
+    <dgm:fillClrLst meth="repeat">
+      <a:schemeClr val="lt1">
+        <a:alpha val="90000"/>
+      </a:schemeClr>
+    </dgm:fillClrLst>
+    <dgm:linClrLst>
+      <a:schemeClr val="accent2"/>
+      <a:schemeClr val="accent3"/>
+    </dgm:linClrLst>
+    <dgm:effectClrLst/>
+    <dgm:txLinClrLst/>
+    <dgm:txFillClrLst meth="repeat">
+      <a:schemeClr val="dk1"/>
+    </dgm:txFillClrLst>
+    <dgm:txEffectClrLst/>
+  </dgm:styleLbl>
+  <dgm:styleLbl name="conFgAcc1">
+    <dgm:fillClrLst meth="repeat">
+      <a:schemeClr val="lt1">
+        <a:alpha val="90000"/>
+      </a:schemeClr>
+    </dgm:fillClrLst>
+    <dgm:linClrLst>
+      <a:schemeClr val="accent2"/>
+      <a:schemeClr val="accent3"/>
+    </dgm:linClrLst>
+    <dgm:effectClrLst/>
+    <dgm:txLinClrLst/>
+    <dgm:txFillClrLst meth="repeat">
+      <a:schemeClr val="dk1"/>
+    </dgm:txFillClrLst>
+    <dgm:txEffectClrLst/>
+  </dgm:styleLbl>
+  <dgm:styleLbl name="alignAcc1">
+    <dgm:fillClrLst meth="repeat">
+      <a:schemeClr val="lt1">
+        <a:alpha val="90000"/>
+      </a:schemeClr>
+    </dgm:fillClrLst>
+    <dgm:linClrLst>
+      <a:schemeClr val="accent2"/>
+      <a:schemeClr val="accent3"/>
+    </dgm:linClrLst>
+    <dgm:effectClrLst/>
+    <dgm:txLinClrLst/>
+    <dgm:txFillClrLst meth="repeat">
+      <a:schemeClr val="dk1"/>
+    </dgm:txFillClrLst>
+    <dgm:txEffectClrLst/>
+  </dgm:styleLbl>
+  <dgm:styleLbl name="trAlignAcc1">
+    <dgm:fillClrLst meth="repeat">
+      <a:schemeClr val="lt1">
+        <a:alpha val="40000"/>
+      </a:schemeClr>
+    </dgm:fillClrLst>
+    <dgm:linClrLst meth="repeat">
+      <a:schemeClr val="accent2"/>
+    </dgm:linClrLst>
+    <dgm:effectClrLst/>
+    <dgm:txLinClrLst/>
+    <dgm:txFillClrLst meth="repeat">
+      <a:schemeClr val="dk1"/>
+    </dgm:txFillClrLst>
+    <dgm:txEffectClrLst/>
+  </dgm:styleLbl>
+  <dgm:styleLbl name="bgAcc1">
+    <dgm:fillClrLst meth="repeat">
+      <a:schemeClr val="lt1">
+        <a:alpha val="90000"/>
+      </a:schemeClr>
+    </dgm:fillClrLst>
+    <dgm:linClrLst>
+      <a:schemeClr val="accent2"/>
+      <a:schemeClr val="accent3"/>
+    </dgm:linClrLst>
+    <dgm:effectClrLst/>
+    <dgm:txLinClrLst/>
+    <dgm:txFillClrLst meth="repeat">
+      <a:schemeClr val="dk1"/>
+    </dgm:txFillClrLst>
+    <dgm:txEffectClrLst/>
+  </dgm:styleLbl>
+  <dgm:styleLbl name="solidFgAcc1">
+    <dgm:fillClrLst meth="repeat">
+      <a:schemeClr val="lt1"/>
+    </dgm:fillClrLst>
+    <dgm:linClrLst>
+      <a:schemeClr val="accent2"/>
+      <a:schemeClr val="accent3"/>
+    </dgm:linClrLst>
+    <dgm:effectClrLst/>
+    <dgm:txLinClrLst/>
+    <dgm:txFillClrLst meth="repeat">
+      <a:schemeClr val="dk1"/>
+    </dgm:txFillClrLst>
+    <dgm:txEffectClrLst/>
+  </dgm:styleLbl>
+  <dgm:styleLbl name="solidAlignAcc1">
+    <dgm:fillClrLst meth="repeat">
+      <a:schemeClr val="lt1"/>
+    </dgm:fillClrLst>
+    <dgm:linClrLst>
+      <a:schemeClr val="accent2"/>
+      <a:schemeClr val="accent3"/>
+    </dgm:linClrLst>
+    <dgm:effectClrLst/>
+    <dgm:txLinClrLst/>
+    <dgm:txFillClrLst meth="repeat">
+      <a:schemeClr val="dk1"/>
+    </dgm:txFillClrLst>
+    <dgm:txEffectClrLst/>
+  </dgm:styleLbl>
+  <dgm:styleLbl name="solidBgAcc1">
+    <dgm:fillClrLst meth="repeat">
+      <a:schemeClr val="lt1"/>
+    </dgm:fillClrLst>
+    <dgm:linClrLst>
+      <a:schemeClr val="accent2"/>
+      <a:schemeClr val="accent3"/>
+    </dgm:linClrLst>
+    <dgm:effectClrLst/>
+    <dgm:txLinClrLst/>
+    <dgm:txFillClrLst meth="repeat">
+      <a:schemeClr val="dk1"/>
+    </dgm:txFillClrLst>
+    <dgm:txEffectClrLst/>
+  </dgm:styleLbl>
+  <dgm:styleLbl name="fgAccFollowNode1">
+    <dgm:fillClrLst>
+      <a:schemeClr val="accent2">
+        <a:tint val="40000"/>
+        <a:alpha val="90000"/>
+      </a:schemeClr>
+      <a:schemeClr val="accent3">
+        <a:tint val="40000"/>
+        <a:alpha val="90000"/>
+      </a:schemeClr>
+    </dgm:fillClrLst>
+    <dgm:linClrLst>
+      <a:schemeClr val="accent2">
+        <a:tint val="40000"/>
+        <a:alpha val="90000"/>
+      </a:schemeClr>
+      <a:schemeClr val="accent3">
+        <a:tint val="40000"/>
+        <a:alpha val="90000"/>
+      </a:schemeClr>
+    </dgm:linClrLst>
+    <dgm:effectClrLst/>
+    <dgm:txLinClrLst/>
+    <dgm:txFillClrLst meth="repeat">
+      <a:schemeClr val="dk1"/>
+    </dgm:txFillClrLst>
+    <dgm:txEffectClrLst/>
+  </dgm:styleLbl>
+  <dgm:styleLbl name="alignAccFollowNode1">
+    <dgm:fillClrLst>
+      <a:schemeClr val="accent2">
+        <a:tint val="40000"/>
+        <a:alpha val="90000"/>
+      </a:schemeClr>
+      <a:schemeClr val="accent3">
+        <a:tint val="40000"/>
+        <a:alpha val="90000"/>
+      </a:schemeClr>
+    </dgm:fillClrLst>
+    <dgm:linClrLst>
+      <a:schemeClr val="accent2">
+        <a:tint val="40000"/>
+        <a:alpha val="90000"/>
+      </a:schemeClr>
+      <a:schemeClr val="accent3">
+        <a:tint val="40000"/>
+        <a:alpha val="90000"/>
+      </a:schemeClr>
+    </dgm:linClrLst>
+    <dgm:effectClrLst/>
+    <dgm:txLinClrLst/>
+    <dgm:txFillClrLst meth="repeat">
+      <a:schemeClr val="dk1"/>
+    </dgm:txFillClrLst>
+    <dgm:txEffectClrLst/>
+  </dgm:styleLbl>
+  <dgm:styleLbl name="bgAccFollowNode1">
+    <dgm:fillClrLst>
+      <a:schemeClr val="accent2">
+        <a:tint val="40000"/>
+        <a:alpha val="90000"/>
+      </a:schemeClr>
+      <a:schemeClr val="accent3">
+        <a:tint val="40000"/>
+        <a:alpha val="90000"/>
+      </a:schemeClr>
+    </dgm:fillClrLst>
+    <dgm:linClrLst>
+      <a:schemeClr val="accent2">
+        <a:tint val="40000"/>
+        <a:alpha val="90000"/>
+      </a:schemeClr>
+      <a:schemeClr val="accent3">
+        <a:tint val="40000"/>
+        <a:alpha val="90000"/>
+      </a:schemeClr>
+    </dgm:linClrLst>
+    <dgm:effectClrLst/>
+    <dgm:txLinClrLst/>
+    <dgm:txFillClrLst meth="repeat">
+      <a:schemeClr val="dk1"/>
+    </dgm:txFillClrLst>
+    <dgm:txEffectClrLst/>
+  </dgm:styleLbl>
+  <dgm:styleLbl name="fgAcc0">
+    <dgm:fillClrLst meth="repeat">
+      <a:schemeClr val="lt1">
+        <a:alpha val="90000"/>
+      </a:schemeClr>
+    </dgm:fillClrLst>
+    <dgm:linClrLst>
+      <a:schemeClr val="accent1"/>
+    </dgm:linClrLst>
+    <dgm:effectClrLst/>
+    <dgm:txLinClrLst/>
+    <dgm:txFillClrLst meth="repeat">
+      <a:schemeClr val="dk1"/>
+    </dgm:txFillClrLst>
+    <dgm:txEffectClrLst/>
+  </dgm:styleLbl>
+  <dgm:styleLbl name="fgAcc2">
+    <dgm:fillClrLst meth="repeat">
+      <a:schemeClr val="lt1">
+        <a:alpha val="90000"/>
+      </a:schemeClr>
+    </dgm:fillClrLst>
+    <dgm:linClrLst>
+      <a:schemeClr val="accent3"/>
+    </dgm:linClrLst>
+    <dgm:effectClrLst/>
+    <dgm:txLinClrLst/>
+    <dgm:txFillClrLst meth="repeat">
+      <a:schemeClr val="dk1"/>
+    </dgm:txFillClrLst>
+    <dgm:txEffectClrLst/>
+  </dgm:styleLbl>
+  <dgm:styleLbl name="fgAcc3">
+    <dgm:fillClrLst meth="repeat">
+      <a:schemeClr val="lt1">
+        <a:alpha val="90000"/>
+      </a:schemeClr>
+    </dgm:fillClrLst>
+    <dgm:linClrLst>
+      <a:schemeClr val="accent4"/>
+    </dgm:linClrLst>
+    <dgm:effectClrLst/>
+    <dgm:txLinClrLst/>
+    <dgm:txFillClrLst meth="repeat">
+      <a:schemeClr val="dk1"/>
+    </dgm:txFillClrLst>
+    <dgm:txEffectClrLst/>
+  </dgm:styleLbl>
+  <dgm:styleLbl name="fgAcc4">
+    <dgm:fillClrLst meth="repeat">
+      <a:schemeClr val="lt1">
+        <a:alpha val="90000"/>
+      </a:schemeClr>
+    </dgm:fillClrLst>
+    <dgm:linClrLst>
+      <a:schemeClr val="accent5"/>
+    </dgm:linClrLst>
+    <dgm:effectClrLst/>
+    <dgm:txLinClrLst/>
+    <dgm:txFillClrLst meth="repeat">
+      <a:schemeClr val="dk1"/>
+    </dgm:txFillClrLst>
+    <dgm:txEffectClrLst/>
+  </dgm:styleLbl>
+  <dgm:styleLbl name="bgShp">
+    <dgm:fillClrLst meth="repeat">
+      <a:schemeClr val="accent2">
+        <a:tint val="40000"/>
+      </a:schemeClr>
+    </dgm:fillClrLst>
+    <dgm:linClrLst meth="repeat">
+      <a:schemeClr val="dk1"/>
+    </dgm:linClrLst>
+    <dgm:effectClrLst/>
+    <dgm:txLinClrLst/>
+    <dgm:txFillClrLst meth="repeat">
+      <a:schemeClr val="dk1"/>
+    </dgm:txFillClrLst>
+    <dgm:txEffectClrLst/>
+  </dgm:styleLbl>
+  <dgm:styleLbl name="dkBgShp">
+    <dgm:fillClrLst meth="repeat">
+      <a:schemeClr val="accent2">
+        <a:shade val="90000"/>
+      </a:schemeClr>
+    </dgm:fillClrLst>
+    <dgm:linClrLst meth="repeat">
+      <a:schemeClr val="dk1"/>
+    </dgm:linClrLst>
+    <dgm:effectClrLst/>
+    <dgm:txLinClrLst/>
+    <dgm:txFillClrLst meth="repeat">
+      <a:schemeClr val="lt1"/>
+    </dgm:txFillClrLst>
+    <dgm:txEffectClrLst/>
+  </dgm:styleLbl>
+  <dgm:styleLbl name="trBgShp">
+    <dgm:fillClrLst meth="repeat">
+      <a:schemeClr val="accent2">
+        <a:tint val="50000"/>
+        <a:alpha val="40000"/>
+      </a:schemeClr>
+    </dgm:fillClrLst>
+    <dgm:linClrLst meth="repeat">
+      <a:schemeClr val="accent2"/>
+    </dgm:linClrLst>
+    <dgm:effectClrLst/>
+    <dgm:txLinClrLst/>
+    <dgm:txFillClrLst meth="repeat">
+      <a:schemeClr val="lt1"/>
+    </dgm:txFillClrLst>
+    <dgm:txEffectClrLst/>
+  </dgm:styleLbl>
+  <dgm:styleLbl name="fgShp">
+    <dgm:fillClrLst meth="repeat">
+      <a:schemeClr val="accent2">
+        <a:tint val="40000"/>
+      </a:schemeClr>
+    </dgm:fillClrLst>
+    <dgm:linClrLst meth="repeat">
+      <a:schemeClr val="lt1"/>
+    </dgm:linClrLst>
+    <dgm:effectClrLst/>
+    <dgm:txLinClrLst/>
+    <dgm:txFillClrLst meth="repeat">
+      <a:schemeClr val="dk1"/>
+    </dgm:txFillClrLst>
+    <dgm:txEffectClrLst/>
+  </dgm:styleLbl>
+  <dgm:styleLbl name="revTx">
+    <dgm:fillClrLst meth="repeat">
+      <a:schemeClr val="lt1">
+        <a:alpha val="0"/>
+      </a:schemeClr>
+    </dgm:fillClrLst>
+    <dgm:linClrLst meth="repeat">
+      <a:schemeClr val="dk1">
+        <a:alpha val="0"/>
+      </a:schemeClr>
+    </dgm:linClrLst>
+    <dgm:effectClrLst/>
+    <dgm:txLinClrLst/>
+    <dgm:txFillClrLst meth="repeat">
+      <a:schemeClr val="tx1"/>
+    </dgm:txFillClrLst>
+    <dgm:txEffectClrLst/>
+  </dgm:styleLbl>
+</dgm:colorsDef>
+</file>
+
+<file path=ppt/diagrams/data1.xml><?xml version="1.0" encoding="utf-8"?>
+<dgm:dataModel xmlns:dgm="http://schemas.openxmlformats.org/drawingml/2006/diagram" xmlns:a="http://schemas.openxmlformats.org/drawingml/2006/main">
+  <dgm:ptLst>
+    <dgm:pt modelId="{C0E2EB25-C5FC-4E90-897E-F0A6C77105C4}" type="doc">
+      <dgm:prSet loTypeId="urn:microsoft.com/office/officeart/2008/layout/LinedList" loCatId="list" qsTypeId="urn:microsoft.com/office/officeart/2005/8/quickstyle/simple4" qsCatId="simple" csTypeId="urn:microsoft.com/office/officeart/2005/8/colors/colorful2" csCatId="colorful"/>
+      <dgm:spPr/>
+      <dgm:t>
+        <a:bodyPr/>
+        <a:lstStyle/>
+        <a:p>
+          <a:endParaRPr lang="en-US"/>
+        </a:p>
+      </dgm:t>
+    </dgm:pt>
+    <dgm:pt modelId="{776860FF-7E4D-4E1A-9723-3409F2DB2DEB}">
+      <dgm:prSet/>
+      <dgm:spPr/>
+      <dgm:t>
+        <a:bodyPr/>
+        <a:lstStyle/>
+        <a:p>
+          <a:r>
+            <a:rPr lang="en-ZA"/>
+            <a:t>As can be seen in the next slide, CPI has peaked around 2008 and in 2022.</a:t>
+          </a:r>
+          <a:endParaRPr lang="en-US"/>
+        </a:p>
+      </dgm:t>
+    </dgm:pt>
+    <dgm:pt modelId="{F55DFADA-F816-44BD-8B36-470FEEA75D45}" type="parTrans" cxnId="{F8C75D6C-B08A-4077-B47F-FFF0CCD056F6}">
+      <dgm:prSet/>
+      <dgm:spPr/>
+      <dgm:t>
+        <a:bodyPr/>
+        <a:lstStyle/>
+        <a:p>
+          <a:endParaRPr lang="en-US"/>
+        </a:p>
+      </dgm:t>
+    </dgm:pt>
+    <dgm:pt modelId="{B04C90C9-4D96-4857-90A4-3B0183A1E1FF}" type="sibTrans" cxnId="{F8C75D6C-B08A-4077-B47F-FFF0CCD056F6}">
+      <dgm:prSet/>
+      <dgm:spPr/>
+      <dgm:t>
+        <a:bodyPr/>
+        <a:lstStyle/>
+        <a:p>
+          <a:endParaRPr lang="en-US"/>
+        </a:p>
+      </dgm:t>
+    </dgm:pt>
+    <dgm:pt modelId="{78D13528-74E7-40B6-A84E-23E5DCF8843D}">
+      <dgm:prSet/>
+      <dgm:spPr/>
+      <dgm:t>
+        <a:bodyPr/>
+        <a:lstStyle/>
+        <a:p>
+          <a:r>
+            <a:rPr lang="en-ZA"/>
+            <a:t>In 2008, it was likely caused by the well known recession that occurred at that time.</a:t>
+          </a:r>
+          <a:endParaRPr lang="en-US"/>
+        </a:p>
+      </dgm:t>
+    </dgm:pt>
+    <dgm:pt modelId="{6AAC6EF4-2516-461A-8F42-E9F3A3659DBD}" type="parTrans" cxnId="{6AD3AE64-C701-45D4-AFC2-28F77FB9D442}">
+      <dgm:prSet/>
+      <dgm:spPr/>
+      <dgm:t>
+        <a:bodyPr/>
+        <a:lstStyle/>
+        <a:p>
+          <a:endParaRPr lang="en-US"/>
+        </a:p>
+      </dgm:t>
+    </dgm:pt>
+    <dgm:pt modelId="{CAE7B79D-45C8-4715-8C8B-8F080E51D995}" type="sibTrans" cxnId="{6AD3AE64-C701-45D4-AFC2-28F77FB9D442}">
+      <dgm:prSet/>
+      <dgm:spPr/>
+      <dgm:t>
+        <a:bodyPr/>
+        <a:lstStyle/>
+        <a:p>
+          <a:endParaRPr lang="en-US"/>
+        </a:p>
+      </dgm:t>
+    </dgm:pt>
+    <dgm:pt modelId="{8651CA52-BDEB-4164-AC37-B1C65CF9C448}">
+      <dgm:prSet/>
+      <dgm:spPr/>
+      <dgm:t>
+        <a:bodyPr/>
+        <a:lstStyle/>
+        <a:p>
+          <a:r>
+            <a:rPr lang="en-ZA"/>
+            <a:t>In 2022, there was a war between Russia and Ukraine and the after effects of Covid 19 were still in effect. </a:t>
+          </a:r>
+          <a:endParaRPr lang="en-US"/>
+        </a:p>
+      </dgm:t>
+    </dgm:pt>
+    <dgm:pt modelId="{CD8B2F68-D589-4B6C-B998-883E89949C7E}" type="parTrans" cxnId="{37E85AC6-D28B-4C86-8992-789103D013B4}">
+      <dgm:prSet/>
+      <dgm:spPr/>
+      <dgm:t>
+        <a:bodyPr/>
+        <a:lstStyle/>
+        <a:p>
+          <a:endParaRPr lang="en-US"/>
+        </a:p>
+      </dgm:t>
+    </dgm:pt>
+    <dgm:pt modelId="{A190B842-A1D1-4CD6-8E1F-D83B56CB29BF}" type="sibTrans" cxnId="{37E85AC6-D28B-4C86-8992-789103D013B4}">
+      <dgm:prSet/>
+      <dgm:spPr/>
+      <dgm:t>
+        <a:bodyPr/>
+        <a:lstStyle/>
+        <a:p>
+          <a:endParaRPr lang="en-US"/>
+        </a:p>
+      </dgm:t>
+    </dgm:pt>
+    <dgm:pt modelId="{74DCC831-88A1-4DA5-ABB5-DC6E9812E357}">
+      <dgm:prSet/>
+      <dgm:spPr/>
+      <dgm:t>
+        <a:bodyPr/>
+        <a:lstStyle/>
+        <a:p>
+          <a:r>
+            <a:rPr lang="en-ZA"/>
+            <a:t>After Covid, the Bank made a decision to keep interest rates very low in order to boost the economy. This can be seen in the next slide. It is generally known that low interest rates result in high inflation.</a:t>
+          </a:r>
+          <a:endParaRPr lang="en-US"/>
+        </a:p>
+      </dgm:t>
+    </dgm:pt>
+    <dgm:pt modelId="{ED305022-4499-413C-954E-8A5A4DE9E243}" type="parTrans" cxnId="{FAF84694-1B42-4489-83BF-A2727925E88F}">
+      <dgm:prSet/>
+      <dgm:spPr/>
+      <dgm:t>
+        <a:bodyPr/>
+        <a:lstStyle/>
+        <a:p>
+          <a:endParaRPr lang="en-US"/>
+        </a:p>
+      </dgm:t>
+    </dgm:pt>
+    <dgm:pt modelId="{9AD9046C-5884-410A-BB87-BB58C6176710}" type="sibTrans" cxnId="{FAF84694-1B42-4489-83BF-A2727925E88F}">
+      <dgm:prSet/>
+      <dgm:spPr/>
+      <dgm:t>
+        <a:bodyPr/>
+        <a:lstStyle/>
+        <a:p>
+          <a:endParaRPr lang="en-US"/>
+        </a:p>
+      </dgm:t>
+    </dgm:pt>
+    <dgm:pt modelId="{6A5F8B89-B9B0-46F7-9A4A-7368DC43EE1F}" type="pres">
+      <dgm:prSet presAssocID="{C0E2EB25-C5FC-4E90-897E-F0A6C77105C4}" presName="vert0" presStyleCnt="0">
+        <dgm:presLayoutVars>
+          <dgm:dir/>
+          <dgm:animOne val="branch"/>
+          <dgm:animLvl val="lvl"/>
+        </dgm:presLayoutVars>
+      </dgm:prSet>
+      <dgm:spPr/>
+    </dgm:pt>
+    <dgm:pt modelId="{3ACC9810-AF0E-44FA-8018-B20C8CFD09EE}" type="pres">
+      <dgm:prSet presAssocID="{776860FF-7E4D-4E1A-9723-3409F2DB2DEB}" presName="thickLine" presStyleLbl="alignNode1" presStyleIdx="0" presStyleCnt="4"/>
+      <dgm:spPr/>
+    </dgm:pt>
+    <dgm:pt modelId="{83F633E2-0809-484C-9A4F-D3359D131023}" type="pres">
+      <dgm:prSet presAssocID="{776860FF-7E4D-4E1A-9723-3409F2DB2DEB}" presName="horz1" presStyleCnt="0"/>
+      <dgm:spPr/>
+    </dgm:pt>
+    <dgm:pt modelId="{30F50228-4F8B-4591-AA63-6C51D16C23CB}" type="pres">
+      <dgm:prSet presAssocID="{776860FF-7E4D-4E1A-9723-3409F2DB2DEB}" presName="tx1" presStyleLbl="revTx" presStyleIdx="0" presStyleCnt="4"/>
+      <dgm:spPr/>
+    </dgm:pt>
+    <dgm:pt modelId="{5FAD4892-2E66-462C-B5CD-A440FBB9220F}" type="pres">
+      <dgm:prSet presAssocID="{776860FF-7E4D-4E1A-9723-3409F2DB2DEB}" presName="vert1" presStyleCnt="0"/>
+      <dgm:spPr/>
+    </dgm:pt>
+    <dgm:pt modelId="{3726E2D0-2FAD-4FDC-9FFF-F2D64FB809C2}" type="pres">
+      <dgm:prSet presAssocID="{78D13528-74E7-40B6-A84E-23E5DCF8843D}" presName="thickLine" presStyleLbl="alignNode1" presStyleIdx="1" presStyleCnt="4"/>
+      <dgm:spPr/>
+    </dgm:pt>
+    <dgm:pt modelId="{1B89472E-E5A4-42E4-97CE-C6D8506A27F5}" type="pres">
+      <dgm:prSet presAssocID="{78D13528-74E7-40B6-A84E-23E5DCF8843D}" presName="horz1" presStyleCnt="0"/>
+      <dgm:spPr/>
+    </dgm:pt>
+    <dgm:pt modelId="{8ED028F5-3E3C-4709-AC3F-EF6647640C21}" type="pres">
+      <dgm:prSet presAssocID="{78D13528-74E7-40B6-A84E-23E5DCF8843D}" presName="tx1" presStyleLbl="revTx" presStyleIdx="1" presStyleCnt="4"/>
+      <dgm:spPr/>
+    </dgm:pt>
+    <dgm:pt modelId="{2D3F8C41-336B-4ADA-968A-5331D2C5172C}" type="pres">
+      <dgm:prSet presAssocID="{78D13528-74E7-40B6-A84E-23E5DCF8843D}" presName="vert1" presStyleCnt="0"/>
+      <dgm:spPr/>
+    </dgm:pt>
+    <dgm:pt modelId="{BCC7F0FB-D023-4001-8B47-646638C87400}" type="pres">
+      <dgm:prSet presAssocID="{8651CA52-BDEB-4164-AC37-B1C65CF9C448}" presName="thickLine" presStyleLbl="alignNode1" presStyleIdx="2" presStyleCnt="4"/>
+      <dgm:spPr/>
+    </dgm:pt>
+    <dgm:pt modelId="{D1B67431-CE36-4495-A6F0-EAA98136D9FA}" type="pres">
+      <dgm:prSet presAssocID="{8651CA52-BDEB-4164-AC37-B1C65CF9C448}" presName="horz1" presStyleCnt="0"/>
+      <dgm:spPr/>
+    </dgm:pt>
+    <dgm:pt modelId="{DA95BB5B-B732-4788-9A21-329894B90736}" type="pres">
+      <dgm:prSet presAssocID="{8651CA52-BDEB-4164-AC37-B1C65CF9C448}" presName="tx1" presStyleLbl="revTx" presStyleIdx="2" presStyleCnt="4"/>
+      <dgm:spPr/>
+    </dgm:pt>
+    <dgm:pt modelId="{7A45247D-2894-4E8A-BBAC-FB493A8AFBFF}" type="pres">
+      <dgm:prSet presAssocID="{8651CA52-BDEB-4164-AC37-B1C65CF9C448}" presName="vert1" presStyleCnt="0"/>
+      <dgm:spPr/>
+    </dgm:pt>
+    <dgm:pt modelId="{AED6D762-D584-4221-B63E-33E1B343AE25}" type="pres">
+      <dgm:prSet presAssocID="{74DCC831-88A1-4DA5-ABB5-DC6E9812E357}" presName="thickLine" presStyleLbl="alignNode1" presStyleIdx="3" presStyleCnt="4"/>
+      <dgm:spPr/>
+    </dgm:pt>
+    <dgm:pt modelId="{03C7C4D1-2039-48E7-9175-A1DC09B4AA92}" type="pres">
+      <dgm:prSet presAssocID="{74DCC831-88A1-4DA5-ABB5-DC6E9812E357}" presName="horz1" presStyleCnt="0"/>
+      <dgm:spPr/>
+    </dgm:pt>
+    <dgm:pt modelId="{D6C3847D-A0B4-4013-B5D2-1C6C95A1B83E}" type="pres">
+      <dgm:prSet presAssocID="{74DCC831-88A1-4DA5-ABB5-DC6E9812E357}" presName="tx1" presStyleLbl="revTx" presStyleIdx="3" presStyleCnt="4"/>
+      <dgm:spPr/>
+    </dgm:pt>
+    <dgm:pt modelId="{9D666F18-8A95-4A13-9748-6CEAA606ECE5}" type="pres">
+      <dgm:prSet presAssocID="{74DCC831-88A1-4DA5-ABB5-DC6E9812E357}" presName="vert1" presStyleCnt="0"/>
+      <dgm:spPr/>
+    </dgm:pt>
+  </dgm:ptLst>
+  <dgm:cxnLst>
+    <dgm:cxn modelId="{41A12E30-8F56-4C65-B993-FAE88599D6C0}" type="presOf" srcId="{74DCC831-88A1-4DA5-ABB5-DC6E9812E357}" destId="{D6C3847D-A0B4-4013-B5D2-1C6C95A1B83E}" srcOrd="0" destOrd="0" presId="urn:microsoft.com/office/officeart/2008/layout/LinedList"/>
+    <dgm:cxn modelId="{6AD3AE64-C701-45D4-AFC2-28F77FB9D442}" srcId="{C0E2EB25-C5FC-4E90-897E-F0A6C77105C4}" destId="{78D13528-74E7-40B6-A84E-23E5DCF8843D}" srcOrd="1" destOrd="0" parTransId="{6AAC6EF4-2516-461A-8F42-E9F3A3659DBD}" sibTransId="{CAE7B79D-45C8-4715-8C8B-8F080E51D995}"/>
+    <dgm:cxn modelId="{F8C75D6C-B08A-4077-B47F-FFF0CCD056F6}" srcId="{C0E2EB25-C5FC-4E90-897E-F0A6C77105C4}" destId="{776860FF-7E4D-4E1A-9723-3409F2DB2DEB}" srcOrd="0" destOrd="0" parTransId="{F55DFADA-F816-44BD-8B36-470FEEA75D45}" sibTransId="{B04C90C9-4D96-4857-90A4-3B0183A1E1FF}"/>
+    <dgm:cxn modelId="{0EDBF38D-2298-427B-90EC-93D645A1ADA7}" type="presOf" srcId="{776860FF-7E4D-4E1A-9723-3409F2DB2DEB}" destId="{30F50228-4F8B-4591-AA63-6C51D16C23CB}" srcOrd="0" destOrd="0" presId="urn:microsoft.com/office/officeart/2008/layout/LinedList"/>
+    <dgm:cxn modelId="{FAF84694-1B42-4489-83BF-A2727925E88F}" srcId="{C0E2EB25-C5FC-4E90-897E-F0A6C77105C4}" destId="{74DCC831-88A1-4DA5-ABB5-DC6E9812E357}" srcOrd="3" destOrd="0" parTransId="{ED305022-4499-413C-954E-8A5A4DE9E243}" sibTransId="{9AD9046C-5884-410A-BB87-BB58C6176710}"/>
+    <dgm:cxn modelId="{F2937298-A815-4ECF-B54B-F23112455CB2}" type="presOf" srcId="{C0E2EB25-C5FC-4E90-897E-F0A6C77105C4}" destId="{6A5F8B89-B9B0-46F7-9A4A-7368DC43EE1F}" srcOrd="0" destOrd="0" presId="urn:microsoft.com/office/officeart/2008/layout/LinedList"/>
+    <dgm:cxn modelId="{9CC67E9D-9277-4BC0-9583-FEC680386145}" type="presOf" srcId="{78D13528-74E7-40B6-A84E-23E5DCF8843D}" destId="{8ED028F5-3E3C-4709-AC3F-EF6647640C21}" srcOrd="0" destOrd="0" presId="urn:microsoft.com/office/officeart/2008/layout/LinedList"/>
+    <dgm:cxn modelId="{4344A09E-A080-4E49-A98A-4E55899B51EE}" type="presOf" srcId="{8651CA52-BDEB-4164-AC37-B1C65CF9C448}" destId="{DA95BB5B-B732-4788-9A21-329894B90736}" srcOrd="0" destOrd="0" presId="urn:microsoft.com/office/officeart/2008/layout/LinedList"/>
+    <dgm:cxn modelId="{37E85AC6-D28B-4C86-8992-789103D013B4}" srcId="{C0E2EB25-C5FC-4E90-897E-F0A6C77105C4}" destId="{8651CA52-BDEB-4164-AC37-B1C65CF9C448}" srcOrd="2" destOrd="0" parTransId="{CD8B2F68-D589-4B6C-B998-883E89949C7E}" sibTransId="{A190B842-A1D1-4CD6-8E1F-D83B56CB29BF}"/>
+    <dgm:cxn modelId="{A99C0265-CA69-4D63-BBD2-1241321418AA}" type="presParOf" srcId="{6A5F8B89-B9B0-46F7-9A4A-7368DC43EE1F}" destId="{3ACC9810-AF0E-44FA-8018-B20C8CFD09EE}" srcOrd="0" destOrd="0" presId="urn:microsoft.com/office/officeart/2008/layout/LinedList"/>
+    <dgm:cxn modelId="{3950D180-194B-4D66-A6B0-CEB286AFD69B}" type="presParOf" srcId="{6A5F8B89-B9B0-46F7-9A4A-7368DC43EE1F}" destId="{83F633E2-0809-484C-9A4F-D3359D131023}" srcOrd="1" destOrd="0" presId="urn:microsoft.com/office/officeart/2008/layout/LinedList"/>
+    <dgm:cxn modelId="{C5E66A45-FA49-44ED-98D7-23BD964F91E1}" type="presParOf" srcId="{83F633E2-0809-484C-9A4F-D3359D131023}" destId="{30F50228-4F8B-4591-AA63-6C51D16C23CB}" srcOrd="0" destOrd="0" presId="urn:microsoft.com/office/officeart/2008/layout/LinedList"/>
+    <dgm:cxn modelId="{0AEB5723-7230-420B-9322-B251B2858B4A}" type="presParOf" srcId="{83F633E2-0809-484C-9A4F-D3359D131023}" destId="{5FAD4892-2E66-462C-B5CD-A440FBB9220F}" srcOrd="1" destOrd="0" presId="urn:microsoft.com/office/officeart/2008/layout/LinedList"/>
+    <dgm:cxn modelId="{E2DA5845-9D32-48BF-BD25-437940662F76}" type="presParOf" srcId="{6A5F8B89-B9B0-46F7-9A4A-7368DC43EE1F}" destId="{3726E2D0-2FAD-4FDC-9FFF-F2D64FB809C2}" srcOrd="2" destOrd="0" presId="urn:microsoft.com/office/officeart/2008/layout/LinedList"/>
+    <dgm:cxn modelId="{A83CF1FA-79A4-4B0B-8580-D8E34DD21A7C}" type="presParOf" srcId="{6A5F8B89-B9B0-46F7-9A4A-7368DC43EE1F}" destId="{1B89472E-E5A4-42E4-97CE-C6D8506A27F5}" srcOrd="3" destOrd="0" presId="urn:microsoft.com/office/officeart/2008/layout/LinedList"/>
+    <dgm:cxn modelId="{E1F705D9-BFAE-4C94-9EC9-9F3E01957965}" type="presParOf" srcId="{1B89472E-E5A4-42E4-97CE-C6D8506A27F5}" destId="{8ED028F5-3E3C-4709-AC3F-EF6647640C21}" srcOrd="0" destOrd="0" presId="urn:microsoft.com/office/officeart/2008/layout/LinedList"/>
+    <dgm:cxn modelId="{315FB81B-DD3C-4D4E-8701-299DEA10A011}" type="presParOf" srcId="{1B89472E-E5A4-42E4-97CE-C6D8506A27F5}" destId="{2D3F8C41-336B-4ADA-968A-5331D2C5172C}" srcOrd="1" destOrd="0" presId="urn:microsoft.com/office/officeart/2008/layout/LinedList"/>
+    <dgm:cxn modelId="{B2B38E3B-489B-46FC-8511-BDC0E1FDB21E}" type="presParOf" srcId="{6A5F8B89-B9B0-46F7-9A4A-7368DC43EE1F}" destId="{BCC7F0FB-D023-4001-8B47-646638C87400}" srcOrd="4" destOrd="0" presId="urn:microsoft.com/office/officeart/2008/layout/LinedList"/>
+    <dgm:cxn modelId="{610F708C-1500-494E-A2CA-8894DBF33844}" type="presParOf" srcId="{6A5F8B89-B9B0-46F7-9A4A-7368DC43EE1F}" destId="{D1B67431-CE36-4495-A6F0-EAA98136D9FA}" srcOrd="5" destOrd="0" presId="urn:microsoft.com/office/officeart/2008/layout/LinedList"/>
+    <dgm:cxn modelId="{23A330CB-6161-4442-8668-700708E197F7}" type="presParOf" srcId="{D1B67431-CE36-4495-A6F0-EAA98136D9FA}" destId="{DA95BB5B-B732-4788-9A21-329894B90736}" srcOrd="0" destOrd="0" presId="urn:microsoft.com/office/officeart/2008/layout/LinedList"/>
+    <dgm:cxn modelId="{8AE2EEC9-96F4-4D09-BBD8-16F73A095EB8}" type="presParOf" srcId="{D1B67431-CE36-4495-A6F0-EAA98136D9FA}" destId="{7A45247D-2894-4E8A-BBAC-FB493A8AFBFF}" srcOrd="1" destOrd="0" presId="urn:microsoft.com/office/officeart/2008/layout/LinedList"/>
+    <dgm:cxn modelId="{34780A1D-3D4D-4223-BD61-99AB8CC04AD2}" type="presParOf" srcId="{6A5F8B89-B9B0-46F7-9A4A-7368DC43EE1F}" destId="{AED6D762-D584-4221-B63E-33E1B343AE25}" srcOrd="6" destOrd="0" presId="urn:microsoft.com/office/officeart/2008/layout/LinedList"/>
+    <dgm:cxn modelId="{3F36A292-9FE5-46D5-B280-ADB3F9D1638C}" type="presParOf" srcId="{6A5F8B89-B9B0-46F7-9A4A-7368DC43EE1F}" destId="{03C7C4D1-2039-48E7-9175-A1DC09B4AA92}" srcOrd="7" destOrd="0" presId="urn:microsoft.com/office/officeart/2008/layout/LinedList"/>
+    <dgm:cxn modelId="{8B2A70DB-E092-400C-82BF-D3FB56A7B030}" type="presParOf" srcId="{03C7C4D1-2039-48E7-9175-A1DC09B4AA92}" destId="{D6C3847D-A0B4-4013-B5D2-1C6C95A1B83E}" srcOrd="0" destOrd="0" presId="urn:microsoft.com/office/officeart/2008/layout/LinedList"/>
+    <dgm:cxn modelId="{B36BCF77-4404-48E5-AAFF-74F59BFDBE92}" type="presParOf" srcId="{03C7C4D1-2039-48E7-9175-A1DC09B4AA92}" destId="{9D666F18-8A95-4A13-9748-6CEAA606ECE5}" srcOrd="1" destOrd="0" presId="urn:microsoft.com/office/officeart/2008/layout/LinedList"/>
+  </dgm:cxnLst>
+  <dgm:bg/>
+  <dgm:whole/>
+  <dgm:extLst>
+    <a:ext uri="http://schemas.microsoft.com/office/drawing/2008/diagram">
+      <dsp:dataModelExt xmlns:dsp="http://schemas.microsoft.com/office/drawing/2008/diagram" relId="rId6" minVer="http://schemas.openxmlformats.org/drawingml/2006/diagram"/>
+    </a:ext>
+  </dgm:extLst>
+</dgm:dataModel>
+</file>
+
+<file path=ppt/diagrams/drawing1.xml><?xml version="1.0" encoding="utf-8"?>
+<dsp:drawing xmlns:dgm="http://schemas.openxmlformats.org/drawingml/2006/diagram" xmlns:dsp="http://schemas.microsoft.com/office/drawing/2008/diagram" xmlns:a="http://schemas.openxmlformats.org/drawingml/2006/main">
+  <dsp:spTree>
+    <dsp:nvGrpSpPr>
+      <dsp:cNvPr id="0" name=""/>
+      <dsp:cNvGrpSpPr/>
+    </dsp:nvGrpSpPr>
+    <dsp:grpSpPr/>
+    <dsp:sp modelId="{3ACC9810-AF0E-44FA-8018-B20C8CFD09EE}">
+      <dsp:nvSpPr>
+        <dsp:cNvPr id="0" name=""/>
+        <dsp:cNvSpPr/>
+      </dsp:nvSpPr>
+      <dsp:spPr>
+        <a:xfrm>
+          <a:off x="0" y="0"/>
+          <a:ext cx="5607050" cy="0"/>
+        </a:xfrm>
+        <a:prstGeom prst="line">
+          <a:avLst/>
+        </a:prstGeom>
+        <a:gradFill rotWithShape="0">
+          <a:gsLst>
+            <a:gs pos="0">
+              <a:schemeClr val="accent2">
+                <a:hueOff val="0"/>
+                <a:satOff val="0"/>
+                <a:lumOff val="0"/>
+                <a:alphaOff val="0"/>
+                <a:tint val="97000"/>
+                <a:satMod val="100000"/>
+                <a:lumMod val="102000"/>
+              </a:schemeClr>
+            </a:gs>
+            <a:gs pos="50000">
+              <a:schemeClr val="accent2">
+                <a:hueOff val="0"/>
+                <a:satOff val="0"/>
+                <a:lumOff val="0"/>
+                <a:alphaOff val="0"/>
+                <a:shade val="100000"/>
+                <a:satMod val="103000"/>
+                <a:lumMod val="100000"/>
+              </a:schemeClr>
+            </a:gs>
+            <a:gs pos="100000">
+              <a:schemeClr val="accent2">
+                <a:hueOff val="0"/>
+                <a:satOff val="0"/>
+                <a:lumOff val="0"/>
+                <a:alphaOff val="0"/>
+                <a:shade val="93000"/>
+                <a:satMod val="110000"/>
+                <a:lumMod val="99000"/>
+              </a:schemeClr>
+            </a:gs>
+          </a:gsLst>
+          <a:lin ang="5400000" scaled="0"/>
+        </a:gradFill>
+        <a:ln w="6350" cap="flat" cmpd="sng" algn="ctr">
+          <a:solidFill>
+            <a:schemeClr val="accent2">
+              <a:hueOff val="0"/>
+              <a:satOff val="0"/>
+              <a:lumOff val="0"/>
+              <a:alphaOff val="0"/>
+            </a:schemeClr>
+          </a:solidFill>
+          <a:prstDash val="solid"/>
+        </a:ln>
+        <a:effectLst/>
+      </dsp:spPr>
+      <dsp:style>
+        <a:lnRef idx="1">
+          <a:scrgbClr r="0" g="0" b="0"/>
+        </a:lnRef>
+        <a:fillRef idx="3">
+          <a:scrgbClr r="0" g="0" b="0"/>
+        </a:fillRef>
+        <a:effectRef idx="2">
+          <a:scrgbClr r="0" g="0" b="0"/>
+        </a:effectRef>
+        <a:fontRef idx="minor">
+          <a:schemeClr val="lt1"/>
+        </a:fontRef>
+      </dsp:style>
+    </dsp:sp>
+    <dsp:sp modelId="{30F50228-4F8B-4591-AA63-6C51D16C23CB}">
+      <dsp:nvSpPr>
+        <dsp:cNvPr id="0" name=""/>
+        <dsp:cNvSpPr/>
+      </dsp:nvSpPr>
+      <dsp:spPr>
+        <a:xfrm>
+          <a:off x="0" y="0"/>
+          <a:ext cx="5607050" cy="1231899"/>
+        </a:xfrm>
+        <a:prstGeom prst="rect">
+          <a:avLst/>
+        </a:prstGeom>
+        <a:noFill/>
+        <a:ln>
+          <a:noFill/>
+        </a:ln>
+        <a:effectLst/>
+      </dsp:spPr>
+      <dsp:style>
+        <a:lnRef idx="0">
+          <a:scrgbClr r="0" g="0" b="0"/>
+        </a:lnRef>
+        <a:fillRef idx="0">
+          <a:scrgbClr r="0" g="0" b="0"/>
+        </a:fillRef>
+        <a:effectRef idx="0">
+          <a:scrgbClr r="0" g="0" b="0"/>
+        </a:effectRef>
+        <a:fontRef idx="minor"/>
+      </dsp:style>
+      <dsp:txBody>
+        <a:bodyPr spcFirstLastPara="0" vert="horz" wrap="square" lIns="72390" tIns="72390" rIns="72390" bIns="72390" numCol="1" spcCol="1270" anchor="t" anchorCtr="0">
+          <a:noAutofit/>
+        </a:bodyPr>
+        <a:lstStyle/>
+        <a:p>
+          <a:pPr marL="0" lvl="0" indent="0" algn="l" defTabSz="844550">
+            <a:lnSpc>
+              <a:spcPct val="90000"/>
+            </a:lnSpc>
+            <a:spcBef>
+              <a:spcPct val="0"/>
+            </a:spcBef>
+            <a:spcAft>
+              <a:spcPct val="35000"/>
+            </a:spcAft>
+            <a:buNone/>
+          </a:pPr>
+          <a:r>
+            <a:rPr lang="en-ZA" sz="1900" kern="1200"/>
+            <a:t>As can be seen in the next slide, CPI has peaked around 2008 and in 2022.</a:t>
+          </a:r>
+          <a:endParaRPr lang="en-US" sz="1900" kern="1200"/>
+        </a:p>
+      </dsp:txBody>
+      <dsp:txXfrm>
+        <a:off x="0" y="0"/>
+        <a:ext cx="5607050" cy="1231899"/>
+      </dsp:txXfrm>
+    </dsp:sp>
+    <dsp:sp modelId="{3726E2D0-2FAD-4FDC-9FFF-F2D64FB809C2}">
+      <dsp:nvSpPr>
+        <dsp:cNvPr id="0" name=""/>
+        <dsp:cNvSpPr/>
+      </dsp:nvSpPr>
+      <dsp:spPr>
+        <a:xfrm>
+          <a:off x="0" y="1231899"/>
+          <a:ext cx="5607050" cy="0"/>
+        </a:xfrm>
+        <a:prstGeom prst="line">
+          <a:avLst/>
+        </a:prstGeom>
+        <a:gradFill rotWithShape="0">
+          <a:gsLst>
+            <a:gs pos="0">
+              <a:schemeClr val="accent2">
+                <a:hueOff val="-3450629"/>
+                <a:satOff val="15286"/>
+                <a:lumOff val="-5621"/>
+                <a:alphaOff val="0"/>
+                <a:tint val="97000"/>
+                <a:satMod val="100000"/>
+                <a:lumMod val="102000"/>
+              </a:schemeClr>
+            </a:gs>
+            <a:gs pos="50000">
+              <a:schemeClr val="accent2">
+                <a:hueOff val="-3450629"/>
+                <a:satOff val="15286"/>
+                <a:lumOff val="-5621"/>
+                <a:alphaOff val="0"/>
+                <a:shade val="100000"/>
+                <a:satMod val="103000"/>
+                <a:lumMod val="100000"/>
+              </a:schemeClr>
+            </a:gs>
+            <a:gs pos="100000">
+              <a:schemeClr val="accent2">
+                <a:hueOff val="-3450629"/>
+                <a:satOff val="15286"/>
+                <a:lumOff val="-5621"/>
+                <a:alphaOff val="0"/>
+                <a:shade val="93000"/>
+                <a:satMod val="110000"/>
+                <a:lumMod val="99000"/>
+              </a:schemeClr>
+            </a:gs>
+          </a:gsLst>
+          <a:lin ang="5400000" scaled="0"/>
+        </a:gradFill>
+        <a:ln w="6350" cap="flat" cmpd="sng" algn="ctr">
+          <a:solidFill>
+            <a:schemeClr val="accent2">
+              <a:hueOff val="-3450629"/>
+              <a:satOff val="15286"/>
+              <a:lumOff val="-5621"/>
+              <a:alphaOff val="0"/>
+            </a:schemeClr>
+          </a:solidFill>
+          <a:prstDash val="solid"/>
+        </a:ln>
+        <a:effectLst/>
+      </dsp:spPr>
+      <dsp:style>
+        <a:lnRef idx="1">
+          <a:scrgbClr r="0" g="0" b="0"/>
+        </a:lnRef>
+        <a:fillRef idx="3">
+          <a:scrgbClr r="0" g="0" b="0"/>
+        </a:fillRef>
+        <a:effectRef idx="2">
+          <a:scrgbClr r="0" g="0" b="0"/>
+        </a:effectRef>
+        <a:fontRef idx="minor">
+          <a:schemeClr val="lt1"/>
+        </a:fontRef>
+      </dsp:style>
+    </dsp:sp>
+    <dsp:sp modelId="{8ED028F5-3E3C-4709-AC3F-EF6647640C21}">
+      <dsp:nvSpPr>
+        <dsp:cNvPr id="0" name=""/>
+        <dsp:cNvSpPr/>
+      </dsp:nvSpPr>
+      <dsp:spPr>
+        <a:xfrm>
+          <a:off x="0" y="1231899"/>
+          <a:ext cx="5607050" cy="1231899"/>
+        </a:xfrm>
+        <a:prstGeom prst="rect">
+          <a:avLst/>
+        </a:prstGeom>
+        <a:noFill/>
+        <a:ln>
+          <a:noFill/>
+        </a:ln>
+        <a:effectLst/>
+      </dsp:spPr>
+      <dsp:style>
+        <a:lnRef idx="0">
+          <a:scrgbClr r="0" g="0" b="0"/>
+        </a:lnRef>
+        <a:fillRef idx="0">
+          <a:scrgbClr r="0" g="0" b="0"/>
+        </a:fillRef>
+        <a:effectRef idx="0">
+          <a:scrgbClr r="0" g="0" b="0"/>
+        </a:effectRef>
+        <a:fontRef idx="minor"/>
+      </dsp:style>
+      <dsp:txBody>
+        <a:bodyPr spcFirstLastPara="0" vert="horz" wrap="square" lIns="72390" tIns="72390" rIns="72390" bIns="72390" numCol="1" spcCol="1270" anchor="t" anchorCtr="0">
+          <a:noAutofit/>
+        </a:bodyPr>
+        <a:lstStyle/>
+        <a:p>
+          <a:pPr marL="0" lvl="0" indent="0" algn="l" defTabSz="844550">
+            <a:lnSpc>
+              <a:spcPct val="90000"/>
+            </a:lnSpc>
+            <a:spcBef>
+              <a:spcPct val="0"/>
+            </a:spcBef>
+            <a:spcAft>
+              <a:spcPct val="35000"/>
+            </a:spcAft>
+            <a:buNone/>
+          </a:pPr>
+          <a:r>
+            <a:rPr lang="en-ZA" sz="1900" kern="1200"/>
+            <a:t>In 2008, it was likely caused by the well known recession that occurred at that time.</a:t>
+          </a:r>
+          <a:endParaRPr lang="en-US" sz="1900" kern="1200"/>
+        </a:p>
+      </dsp:txBody>
+      <dsp:txXfrm>
+        <a:off x="0" y="1231899"/>
+        <a:ext cx="5607050" cy="1231899"/>
+      </dsp:txXfrm>
+    </dsp:sp>
+    <dsp:sp modelId="{BCC7F0FB-D023-4001-8B47-646638C87400}">
+      <dsp:nvSpPr>
+        <dsp:cNvPr id="0" name=""/>
+        <dsp:cNvSpPr/>
+      </dsp:nvSpPr>
+      <dsp:spPr>
+        <a:xfrm>
+          <a:off x="0" y="2463799"/>
+          <a:ext cx="5607050" cy="0"/>
+        </a:xfrm>
+        <a:prstGeom prst="line">
+          <a:avLst/>
+        </a:prstGeom>
+        <a:gradFill rotWithShape="0">
+          <a:gsLst>
+            <a:gs pos="0">
+              <a:schemeClr val="accent2">
+                <a:hueOff val="-6901259"/>
+                <a:satOff val="30573"/>
+                <a:lumOff val="-11243"/>
+                <a:alphaOff val="0"/>
+                <a:tint val="97000"/>
+                <a:satMod val="100000"/>
+                <a:lumMod val="102000"/>
+              </a:schemeClr>
+            </a:gs>
+            <a:gs pos="50000">
+              <a:schemeClr val="accent2">
+                <a:hueOff val="-6901259"/>
+                <a:satOff val="30573"/>
+                <a:lumOff val="-11243"/>
+                <a:alphaOff val="0"/>
+                <a:shade val="100000"/>
+                <a:satMod val="103000"/>
+                <a:lumMod val="100000"/>
+              </a:schemeClr>
+            </a:gs>
+            <a:gs pos="100000">
+              <a:schemeClr val="accent2">
+                <a:hueOff val="-6901259"/>
+                <a:satOff val="30573"/>
+                <a:lumOff val="-11243"/>
+                <a:alphaOff val="0"/>
+                <a:shade val="93000"/>
+                <a:satMod val="110000"/>
+                <a:lumMod val="99000"/>
+              </a:schemeClr>
+            </a:gs>
+          </a:gsLst>
+          <a:lin ang="5400000" scaled="0"/>
+        </a:gradFill>
+        <a:ln w="6350" cap="flat" cmpd="sng" algn="ctr">
+          <a:solidFill>
+            <a:schemeClr val="accent2">
+              <a:hueOff val="-6901259"/>
+              <a:satOff val="30573"/>
+              <a:lumOff val="-11243"/>
+              <a:alphaOff val="0"/>
+            </a:schemeClr>
+          </a:solidFill>
+          <a:prstDash val="solid"/>
+        </a:ln>
+        <a:effectLst/>
+      </dsp:spPr>
+      <dsp:style>
+        <a:lnRef idx="1">
+          <a:scrgbClr r="0" g="0" b="0"/>
+        </a:lnRef>
+        <a:fillRef idx="3">
+          <a:scrgbClr r="0" g="0" b="0"/>
+        </a:fillRef>
+        <a:effectRef idx="2">
+          <a:scrgbClr r="0" g="0" b="0"/>
+        </a:effectRef>
+        <a:fontRef idx="minor">
+          <a:schemeClr val="lt1"/>
+        </a:fontRef>
+      </dsp:style>
+    </dsp:sp>
+    <dsp:sp modelId="{DA95BB5B-B732-4788-9A21-329894B90736}">
+      <dsp:nvSpPr>
+        <dsp:cNvPr id="0" name=""/>
+        <dsp:cNvSpPr/>
+      </dsp:nvSpPr>
+      <dsp:spPr>
+        <a:xfrm>
+          <a:off x="0" y="2463799"/>
+          <a:ext cx="5607050" cy="1231899"/>
+        </a:xfrm>
+        <a:prstGeom prst="rect">
+          <a:avLst/>
+        </a:prstGeom>
+        <a:noFill/>
+        <a:ln>
+          <a:noFill/>
+        </a:ln>
+        <a:effectLst/>
+      </dsp:spPr>
+      <dsp:style>
+        <a:lnRef idx="0">
+          <a:scrgbClr r="0" g="0" b="0"/>
+        </a:lnRef>
+        <a:fillRef idx="0">
+          <a:scrgbClr r="0" g="0" b="0"/>
+        </a:fillRef>
+        <a:effectRef idx="0">
+          <a:scrgbClr r="0" g="0" b="0"/>
+        </a:effectRef>
+        <a:fontRef idx="minor"/>
+      </dsp:style>
+      <dsp:txBody>
+        <a:bodyPr spcFirstLastPara="0" vert="horz" wrap="square" lIns="72390" tIns="72390" rIns="72390" bIns="72390" numCol="1" spcCol="1270" anchor="t" anchorCtr="0">
+          <a:noAutofit/>
+        </a:bodyPr>
+        <a:lstStyle/>
+        <a:p>
+          <a:pPr marL="0" lvl="0" indent="0" algn="l" defTabSz="844550">
+            <a:lnSpc>
+              <a:spcPct val="90000"/>
+            </a:lnSpc>
+            <a:spcBef>
+              <a:spcPct val="0"/>
+            </a:spcBef>
+            <a:spcAft>
+              <a:spcPct val="35000"/>
+            </a:spcAft>
+            <a:buNone/>
+          </a:pPr>
+          <a:r>
+            <a:rPr lang="en-ZA" sz="1900" kern="1200"/>
+            <a:t>In 2022, there was a war between Russia and Ukraine and the after effects of Covid 19 were still in effect. </a:t>
+          </a:r>
+          <a:endParaRPr lang="en-US" sz="1900" kern="1200"/>
+        </a:p>
+      </dsp:txBody>
+      <dsp:txXfrm>
+        <a:off x="0" y="2463799"/>
+        <a:ext cx="5607050" cy="1231899"/>
+      </dsp:txXfrm>
+    </dsp:sp>
+    <dsp:sp modelId="{AED6D762-D584-4221-B63E-33E1B343AE25}">
+      <dsp:nvSpPr>
+        <dsp:cNvPr id="0" name=""/>
+        <dsp:cNvSpPr/>
+      </dsp:nvSpPr>
+      <dsp:spPr>
+        <a:xfrm>
+          <a:off x="0" y="3695699"/>
+          <a:ext cx="5607050" cy="0"/>
+        </a:xfrm>
+        <a:prstGeom prst="line">
+          <a:avLst/>
+        </a:prstGeom>
+        <a:gradFill rotWithShape="0">
+          <a:gsLst>
+            <a:gs pos="0">
+              <a:schemeClr val="accent2">
+                <a:hueOff val="-10351888"/>
+                <a:satOff val="45859"/>
+                <a:lumOff val="-16864"/>
+                <a:alphaOff val="0"/>
+                <a:tint val="97000"/>
+                <a:satMod val="100000"/>
+                <a:lumMod val="102000"/>
+              </a:schemeClr>
+            </a:gs>
+            <a:gs pos="50000">
+              <a:schemeClr val="accent2">
+                <a:hueOff val="-10351888"/>
+                <a:satOff val="45859"/>
+                <a:lumOff val="-16864"/>
+                <a:alphaOff val="0"/>
+                <a:shade val="100000"/>
+                <a:satMod val="103000"/>
+                <a:lumMod val="100000"/>
+              </a:schemeClr>
+            </a:gs>
+            <a:gs pos="100000">
+              <a:schemeClr val="accent2">
+                <a:hueOff val="-10351888"/>
+                <a:satOff val="45859"/>
+                <a:lumOff val="-16864"/>
+                <a:alphaOff val="0"/>
+                <a:shade val="93000"/>
+                <a:satMod val="110000"/>
+                <a:lumMod val="99000"/>
+              </a:schemeClr>
+            </a:gs>
+          </a:gsLst>
+          <a:lin ang="5400000" scaled="0"/>
+        </a:gradFill>
+        <a:ln w="6350" cap="flat" cmpd="sng" algn="ctr">
+          <a:solidFill>
+            <a:schemeClr val="accent2">
+              <a:hueOff val="-10351888"/>
+              <a:satOff val="45859"/>
+              <a:lumOff val="-16864"/>
+              <a:alphaOff val="0"/>
+            </a:schemeClr>
+          </a:solidFill>
+          <a:prstDash val="solid"/>
+        </a:ln>
+        <a:effectLst/>
+      </dsp:spPr>
+      <dsp:style>
+        <a:lnRef idx="1">
+          <a:scrgbClr r="0" g="0" b="0"/>
+        </a:lnRef>
+        <a:fillRef idx="3">
+          <a:scrgbClr r="0" g="0" b="0"/>
+        </a:fillRef>
+        <a:effectRef idx="2">
+          <a:scrgbClr r="0" g="0" b="0"/>
+        </a:effectRef>
+        <a:fontRef idx="minor">
+          <a:schemeClr val="lt1"/>
+        </a:fontRef>
+      </dsp:style>
+    </dsp:sp>
+    <dsp:sp modelId="{D6C3847D-A0B4-4013-B5D2-1C6C95A1B83E}">
+      <dsp:nvSpPr>
+        <dsp:cNvPr id="0" name=""/>
+        <dsp:cNvSpPr/>
+      </dsp:nvSpPr>
+      <dsp:spPr>
+        <a:xfrm>
+          <a:off x="0" y="3695699"/>
+          <a:ext cx="5607050" cy="1231899"/>
+        </a:xfrm>
+        <a:prstGeom prst="rect">
+          <a:avLst/>
+        </a:prstGeom>
+        <a:noFill/>
+        <a:ln>
+          <a:noFill/>
+        </a:ln>
+        <a:effectLst/>
+      </dsp:spPr>
+      <dsp:style>
+        <a:lnRef idx="0">
+          <a:scrgbClr r="0" g="0" b="0"/>
+        </a:lnRef>
+        <a:fillRef idx="0">
+          <a:scrgbClr r="0" g="0" b="0"/>
+        </a:fillRef>
+        <a:effectRef idx="0">
+          <a:scrgbClr r="0" g="0" b="0"/>
+        </a:effectRef>
+        <a:fontRef idx="minor"/>
+      </dsp:style>
+      <dsp:txBody>
+        <a:bodyPr spcFirstLastPara="0" vert="horz" wrap="square" lIns="72390" tIns="72390" rIns="72390" bIns="72390" numCol="1" spcCol="1270" anchor="t" anchorCtr="0">
+          <a:noAutofit/>
+        </a:bodyPr>
+        <a:lstStyle/>
+        <a:p>
+          <a:pPr marL="0" lvl="0" indent="0" algn="l" defTabSz="844550">
+            <a:lnSpc>
+              <a:spcPct val="90000"/>
+            </a:lnSpc>
+            <a:spcBef>
+              <a:spcPct val="0"/>
+            </a:spcBef>
+            <a:spcAft>
+              <a:spcPct val="35000"/>
+            </a:spcAft>
+            <a:buNone/>
+          </a:pPr>
+          <a:r>
+            <a:rPr lang="en-ZA" sz="1900" kern="1200"/>
+            <a:t>After Covid, the Bank made a decision to keep interest rates very low in order to boost the economy. This can be seen in the next slide. It is generally known that low interest rates result in high inflation.</a:t>
+          </a:r>
+          <a:endParaRPr lang="en-US" sz="1900" kern="1200"/>
+        </a:p>
+      </dsp:txBody>
+      <dsp:txXfrm>
+        <a:off x="0" y="3695699"/>
+        <a:ext cx="5607050" cy="1231899"/>
+      </dsp:txXfrm>
+    </dsp:sp>
+  </dsp:spTree>
+</dsp:drawing>
+</file>
+
+<file path=ppt/diagrams/layout1.xml><?xml version="1.0" encoding="utf-8"?>
+<dgm:layoutDef xmlns:dgm="http://schemas.openxmlformats.org/drawingml/2006/diagram" xmlns:a="http://schemas.openxmlformats.org/drawingml/2006/main" uniqueId="urn:microsoft.com/office/officeart/2008/layout/LinedList">
+  <dgm:title val=""/>
+  <dgm:desc val=""/>
+  <dgm:catLst>
+    <dgm:cat type="hierarchy" pri="8000"/>
+    <dgm:cat type="list" pri="2500"/>
+  </dgm:catLst>
+  <dgm:sampData>
+    <dgm:dataModel>
+      <dgm:ptLst>
+        <dgm:pt modelId="0" type="doc"/>
+        <dgm:pt modelId="1">
+          <dgm:prSet phldr="1"/>
+        </dgm:pt>
+        <dgm:pt modelId="11">
+          <dgm:prSet phldr="1"/>
+        </dgm:pt>
+        <dgm:pt modelId="12">
+          <dgm:prSet phldr="1"/>
+        </dgm:pt>
+        <dgm:pt modelId="13">
+          <dgm:prSet phldr="1"/>
+        </dgm:pt>
+      </dgm:ptLst>
+      <dgm:cxnLst>
+        <dgm:cxn modelId="2" srcId="0" destId="1" srcOrd="0" destOrd="0"/>
+        <dgm:cxn modelId="3" srcId="1" destId="11" srcOrd="0" destOrd="0"/>
+        <dgm:cxn modelId="4" srcId="1" destId="12" srcOrd="1" destOrd="0"/>
+        <dgm:cxn modelId="5" srcId="1" destId="13" srcOrd="2" destOrd="0"/>
+      </dgm:cxnLst>
+      <dgm:bg/>
+      <dgm:whole/>
+    </dgm:dataModel>
+  </dgm:sampData>
+  <dgm:styleData>
+    <dgm:dataModel>
+      <dgm:ptLst>
+        <dgm:pt modelId="0" type="doc"/>
+        <dgm:pt modelId="1">
+          <dgm:prSet phldr="1"/>
+        </dgm:pt>
+        <dgm:pt modelId="11">
+          <dgm:prSet phldr="1"/>
+        </dgm:pt>
+        <dgm:pt modelId="12">
+          <dgm:prSet phldr="1"/>
+        </dgm:pt>
+      </dgm:ptLst>
+      <dgm:cxnLst>
+        <dgm:cxn modelId="2" srcId="0" destId="1" srcOrd="0" destOrd="0"/>
+        <dgm:cxn modelId="3" srcId="1" destId="11" srcOrd="0" destOrd="0"/>
+        <dgm:cxn modelId="4" srcId="1" destId="12" srcOrd="1" destOrd="0"/>
+      </dgm:cxnLst>
+      <dgm:bg/>
+      <dgm:whole/>
+    </dgm:dataModel>
+  </dgm:styleData>
+  <dgm:clrData>
+    <dgm:dataModel>
+      <dgm:ptLst>
+        <dgm:pt modelId="0" type="doc"/>
+        <dgm:pt modelId="1">
+          <dgm:prSet phldr="1"/>
+        </dgm:pt>
+        <dgm:pt modelId="11">
+          <dgm:prSet phldr="1"/>
+        </dgm:pt>
+        <dgm:pt modelId="12">
+          <dgm:prSet phldr="1"/>
+        </dgm:pt>
+      </dgm:ptLst>
+      <dgm:cxnLst>
+        <dgm:cxn modelId="2" srcId="0" destId="1" srcOrd="0" destOrd="0"/>
+        <dgm:cxn modelId="3" srcId="1" destId="11" srcOrd="0" destOrd="0"/>
+        <dgm:cxn modelId="4" srcId="1" destId="12" srcOrd="1" destOrd="0"/>
+      </dgm:cxnLst>
+      <dgm:bg/>
+      <dgm:whole/>
+    </dgm:dataModel>
+  </dgm:clrData>
+  <dgm:layoutNode name="vert0">
+    <dgm:varLst>
+      <dgm:dir/>
+      <dgm:animOne val="branch"/>
+      <dgm:animLvl val="lvl"/>
+    </dgm:varLst>
+    <dgm:choose name="Name0">
+      <dgm:if name="Name1" func="var" arg="dir" op="equ" val="norm">
+        <dgm:alg type="lin">
+          <dgm:param type="linDir" val="fromT"/>
+          <dgm:param type="nodeHorzAlign" val="l"/>
+        </dgm:alg>
+      </dgm:if>
+      <dgm:else name="Name2">
+        <dgm:alg type="lin">
+          <dgm:param type="linDir" val="fromT"/>
+          <dgm:param type="nodeHorzAlign" val="r"/>
+        </dgm:alg>
+      </dgm:else>
+    </dgm:choose>
+    <dgm:shape xmlns:r="http://schemas.openxmlformats.org/officeDocument/2006/relationships" r:blip="">
+      <dgm:adjLst/>
+    </dgm:shape>
+    <dgm:presOf/>
+    <dgm:constrLst>
+      <dgm:constr type="w" for="ch" forName="horz1" refType="w"/>
+      <dgm:constr type="h" for="ch" forName="horz1" refType="h"/>
+      <dgm:constr type="h" for="des" forName="vert1" refType="h"/>
+      <dgm:constr type="h" for="des" forName="tx1" refType="h"/>
+      <dgm:constr type="h" for="des" forName="horz2" refType="h"/>
+      <dgm:constr type="h" for="des" forName="vert2" refType="h"/>
+      <dgm:constr type="h" for="des" forName="horz3" refType="h"/>
+      <dgm:constr type="h" for="des" forName="vert3" refType="h"/>
+      <dgm:constr type="h" for="des" forName="horz4" refType="h"/>
+      <dgm:constr type="h" for="des" ptType="node" refType="h"/>
+      <dgm:constr type="primFontSz" for="des" forName="tx1" op="equ" val="65"/>
+      <dgm:constr type="primFontSz" for="des" forName="tx2" op="equ" val="65"/>
+      <dgm:constr type="primFontSz" for="des" forName="tx3" op="equ" val="65"/>
+      <dgm:constr type="primFontSz" for="des" forName="tx4" op="equ" val="65"/>
+      <dgm:constr type="w" for="des" forName="thickLine" refType="w"/>
+      <dgm:constr type="h" for="des" forName="thickLine"/>
+      <dgm:constr type="h" for="des" forName="thinLine1"/>
+      <dgm:constr type="h" for="des" forName="thinLine2b"/>
+      <dgm:constr type="h" for="des" forName="thinLine3"/>
+      <dgm:constr type="h" for="des" forName="vertSpace2a" refType="h" fact="0.05"/>
+      <dgm:constr type="h" for="des" forName="vertSpace2b" refType="h" refFor="des" refForName="vertSpace2a"/>
+    </dgm:constrLst>
+    <dgm:forEach name="Name3" axis="ch" ptType="node">
+      <dgm:layoutNode name="thickLine" styleLbl="alignNode1">
+        <dgm:alg type="sp"/>
+        <dgm:shape xmlns:r="http://schemas.openxmlformats.org/officeDocument/2006/relationships" type="line" r:blip="">
+          <dgm:adjLst/>
+        </dgm:shape>
+        <dgm:presOf/>
+      </dgm:layoutNode>
+      <dgm:layoutNode name="horz1">
+        <dgm:choose name="Name4">
+          <dgm:if name="Name5" func="var" arg="dir" op="equ" val="norm">
+            <dgm:alg type="lin">
+              <dgm:param type="linDir" val="fromL"/>
+              <dgm:param type="nodeVertAlign" val="t"/>
+            </dgm:alg>
+          </dgm:if>
+          <dgm:else name="Name6">
+            <dgm:alg type="lin">
+              <dgm:param type="linDir" val="fromR"/>
+              <dgm:param type="nodeVertAlign" val="t"/>
+            </dgm:alg>
+          </dgm:else>
+        </dgm:choose>
+        <dgm:shape xmlns:r="http://schemas.openxmlformats.org/officeDocument/2006/relationships" r:blip="">
+          <dgm:adjLst/>
+        </dgm:shape>
+        <dgm:presOf/>
+        <dgm:choose name="Name7">
+          <dgm:if name="Name8" axis="root des" func="maxDepth" op="equ" val="1">
+            <dgm:constrLst>
+              <dgm:constr type="w" for="ch" forName="tx1" refType="w"/>
+            </dgm:constrLst>
+          </dgm:if>
+          <dgm:if name="Name9" axis="root des" func="maxDepth" op="equ" val="2">
+            <dgm:constrLst>
+              <dgm:constr type="w" for="ch" forName="tx1" refType="w" fact="0.2"/>
+              <dgm:constr type="w" for="des" forName="tx2" refType="w" fact="0.785"/>
+              <dgm:constr type="w" for="des" forName="horzSpace2" refType="w" fact="0.015"/>
+              <dgm:constr type="w" for="des" forName="thinLine2b" refType="w" fact="0.8"/>
+            </dgm:constrLst>
+          </dgm:if>
+          <dgm:if name="Name10" axis="root des" func="maxDepth" op="equ" val="3">
+            <dgm:constrLst>
+              <dgm:constr type="w" for="ch" forName="tx1" refType="w" fact="0.2"/>
+              <dgm:constr type="w" for="des" forName="tx2" refType="w" fact="0.385"/>
+              <dgm:constr type="w" for="des" forName="tx3" refType="w" fact="0.385"/>
+              <dgm:constr type="w" for="des" forName="horzSpace2" refType="w" fact="0.015"/>
+              <dgm:constr type="w" for="des" forName="horzSpace3" refType="w" fact="0.015"/>
+              <dgm:constr type="w" for="des" forName="thinLine2b" refType="w" fact="0.8"/>
+              <dgm:constr type="w" for="des" forName="thinLine3" refType="w" fact="0.385"/>
+            </dgm:constrLst>
+          </dgm:if>
+          <dgm:if name="Name11" axis="root des" func="maxDepth" op="gte" val="4">
+            <dgm:constrLst>
+              <dgm:constr type="w" for="ch" forName="tx1" refType="w" fact="0.2"/>
+              <dgm:constr type="w" for="des" forName="tx2" refType="w" fact="0.2516"/>
+              <dgm:constr type="w" for="des" forName="tx3" refType="w" fact="0.2516"/>
+              <dgm:constr type="w" for="des" forName="tx4" refType="w" fact="0.2516"/>
+              <dgm:constr type="w" for="des" forName="horzSpace2" refType="w" fact="0.015"/>
+              <dgm:constr type="w" for="des" forName="horzSpace3" refType="w" fact="0.015"/>
+              <dgm:constr type="w" for="des" forName="horzSpace4" refType="w" fact="0.015"/>
+              <dgm:constr type="w" for="des" forName="thinLine2b" refType="w" fact="0.8"/>
+              <dgm:constr type="w" for="des" forName="thinLine3" refType="w" fact="0.5332"/>
+            </dgm:constrLst>
+          </dgm:if>
+          <dgm:else name="Name12"/>
+        </dgm:choose>
+        <dgm:layoutNode name="tx1" styleLbl="revTx">
+          <dgm:alg type="tx">
+            <dgm:param type="parTxLTRAlign" val="l"/>
+            <dgm:param type="parTxRTLAlign" val="r"/>
+            <dgm:param type="txAnchorVert" val="t"/>
+          </dgm:alg>
+          <dgm:shape xmlns:r="http://schemas.openxmlformats.org/officeDocument/2006/relationships" type="rect" r:blip="">
+            <dgm:adjLst/>
+          </dgm:shape>
+          <dgm:presOf axis="self"/>
+          <dgm:constrLst>
+            <dgm:constr type="tMarg" refType="primFontSz" fact="0.3"/>
+            <dgm:constr type="bMarg" refType="primFontSz" fact="0.3"/>
+            <dgm:constr type="lMarg" refType="primFontSz" fact="0.3"/>
+            <dgm:constr type="rMarg" refType="primFontSz" fact="0.3"/>
+          </dgm:constrLst>
+          <dgm:ruleLst>
+            <dgm:rule type="primFontSz" val="5" fact="NaN" max="NaN"/>
+          </dgm:ruleLst>
+        </dgm:layoutNode>
+        <dgm:layoutNode name="vert1">
+          <dgm:choose name="Name13">
+            <dgm:if name="Name14" func="var" arg="dir" op="equ" val="norm">
+              <dgm:alg type="lin">
+                <dgm:param type="linDir" val="fromT"/>
+                <dgm:param type="nodeHorzAlign" val="l"/>
+              </dgm:alg>
+            </dgm:if>
+            <dgm:else name="Name15">
+              <dgm:alg type="lin">
+                <dgm:param type="linDir" val="fromT"/>
+                <dgm:param type="nodeHorzAlign" val="r"/>
+              </dgm:alg>
+            </dgm:else>
+          </dgm:choose>
+          <dgm:shape xmlns:r="http://schemas.openxmlformats.org/officeDocument/2006/relationships" r:blip="">
+            <dgm:adjLst/>
+          </dgm:shape>
+          <dgm:presOf/>
+          <dgm:forEach name="Name16" axis="ch" ptType="node">
+            <dgm:choose name="Name17">
+              <dgm:if name="Name18" axis="self" ptType="node" func="pos" op="equ" val="1">
+                <dgm:layoutNode name="vertSpace2a">
+                  <dgm:alg type="sp"/>
+                  <dgm:shape xmlns:r="http://schemas.openxmlformats.org/officeDocument/2006/relationships" r:blip="">
+                    <dgm:adjLst/>
+                  </dgm:shape>
+                  <dgm:presOf/>
+                </dgm:layoutNode>
+              </dgm:if>
+              <dgm:else name="Name19"/>
+            </dgm:choose>
+            <dgm:layoutNode name="horz2">
+              <dgm:choose name="Name20">
+                <dgm:if name="Name21" func="var" arg="dir" op="equ" val="norm">
+                  <dgm:alg type="lin">
+                    <dgm:param type="linDir" val="fromL"/>
+                    <dgm:param type="nodeVertAlign" val="t"/>
+                  </dgm:alg>
+                </dgm:if>
+                <dgm:else name="Name22">
+                  <dgm:alg type="lin">
+                    <dgm:param type="linDir" val="fromR"/>
+                    <dgm:param type="nodeVertAlign" val="t"/>
+                  </dgm:alg>
+                </dgm:else>
+              </dgm:choose>
+              <dgm:shape xmlns:r="http://schemas.openxmlformats.org/officeDocument/2006/relationships" r:blip="">
+                <dgm:adjLst/>
+              </dgm:shape>
+              <dgm:presOf/>
+              <dgm:layoutNode name="horzSpace2">
+                <dgm:alg type="sp"/>
+                <dgm:shape xmlns:r="http://schemas.openxmlformats.org/officeDocument/2006/relationships" r:blip="">
+                  <dgm:adjLst/>
+                </dgm:shape>
+                <dgm:presOf/>
+              </dgm:layoutNode>
+              <dgm:layoutNode name="tx2" styleLbl="revTx">
+                <dgm:alg type="tx">
+                  <dgm:param type="parTxLTRAlign" val="l"/>
+                  <dgm:param type="parTxRTLAlign" val="r"/>
+                  <dgm:param type="txAnchorVert" val="t"/>
+                </dgm:alg>
+                <dgm:shape xmlns:r="http://schemas.openxmlformats.org/officeDocument/2006/relationships" type="rect" r:blip="">
+                  <dgm:adjLst/>
+                </dgm:shape>
+                <dgm:presOf axis="self"/>
+                <dgm:constrLst>
+                  <dgm:constr type="tMarg" refType="primFontSz" fact="0.3"/>
+                  <dgm:constr type="bMarg" refType="primFontSz" fact="0.3"/>
+                  <dgm:constr type="lMarg" refType="primFontSz" fact="0.3"/>
+                  <dgm:constr type="rMarg" refType="primFontSz" fact="0.3"/>
+                </dgm:constrLst>
+                <dgm:ruleLst>
+                  <dgm:rule type="primFontSz" val="5" fact="NaN" max="NaN"/>
+                </dgm:ruleLst>
+              </dgm:layoutNode>
+              <dgm:layoutNode name="vert2">
+                <dgm:choose name="Name23">
+                  <dgm:if name="Name24" func="var" arg="dir" op="equ" val="norm">
+                    <dgm:alg type="lin">
+                      <dgm:param type="linDir" val="fromT"/>
+                      <dgm:param type="nodeHorzAlign" val="l"/>
+                    </dgm:alg>
+                  </dgm:if>
+                  <dgm:else name="Name25">
+                    <dgm:alg type="lin">
+                      <dgm:param type="linDir" val="fromT"/>
+                      <dgm:param type="nodeHorzAlign" val="r"/>
+                    </dgm:alg>
+                  </dgm:else>
+                </dgm:choose>
+                <dgm:shape xmlns:r="http://schemas.openxmlformats.org/officeDocument/2006/relationships" r:blip="">
+                  <dgm:adjLst/>
+                </dgm:shape>
+                <dgm:presOf/>
+                <dgm:forEach name="Name26" axis="ch" ptType="node">
+                  <dgm:layoutNode name="horz3">
+                    <dgm:choose name="Name27">
+                      <dgm:if name="Name28" func="var" arg="dir" op="equ" val="norm">
+                        <dgm:alg type="lin">
+                          <dgm:param type="linDir" val="fromL"/>
+                          <dgm:param type="nodeVertAlign" val="t"/>
+                        </dgm:alg>
+                      </dgm:if>
+                      <dgm:else name="Name29">
+                        <dgm:alg type="lin">
+                          <dgm:param type="linDir" val="fromR"/>
+                          <dgm:param type="nodeVertAlign" val="t"/>
+                        </dgm:alg>
+                      </dgm:else>
+                    </dgm:choose>
+                    <dgm:shape xmlns:r="http://schemas.openxmlformats.org/officeDocument/2006/relationships" r:blip="">
+                      <dgm:adjLst/>
+                    </dgm:shape>
+                    <dgm:presOf/>
+                    <dgm:layoutNode name="horzSpace3">
+                      <dgm:alg type="sp"/>
+                      <dgm:shape xmlns:r="http://schemas.openxmlformats.org/officeDocument/2006/relationships" r:blip="">
+                        <dgm:adjLst/>
+                      </dgm:shape>
+                      <dgm:presOf/>
+                    </dgm:layoutNode>
+                    <dgm:layoutNode name="tx3" styleLbl="revTx">
+                      <dgm:alg type="tx">
+                        <dgm:param type="parTxLTRAlign" val="l"/>
+                        <dgm:param type="parTxRTLAlign" val="r"/>
+                        <dgm:param type="txAnchorVert" val="t"/>
+                      </dgm:alg>
+                      <dgm:shape xmlns:r="http://schemas.openxmlformats.org/officeDocument/2006/relationships" type="rect" r:blip="">
+                        <dgm:adjLst/>
+                      </dgm:shape>
+                      <dgm:presOf axis="self"/>
+                      <dgm:constrLst>
+                        <dgm:constr type="tMarg" refType="primFontSz" fact="0.3"/>
+                        <dgm:constr type="bMarg" refType="primFontSz" fact="0.3"/>
+                        <dgm:constr type="lMarg" refType="primFontSz" fact="0.3"/>
+                        <dgm:constr type="rMarg" refType="primFontSz" fact="0.3"/>
+                      </dgm:constrLst>
+                      <dgm:ruleLst>
+                        <dgm:rule type="primFontSz" val="5" fact="NaN" max="NaN"/>
+                      </dgm:ruleLst>
+                    </dgm:layoutNode>
+                    <dgm:layoutNode name="vert3">
+                      <dgm:choose name="Name30">
+                        <dgm:if name="Name31" func="var" arg="dir" op="equ" val="norm">
+                          <dgm:alg type="lin">
+                            <dgm:param type="linDir" val="fromT"/>
+                            <dgm:param type="nodeHorzAlign" val="l"/>
+                          </dgm:alg>
+                        </dgm:if>
+                        <dgm:else name="Name32">
+                          <dgm:alg type="lin">
+                            <dgm:param type="linDir" val="fromT"/>
+                            <dgm:param type="nodeHorzAlign" val="r"/>
+                          </dgm:alg>
+                        </dgm:else>
+                      </dgm:choose>
+                      <dgm:shape xmlns:r="http://schemas.openxmlformats.org/officeDocument/2006/relationships" r:blip="">
+                        <dgm:adjLst/>
+                      </dgm:shape>
+                      <dgm:presOf/>
+                      <dgm:forEach name="Name33" axis="ch" ptType="node">
+                        <dgm:layoutNode name="horz4">
+                          <dgm:choose name="Name34">
+                            <dgm:if name="Name35" func="var" arg="dir" op="equ" val="norm">
+                              <dgm:alg type="lin">
+                                <dgm:param type="linDir" val="fromL"/>
+                                <dgm:param type="nodeVertAlign" val="t"/>
+                              </dgm:alg>
+                            </dgm:if>
+                            <dgm:else name="Name36">
+                              <dgm:alg type="lin">
+                                <dgm:param type="linDir" val="fromR"/>
+                                <dgm:param type="nodeVertAlign" val="t"/>
+                              </dgm:alg>
+                            </dgm:else>
+                          </dgm:choose>
+                          <dgm:shape xmlns:r="http://schemas.openxmlformats.org/officeDocument/2006/relationships" r:blip="">
+                            <dgm:adjLst/>
+                          </dgm:shape>
+                          <dgm:presOf/>
+                          <dgm:layoutNode name="horzSpace4">
+                            <dgm:alg type="sp"/>
+                            <dgm:shape xmlns:r="http://schemas.openxmlformats.org/officeDocument/2006/relationships" r:blip="">
+                              <dgm:adjLst/>
+                            </dgm:shape>
+                            <dgm:presOf/>
+                          </dgm:layoutNode>
+                          <dgm:layoutNode name="tx4" styleLbl="revTx">
+                            <dgm:varLst>
+                              <dgm:bulletEnabled val="1"/>
+                            </dgm:varLst>
+                            <dgm:alg type="tx">
+                              <dgm:param type="parTxLTRAlign" val="l"/>
+                              <dgm:param type="parTxRTLAlign" val="r"/>
+                              <dgm:param type="txAnchorVert" val="t"/>
+                            </dgm:alg>
+                            <dgm:shape xmlns:r="http://schemas.openxmlformats.org/officeDocument/2006/relationships" type="rect" r:blip="">
+                              <dgm:adjLst/>
+                            </dgm:shape>
+                            <dgm:presOf axis="desOrSelf" ptType="node"/>
+                            <dgm:constrLst>
+                              <dgm:constr type="tMarg" refType="primFontSz" fact="0.3"/>
+                              <dgm:constr type="bMarg" refType="primFontSz" fact="0.3"/>
+                              <dgm:constr type="lMarg" refType="primFontSz" fact="0.3"/>
+                              <dgm:constr type="rMarg" refType="primFontSz" fact="0.3"/>
+                            </dgm:constrLst>
+                            <dgm:ruleLst>
+                              <dgm:rule type="primFontSz" val="5" fact="NaN" max="NaN"/>
+                            </dgm:ruleLst>
+                          </dgm:layoutNode>
+                        </dgm:layoutNode>
+                      </dgm:forEach>
+                    </dgm:layoutNode>
+                  </dgm:layoutNode>
+                  <dgm:forEach name="Name37" axis="followSib" ptType="sibTrans" cnt="1">
+                    <dgm:layoutNode name="thinLine3" styleLbl="callout">
+                      <dgm:alg type="sp"/>
+                      <dgm:shape xmlns:r="http://schemas.openxmlformats.org/officeDocument/2006/relationships" type="line" r:blip="">
+                        <dgm:adjLst/>
+                      </dgm:shape>
+                      <dgm:presOf/>
+                    </dgm:layoutNode>
+                  </dgm:forEach>
+                </dgm:forEach>
+              </dgm:layoutNode>
+            </dgm:layoutNode>
+            <dgm:layoutNode name="thinLine2b" styleLbl="callout">
+              <dgm:alg type="sp"/>
+              <dgm:shape xmlns:r="http://schemas.openxmlformats.org/officeDocument/2006/relationships" type="line" r:blip="">
+                <dgm:adjLst/>
+              </dgm:shape>
+              <dgm:presOf/>
+            </dgm:layoutNode>
+            <dgm:layoutNode name="vertSpace2b">
+              <dgm:alg type="sp"/>
+              <dgm:shape xmlns:r="http://schemas.openxmlformats.org/officeDocument/2006/relationships" r:blip="">
+                <dgm:adjLst/>
+              </dgm:shape>
+              <dgm:presOf/>
+            </dgm:layoutNode>
+          </dgm:forEach>
+        </dgm:layoutNode>
+      </dgm:layoutNode>
+    </dgm:forEach>
+  </dgm:layoutNode>
+</dgm:layoutDef>
+</file>
+
+<file path=ppt/diagrams/quickStyle1.xml><?xml version="1.0" encoding="utf-8"?>
+<dgm:styleDef xmlns:dgm="http://schemas.openxmlformats.org/drawingml/2006/diagram" xmlns:a="http://schemas.openxmlformats.org/drawingml/2006/main" uniqueId="urn:microsoft.com/office/officeart/2005/8/quickstyle/simple4">
+  <dgm:title val=""/>
+  <dgm:desc val=""/>
+  <dgm:catLst>
+    <dgm:cat type="simple" pri="10400"/>
+  </dgm:catLst>
+  <dgm:scene3d>
+    <a:camera prst="orthographicFront"/>
+    <a:lightRig rig="threePt" dir="t"/>
+  </dgm:scene3d>
+  <dgm:styleLbl name="node0">
+    <dgm:scene3d>
+      <a:camera prst="orthographicFront"/>
+      <a:lightRig rig="threePt" dir="t"/>
+    </dgm:scene3d>
+    <dgm:sp3d/>
+    <dgm:txPr/>
+    <dgm:style>
+      <a:lnRef idx="0">
+        <a:scrgbClr r="0" g="0" b="0"/>
+      </a:lnRef>
+      <a:fillRef idx="3">
+        <a:scrgbClr r="0" g="0" b="0"/>
+      </a:fillRef>
+      <a:effectRef idx="2">
+        <a:scrgbClr r="0" g="0" b="0"/>
+      </a:effectRef>
+      <a:fontRef idx="minor">
+        <a:schemeClr val="lt1"/>
+      </a:fontRef>
+    </dgm:style>
+  </dgm:styleLbl>
+  <dgm:styleLbl name="lnNode1">
+    <dgm:scene3d>
+      <a:camera prst="orthographicFront"/>
+      <a:lightRig rig="threePt" dir="t"/>
+    </dgm:scene3d>
+    <dgm:sp3d/>
+    <dgm:txPr/>
+    <dgm:style>
+      <a:lnRef idx="1">
+        <a:scrgbClr r="0" g="0" b="0"/>
+      </a:lnRef>
+      <a:fillRef idx="3">
+        <a:scrgbClr r="0" g="0" b="0"/>
+      </a:fillRef>
+      <a:effectRef idx="2">
+        <a:scrgbClr r="0" g="0" b="0"/>
+      </a:effectRef>
+      <a:fontRef idx="minor">
+        <a:schemeClr val="lt1"/>
+      </a:fontRef>
+    </dgm:style>
+  </dgm:styleLbl>
+  <dgm:styleLbl name="vennNode1">
+    <dgm:scene3d>
+      <a:camera prst="orthographicFront"/>
+      <a:lightRig rig="threePt" dir="t"/>
+    </dgm:scene3d>
+    <dgm:sp3d/>
+    <dgm:txPr/>
+    <dgm:style>
+      <a:lnRef idx="0">
+        <a:scrgbClr r="0" g="0" b="0"/>
+      </a:lnRef>
+      <a:fillRef idx="3">
+        <a:scrgbClr r="0" g="0" b="0"/>
+      </a:fillRef>
+      <a:effectRef idx="0">
+        <a:scrgbClr r="0" g="0" b="0"/>
+      </a:effectRef>
+      <a:fontRef idx="minor">
+        <a:schemeClr val="tx1"/>
+      </a:fontRef>
+    </dgm:style>
+  </dgm:styleLbl>
+  <dgm:styleLbl name="alignNode1">
+    <dgm:scene3d>
+      <a:camera prst="orthographicFront"/>
+      <a:lightRig rig="threePt" dir="t"/>
+    </dgm:scene3d>
+    <dgm:sp3d/>
+    <dgm:txPr/>
+    <dgm:style>
+      <a:lnRef idx="1">
+        <a:scrgbClr r="0" g="0" b="0"/>
+      </a:lnRef>
+      <a:fillRef idx="3">
+        <a:scrgbClr r="0" g="0" b="0"/>
+      </a:fillRef>
+      <a:effectRef idx="2">
+        <a:scrgbClr r="0" g="0" b="0"/>
+      </a:effectRef>
+      <a:fontRef idx="minor">
+        <a:schemeClr val="lt1"/>
+      </a:fontRef>
+    </dgm:style>
+  </dgm:styleLbl>
+  <dgm:styleLbl name="node1">
+    <dgm:scene3d>
+      <a:camera prst="orthographicFront"/>
+      <a:lightRig rig="threePt" dir="t"/>
+    </dgm:scene3d>
+    <dgm:sp3d/>
+    <dgm:txPr/>
+    <dgm:style>
+      <a:lnRef idx="0">
+        <a:scrgbClr r="0" g="0" b="0"/>
+      </a:lnRef>
+      <a:fillRef idx="3">
+        <a:scrgbClr r="0" g="0" b="0"/>
+      </a:fillRef>
+      <a:effectRef idx="2">
+        <a:scrgbClr r="0" g="0" b="0"/>
+      </a:effectRef>
+      <a:fontRef idx="minor">
+        <a:schemeClr val="lt1"/>
+      </a:fontRef>
+    </dgm:style>
+  </dgm:styleLbl>
+  <dgm:styleLbl name="node2">
+    <dgm:scene3d>
+      <a:camera prst="orthographicFront"/>
+      <a:lightRig rig="threePt" dir="t"/>
+    </dgm:scene3d>
+    <dgm:sp3d/>
+    <dgm:txPr/>
+    <dgm:style>
+      <a:lnRef idx="0">
+        <a:scrgbClr r="0" g="0" b="0"/>
+      </a:lnRef>
+      <a:fillRef idx="3">
+        <a:scrgbClr r="0" g="0" b="0"/>
+      </a:fillRef>
+      <a:effectRef idx="2">
+        <a:scrgbClr r="0" g="0" b="0"/>
+      </a:effectRef>
+      <a:fontRef idx="minor">
+        <a:schemeClr val="lt1"/>
+      </a:fontRef>
+    </dgm:style>
+  </dgm:styleLbl>
+  <dgm:styleLbl name="node3">
+    <dgm:scene3d>
+      <a:camera prst="orthographicFront"/>
+      <a:lightRig rig="threePt" dir="t"/>
+    </dgm:scene3d>
+    <dgm:sp3d/>
+    <dgm:txPr/>
+    <dgm:style>
+      <a:lnRef idx="0">
+        <a:scrgbClr r="0" g="0" b="0"/>
+      </a:lnRef>
+      <a:fillRef idx="3">
+        <a:scrgbClr r="0" g="0" b="0"/>
+      </a:fillRef>
+      <a:effectRef idx="2">
+        <a:scrgbClr r="0" g="0" b="0"/>
+      </a:effectRef>
+      <a:fontRef idx="minor">
+        <a:schemeClr val="lt1"/>
+      </a:fontRef>
+    </dgm:style>
+  </dgm:styleLbl>
+  <dgm:styleLbl name="node4">
+    <dgm:scene3d>
+      <a:camera prst="orthographicFront"/>
+      <a:lightRig rig="threePt" dir="t"/>
+    </dgm:scene3d>
+    <dgm:sp3d/>
+    <dgm:txPr/>
+    <dgm:style>
+      <a:lnRef idx="0">
+        <a:scrgbClr r="0" g="0" b="0"/>
+      </a:lnRef>
+      <a:fillRef idx="3">
+        <a:scrgbClr r="0" g="0" b="0"/>
+      </a:fillRef>
+      <a:effectRef idx="2">
+        <a:scrgbClr r="0" g="0" b="0"/>
+      </a:effectRef>
+      <a:fontRef idx="minor">
+        <a:schemeClr val="lt1"/>
+      </a:fontRef>
+    </dgm:style>
+  </dgm:styleLbl>
+  <dgm:styleLbl name="fgImgPlace1">
+    <dgm:scene3d>
+      <a:camera prst="orthographicFront"/>
+      <a:lightRig rig="threePt" dir="t"/>
+    </dgm:scene3d>
+    <dgm:sp3d/>
+    <dgm:txPr/>
+    <dgm:style>
+      <a:lnRef idx="0">
+        <a:scrgbClr r="0" g="0" b="0"/>
+      </a:lnRef>
+      <a:fillRef idx="1">
+        <a:scrgbClr r="0" g="0" b="0"/>
+      </a:fillRef>
+      <a:effectRef idx="2">
+        <a:scrgbClr r="0" g="0" b="0"/>
+      </a:effectRef>
+      <a:fontRef idx="minor"/>
+    </dgm:style>
+  </dgm:styleLbl>
+  <dgm:styleLbl name="alignImgPlace1">
+    <dgm:scene3d>
+      <a:camera prst="orthographicFront"/>
+      <a:lightRig rig="threePt" dir="t"/>
+    </dgm:scene3d>
+    <dgm:sp3d/>
+    <dgm:txPr/>
+    <dgm:style>
+      <a:lnRef idx="0">
+        <a:scrgbClr r="0" g="0" b="0"/>
+      </a:lnRef>
+      <a:fillRef idx="1">
+        <a:scrgbClr r="0" g="0" b="0"/>
+      </a:fillRef>
+      <a:effectRef idx="2">
+        <a:scrgbClr r="0" g="0" b="0"/>
+      </a:effectRef>
+      <a:fontRef idx="minor"/>
+    </dgm:style>
+  </dgm:styleLbl>
+  <dgm:styleLbl name="bgImgPlace1">
+    <dgm:scene3d>
+      <a:camera prst="orthographicFront"/>
+      <a:lightRig rig="threePt" dir="t"/>
+    </dgm:scene3d>
+    <dgm:sp3d/>
+    <dgm:txPr/>
+    <dgm:style>
+      <a:lnRef idx="0">
+        <a:scrgbClr r="0" g="0" b="0"/>
+      </a:lnRef>
+      <a:fillRef idx="1">
+        <a:scrgbClr r="0" g="0" b="0"/>
+      </a:fillRef>
+      <a:effectRef idx="2">
+        <a:scrgbClr r="0" g="0" b="0"/>
+      </a:effectRef>
+      <a:fontRef idx="minor"/>
+    </dgm:style>
+  </dgm:styleLbl>
+  <dgm:styleLbl name="sibTrans2D1">
+    <dgm:scene3d>
+      <a:camera prst="orthographicFront"/>
+      <a:lightRig rig="threePt" dir="t"/>
+    </dgm:scene3d>
+    <dgm:sp3d/>
+    <dgm:txPr/>
+    <dgm:style>
+      <a:lnRef idx="0">
+        <a:scrgbClr r="0" g="0" b="0"/>
+      </a:lnRef>
+      <a:fillRef idx="3">
+        <a:scrgbClr r="0" g="0" b="0"/>
+      </a:fillRef>
+      <a:effectRef idx="2">
+        <a:scrgbClr r="0" g="0" b="0"/>
+      </a:effectRef>
+      <a:fontRef idx="minor">
+        <a:schemeClr val="lt1"/>
+      </a:fontRef>
+    </dgm:style>
+  </dgm:styleLbl>
+  <dgm:styleLbl name="fgSibTrans2D1">
+    <dgm:scene3d>
+      <a:camera prst="orthographicFront"/>
+      <a:lightRig rig="threePt" dir="t"/>
+    </dgm:scene3d>
+    <dgm:sp3d/>
+    <dgm:txPr/>
+    <dgm:style>
+      <a:lnRef idx="0">
+        <a:scrgbClr r="0" g="0" b="0"/>
+      </a:lnRef>
+      <a:fillRef idx="3">
+        <a:scrgbClr r="0" g="0" b="0"/>
+      </a:fillRef>
+      <a:effectRef idx="2">
+        <a:scrgbClr r="0" g="0" b="0"/>
+      </a:effectRef>
+      <a:fontRef idx="minor">
+        <a:schemeClr val="lt1"/>
+      </a:fontRef>
+    </dgm:style>
+  </dgm:styleLbl>
+  <dgm:styleLbl name="bgSibTrans2D1">
+    <dgm:scene3d>
+      <a:camera prst="orthographicFront"/>
+      <a:lightRig rig="threePt" dir="t"/>
+    </dgm:scene3d>
+    <dgm:sp3d/>
+    <dgm:txPr/>
+    <dgm:style>
+      <a:lnRef idx="0">
+        <a:scrgbClr r="0" g="0" b="0"/>
+      </a:lnRef>
+      <a:fillRef idx="3">
+        <a:scrgbClr r="0" g="0" b="0"/>
+      </a:fillRef>
+      <a:effectRef idx="2">
+        <a:scrgbClr r="0" g="0" b="0"/>
+      </a:effectRef>
+      <a:fontRef idx="minor">
+        <a:schemeClr val="lt1"/>
+      </a:fontRef>
+    </dgm:style>
+  </dgm:styleLbl>
+  <dgm:styleLbl name="sibTrans1D1">
+    <dgm:scene3d>
+      <a:camera prst="orthographicFront"/>
+      <a:lightRig rig="threePt" dir="t"/>
+    </dgm:scene3d>
+    <dgm:sp3d/>
+    <dgm:txPr/>
+    <dgm:style>
+      <a:lnRef idx="1">
+        <a:scrgbClr r="0" g="0" b="0"/>
+      </a:lnRef>
+      <a:fillRef idx="0">
+        <a:scrgbClr r="0" g="0" b="0"/>
+      </a:fillRef>
+      <a:effectRef idx="0">
+        <a:scrgbClr r="0" g="0" b="0"/>
+      </a:effectRef>
+      <a:fontRef idx="minor"/>
+    </dgm:style>
+  </dgm:styleLbl>
+  <dgm:styleLbl name="callout">
+    <dgm:scene3d>
+      <a:camera prst="orthographicFront"/>
+      <a:lightRig rig="threePt" dir="t"/>
+    </dgm:scene3d>
+    <dgm:sp3d/>
+    <dgm:txPr/>
+    <dgm:style>
+      <a:lnRef idx="2">
+        <a:scrgbClr r="0" g="0" b="0"/>
+      </a:lnRef>
+      <a:fillRef idx="1">
+        <a:scrgbClr r="0" g="0" b="0"/>
+      </a:fillRef>
+      <a:effectRef idx="1">
+        <a:scrgbClr r="0" g="0" b="0"/>
+      </a:effectRef>
+      <a:fontRef idx="minor"/>
+    </dgm:style>
+  </dgm:styleLbl>
+  <dgm:styleLbl name="asst0">
+    <dgm:scene3d>
+      <a:camera prst="orthographicFront"/>
+      <a:lightRig rig="threePt" dir="t"/>
+    </dgm:scene3d>
+    <dgm:sp3d/>
+    <dgm:txPr/>
+    <dgm:style>
+      <a:lnRef idx="0">
+        <a:scrgbClr r="0" g="0" b="0"/>
+      </a:lnRef>
+      <a:fillRef idx="3">
+        <a:scrgbClr r="0" g="0" b="0"/>
+      </a:fillRef>
+      <a:effectRef idx="2">
+        <a:scrgbClr r="0" g="0" b="0"/>
+      </a:effectRef>
+      <a:fontRef idx="minor">
+        <a:schemeClr val="lt1"/>
+      </a:fontRef>
+    </dgm:style>
+  </dgm:styleLbl>
+  <dgm:styleLbl name="asst1">
+    <dgm:scene3d>
+      <a:camera prst="orthographicFront"/>
+      <a:lightRig rig="threePt" dir="t"/>
+    </dgm:scene3d>
+    <dgm:sp3d/>
+    <dgm:txPr/>
+    <dgm:style>
+      <a:lnRef idx="0">
+        <a:scrgbClr r="0" g="0" b="0"/>
+      </a:lnRef>
+      <a:fillRef idx="3">
+        <a:scrgbClr r="0" g="0" b="0"/>
+      </a:fillRef>
+      <a:effectRef idx="2">
+        <a:scrgbClr r="0" g="0" b="0"/>
+      </a:effectRef>
+      <a:fontRef idx="minor">
+        <a:schemeClr val="lt1"/>
+      </a:fontRef>
+    </dgm:style>
+  </dgm:styleLbl>
+  <dgm:styleLbl name="asst2">
+    <dgm:scene3d>
+      <a:camera prst="orthographicFront"/>
+      <a:lightRig rig="threePt" dir="t"/>
+    </dgm:scene3d>
+    <dgm:sp3d/>
+    <dgm:txPr/>
+    <dgm:style>
+      <a:lnRef idx="0">
+        <a:scrgbClr r="0" g="0" b="0"/>
+      </a:lnRef>
+      <a:fillRef idx="3">
+        <a:scrgbClr r="0" g="0" b="0"/>
+      </a:fillRef>
+      <a:effectRef idx="2">
+        <a:scrgbClr r="0" g="0" b="0"/>
+      </a:effectRef>
+      <a:fontRef idx="minor">
+        <a:schemeClr val="lt1"/>
+      </a:fontRef>
+    </dgm:style>
+  </dgm:styleLbl>
+  <dgm:styleLbl name="asst3">
+    <dgm:scene3d>
+      <a:camera prst="orthographicFront"/>
+      <a:lightRig rig="threePt" dir="t"/>
+    </dgm:scene3d>
+    <dgm:sp3d/>
+    <dgm:txPr/>
+    <dgm:style>
+      <a:lnRef idx="0">
+        <a:scrgbClr r="0" g="0" b="0"/>
+      </a:lnRef>
+      <a:fillRef idx="3">
+        <a:scrgbClr r="0" g="0" b="0"/>
+      </a:fillRef>
+      <a:effectRef idx="2">
+        <a:scrgbClr r="0" g="0" b="0"/>
+      </a:effectRef>
+      <a:fontRef idx="minor">
+        <a:schemeClr val="lt1"/>
+      </a:fontRef>
+    </dgm:style>
+  </dgm:styleLbl>
+  <dgm:styleLbl name="asst4">
+    <dgm:scene3d>
+      <a:camera prst="orthographicFront"/>
+      <a:lightRig rig="threePt" dir="t"/>
+    </dgm:scene3d>
+    <dgm:sp3d/>
+    <dgm:txPr/>
+    <dgm:style>
+      <a:lnRef idx="0">
+        <a:scrgbClr r="0" g="0" b="0"/>
+      </a:lnRef>
+      <a:fillRef idx="3">
+        <a:scrgbClr r="0" g="0" b="0"/>
+      </a:fillRef>
+      <a:effectRef idx="2">
+        <a:scrgbClr r="0" g="0" b="0"/>
+      </a:effectRef>
+      <a:fontRef idx="minor">
+        <a:schemeClr val="lt1"/>
+      </a:fontRef>
+    </dgm:style>
+  </dgm:styleLbl>
+  <dgm:styleLbl name="parChTrans2D1">
+    <dgm:scene3d>
+      <a:camera prst="orthographicFront"/>
+      <a:lightRig rig="threePt" dir="t"/>
+    </dgm:scene3d>
+    <dgm:sp3d/>
+    <dgm:txPr/>
+    <dgm:style>
+      <a:lnRef idx="0">
+        <a:scrgbClr r="0" g="0" b="0"/>
+      </a:lnRef>
+      <a:fillRef idx="3">
+        <a:scrgbClr r="0" g="0" b="0"/>
+      </a:fillRef>
+      <a:effectRef idx="2">
+        <a:scrgbClr r="0" g="0" b="0"/>
+      </a:effectRef>
+      <a:fontRef idx="minor">
+        <a:schemeClr val="lt1"/>
+      </a:fontRef>
+    </dgm:style>
+  </dgm:styleLbl>
+  <dgm:styleLbl name="parChTrans2D2">
+    <dgm:scene3d>
+      <a:camera prst="orthographicFront"/>
+      <a:lightRig rig="threePt" dir="t"/>
+    </dgm:scene3d>
+    <dgm:sp3d/>
+    <dgm:txPr/>
+    <dgm:style>
+      <a:lnRef idx="0">
+        <a:scrgbClr r="0" g="0" b="0"/>
+      </a:lnRef>
+      <a:fillRef idx="3">
+        <a:scrgbClr r="0" g="0" b="0"/>
+      </a:fillRef>
+      <a:effectRef idx="2">
+        <a:scrgbClr r="0" g="0" b="0"/>
+      </a:effectRef>
+      <a:fontRef idx="minor">
+        <a:schemeClr val="lt1"/>
+      </a:fontRef>
+    </dgm:style>
+  </dgm:styleLbl>
+  <dgm:styleLbl name="parChTrans2D3">
+    <dgm:scene3d>
+      <a:camera prst="orthographicFront"/>
+      <a:lightRig rig="threePt" dir="t"/>
+    </dgm:scene3d>
+    <dgm:sp3d/>
+    <dgm:txPr/>
+    <dgm:style>
+      <a:lnRef idx="1">
+        <a:scrgbClr r="0" g="0" b="0"/>
+      </a:lnRef>
+      <a:fillRef idx="3">
+        <a:scrgbClr r="0" g="0" b="0"/>
+      </a:fillRef>
+      <a:effectRef idx="2">
+        <a:scrgbClr r="0" g="0" b="0"/>
+      </a:effectRef>
+      <a:fontRef idx="minor">
+        <a:schemeClr val="lt1"/>
+      </a:fontRef>
+    </dgm:style>
+  </dgm:styleLbl>
+  <dgm:styleLbl name="parChTrans2D4">
+    <dgm:scene3d>
+      <a:camera prst="orthographicFront"/>
+      <a:lightRig rig="threePt" dir="t"/>
+    </dgm:scene3d>
+    <dgm:sp3d/>
+    <dgm:txPr/>
+    <dgm:style>
+      <a:lnRef idx="1">
+        <a:scrgbClr r="0" g="0" b="0"/>
+      </a:lnRef>
+      <a:fillRef idx="3">
+        <a:scrgbClr r="0" g="0" b="0"/>
+      </a:fillRef>
+      <a:effectRef idx="2">
+        <a:scrgbClr r="0" g="0" b="0"/>
+      </a:effectRef>
+      <a:fontRef idx="minor">
+        <a:schemeClr val="lt1"/>
+      </a:fontRef>
+    </dgm:style>
+  </dgm:styleLbl>
+  <dgm:styleLbl name="parChTrans1D1">
+    <dgm:scene3d>
+      <a:camera prst="orthographicFront"/>
+      <a:lightRig rig="threePt" dir="t"/>
+    </dgm:scene3d>
+    <dgm:sp3d/>
+    <dgm:txPr/>
+    <dgm:style>
+      <a:lnRef idx="1">
+        <a:scrgbClr r="0" g="0" b="0"/>
+      </a:lnRef>
+      <a:fillRef idx="0">
+        <a:scrgbClr r="0" g="0" b="0"/>
+      </a:fillRef>
+      <a:effectRef idx="0">
+        <a:scrgbClr r="0" g="0" b="0"/>
+      </a:effectRef>
+      <a:fontRef idx="minor"/>
+    </dgm:style>
+  </dgm:styleLbl>
+  <dgm:styleLbl name="parChTrans1D2">
+    <dgm:scene3d>
+      <a:camera prst="orthographicFront"/>
+      <a:lightRig rig="threePt" dir="t"/>
+    </dgm:scene3d>
+    <dgm:sp3d/>
+    <dgm:txPr/>
+    <dgm:style>
+      <a:lnRef idx="1">
+        <a:scrgbClr r="0" g="0" b="0"/>
+      </a:lnRef>
+      <a:fillRef idx="0">
+        <a:scrgbClr r="0" g="0" b="0"/>
+      </a:fillRef>
+      <a:effectRef idx="0">
+        <a:scrgbClr r="0" g="0" b="0"/>
+      </a:effectRef>
+      <a:fontRef idx="minor"/>
+    </dgm:style>
+  </dgm:styleLbl>
+  <dgm:styleLbl name="parChTrans1D3">
+    <dgm:scene3d>
+      <a:camera prst="orthographicFront"/>
+      <a:lightRig rig="threePt" dir="t"/>
+    </dgm:scene3d>
+    <dgm:sp3d/>
+    <dgm:txPr/>
+    <dgm:style>
+      <a:lnRef idx="1">
+        <a:scrgbClr r="0" g="0" b="0"/>
+      </a:lnRef>
+      <a:fillRef idx="0">
+        <a:scrgbClr r="0" g="0" b="0"/>
+      </a:fillRef>
+      <a:effectRef idx="0">
+        <a:scrgbClr r="0" g="0" b="0"/>
+      </a:effectRef>
+      <a:fontRef idx="minor"/>
+    </dgm:style>
+  </dgm:styleLbl>
+  <dgm:styleLbl name="parChTrans1D4">
+    <dgm:scene3d>
+      <a:camera prst="orthographicFront"/>
+      <a:lightRig rig="threePt" dir="t"/>
+    </dgm:scene3d>
+    <dgm:sp3d/>
+    <dgm:txPr/>
+    <dgm:style>
+      <a:lnRef idx="1">
+        <a:scrgbClr r="0" g="0" b="0"/>
+      </a:lnRef>
+      <a:fillRef idx="0">
+        <a:scrgbClr r="0" g="0" b="0"/>
+      </a:fillRef>
+      <a:effectRef idx="0">
+        <a:scrgbClr r="0" g="0" b="0"/>
+      </a:effectRef>
+      <a:fontRef idx="minor"/>
+    </dgm:style>
+  </dgm:styleLbl>
+  <dgm:styleLbl name="fgAcc1">
+    <dgm:scene3d>
+      <a:camera prst="orthographicFront"/>
+      <a:lightRig rig="threePt" dir="t"/>
+    </dgm:scene3d>
+    <dgm:sp3d/>
+    <dgm:txPr/>
+    <dgm:style>
+      <a:lnRef idx="1">
+        <a:scrgbClr r="0" g="0" b="0"/>
+      </a:lnRef>
+      <a:fillRef idx="1">
+        <a:scrgbClr r="0" g="0" b="0"/>
+      </a:fillRef>
+      <a:effectRef idx="0">
+        <a:scrgbClr r="0" g="0" b="0"/>
+      </a:effectRef>
+      <a:fontRef idx="minor"/>
+    </dgm:style>
+  </dgm:styleLbl>
+  <dgm:styleLbl name="conFgAcc1">
+    <dgm:scene3d>
+      <a:camera prst="orthographicFront"/>
+      <a:lightRig rig="threePt" dir="t"/>
+    </dgm:scene3d>
+    <dgm:sp3d/>
+    <dgm:txPr/>
+    <dgm:style>
+      <a:lnRef idx="1">
+        <a:scrgbClr r="0" g="0" b="0"/>
+      </a:lnRef>
+      <a:fillRef idx="1">
+        <a:scrgbClr r="0" g="0" b="0"/>
+      </a:fillRef>
+      <a:effectRef idx="0">
+        <a:scrgbClr r="0" g="0" b="0"/>
+      </a:effectRef>
+      <a:fontRef idx="minor"/>
+    </dgm:style>
+  </dgm:styleLbl>
+  <dgm:styleLbl name="alignAcc1">
+    <dgm:scene3d>
+      <a:camera prst="orthographicFront"/>
+      <a:lightRig rig="threePt" dir="t"/>
+    </dgm:scene3d>
+    <dgm:sp3d/>
+    <dgm:txPr/>
+    <dgm:style>
+      <a:lnRef idx="1">
+        <a:scrgbClr r="0" g="0" b="0"/>
+      </a:lnRef>
+      <a:fillRef idx="1">
+        <a:scrgbClr r="0" g="0" b="0"/>
+      </a:fillRef>
+      <a:effectRef idx="0">
+        <a:scrgbClr r="0" g="0" b="0"/>
+      </a:effectRef>
+      <a:fontRef idx="minor"/>
+    </dgm:style>
+  </dgm:styleLbl>
+  <dgm:styleLbl name="trAlignAcc1">
+    <dgm:scene3d>
+      <a:camera prst="orthographicFront"/>
+      <a:lightRig rig="threePt" dir="t"/>
+    </dgm:scene3d>
+    <dgm:sp3d/>
+    <dgm:txPr/>
+    <dgm:style>
+      <a:lnRef idx="1">
+        <a:scrgbClr r="0" g="0" b="0"/>
+      </a:lnRef>
+      <a:fillRef idx="1">
+        <a:scrgbClr r="0" g="0" b="0"/>
+      </a:fillRef>
+      <a:effectRef idx="0">
+        <a:scrgbClr r="0" g="0" b="0"/>
+      </a:effectRef>
+      <a:fontRef idx="minor"/>
+    </dgm:style>
+  </dgm:styleLbl>
+  <dgm:styleLbl name="bgAcc1">
+    <dgm:scene3d>
+      <a:camera prst="orthographicFront"/>
+      <a:lightRig rig="threePt" dir="t"/>
+    </dgm:scene3d>
+    <dgm:sp3d/>
+    <dgm:txPr/>
+    <dgm:style>
+      <a:lnRef idx="1">
+        <a:scrgbClr r="0" g="0" b="0"/>
+      </a:lnRef>
+      <a:fillRef idx="1">
+        <a:scrgbClr r="0" g="0" b="0"/>
+      </a:fillRef>
+      <a:effectRef idx="0">
+        <a:scrgbClr r="0" g="0" b="0"/>
+      </a:effectRef>
+      <a:fontRef idx="minor"/>
+    </dgm:style>
+  </dgm:styleLbl>
+  <dgm:styleLbl name="solidFgAcc1">
+    <dgm:scene3d>
+      <a:camera prst="orthographicFront"/>
+      <a:lightRig rig="threePt" dir="t"/>
+    </dgm:scene3d>
+    <dgm:sp3d/>
+    <dgm:txPr/>
+    <dgm:style>
+      <a:lnRef idx="1">
+        <a:scrgbClr r="0" g="0" b="0"/>
+      </a:lnRef>
+      <a:fillRef idx="1">
+        <a:scrgbClr r="0" g="0" b="0"/>
+      </a:fillRef>
+      <a:effectRef idx="0">
+        <a:scrgbClr r="0" g="0" b="0"/>
+      </a:effectRef>
+      <a:fontRef idx="minor"/>
+    </dgm:style>
+  </dgm:styleLbl>
+  <dgm:styleLbl name="solidAlignAcc1">
+    <dgm:scene3d>
+      <a:camera prst="orthographicFront"/>
+      <a:lightRig rig="threePt" dir="t"/>
+    </dgm:scene3d>
+    <dgm:sp3d/>
+    <dgm:txPr/>
+    <dgm:style>
+      <a:lnRef idx="1">
+        <a:scrgbClr r="0" g="0" b="0"/>
+      </a:lnRef>
+      <a:fillRef idx="1">
+        <a:scrgbClr r="0" g="0" b="0"/>
+      </a:fillRef>
+      <a:effectRef idx="0">
+        <a:scrgbClr r="0" g="0" b="0"/>
+      </a:effectRef>
+      <a:fontRef idx="minor"/>
+    </dgm:style>
+  </dgm:styleLbl>
+  <dgm:styleLbl name="solidBgAcc1">
+    <dgm:scene3d>
+      <a:camera prst="orthographicFront"/>
+      <a:lightRig rig="threePt" dir="t"/>
+    </dgm:scene3d>
+    <dgm:sp3d/>
+    <dgm:txPr/>
+    <dgm:style>
+      <a:lnRef idx="1">
+        <a:scrgbClr r="0" g="0" b="0"/>
+      </a:lnRef>
+      <a:fillRef idx="1">
+        <a:scrgbClr r="0" g="0" b="0"/>
+      </a:fillRef>
+      <a:effectRef idx="0">
+        <a:scrgbClr r="0" g="0" b="0"/>
+      </a:effectRef>
+      <a:fontRef idx="minor"/>
+    </dgm:style>
+  </dgm:styleLbl>
+  <dgm:styleLbl name="fgAccFollowNode1">
+    <dgm:scene3d>
+      <a:camera prst="orthographicFront"/>
+      <a:lightRig rig="threePt" dir="t"/>
+    </dgm:scene3d>
+    <dgm:sp3d/>
+    <dgm:txPr/>
+    <dgm:style>
+      <a:lnRef idx="1">
+        <a:scrgbClr r="0" g="0" b="0"/>
+      </a:lnRef>
+      <a:fillRef idx="1">
+        <a:scrgbClr r="0" g="0" b="0"/>
+      </a:fillRef>
+      <a:effectRef idx="0">
+        <a:scrgbClr r="0" g="0" b="0"/>
+      </a:effectRef>
+      <a:fontRef idx="minor"/>
+    </dgm:style>
+  </dgm:styleLbl>
+  <dgm:styleLbl name="alignAccFollowNode1">
+    <dgm:scene3d>
+      <a:camera prst="orthographicFront"/>
+      <a:lightRig rig="threePt" dir="t"/>
+    </dgm:scene3d>
+    <dgm:sp3d/>
+    <dgm:txPr/>
+    <dgm:style>
+      <a:lnRef idx="1">
+        <a:scrgbClr r="0" g="0" b="0"/>
+      </a:lnRef>
+      <a:fillRef idx="1">
+        <a:scrgbClr r="0" g="0" b="0"/>
+      </a:fillRef>
+      <a:effectRef idx="0">
+        <a:scrgbClr r="0" g="0" b="0"/>
+      </a:effectRef>
+      <a:fontRef idx="minor"/>
+    </dgm:style>
+  </dgm:styleLbl>
+  <dgm:styleLbl name="bgAccFollowNode1">
+    <dgm:scene3d>
+      <a:camera prst="orthographicFront"/>
+      <a:lightRig rig="threePt" dir="t"/>
+    </dgm:scene3d>
+    <dgm:sp3d/>
+    <dgm:txPr/>
+    <dgm:style>
+      <a:lnRef idx="1">
+        <a:scrgbClr r="0" g="0" b="0"/>
+      </a:lnRef>
+      <a:fillRef idx="1">
+        <a:scrgbClr r="0" g="0" b="0"/>
+      </a:fillRef>
+      <a:effectRef idx="0">
+        <a:scrgbClr r="0" g="0" b="0"/>
+      </a:effectRef>
+      <a:fontRef idx="minor"/>
+    </dgm:style>
+  </dgm:styleLbl>
+  <dgm:styleLbl name="fgAcc0">
+    <dgm:scene3d>
+      <a:camera prst="orthographicFront"/>
+      <a:lightRig rig="threePt" dir="t"/>
+    </dgm:scene3d>
+    <dgm:sp3d/>
+    <dgm:txPr/>
+    <dgm:style>
+      <a:lnRef idx="1">
+        <a:scrgbClr r="0" g="0" b="0"/>
+      </a:lnRef>
+      <a:fillRef idx="1">
+        <a:scrgbClr r="0" g="0" b="0"/>
+      </a:fillRef>
+      <a:effectRef idx="0">
+        <a:scrgbClr r="0" g="0" b="0"/>
+      </a:effectRef>
+      <a:fontRef idx="minor"/>
+    </dgm:style>
+  </dgm:styleLbl>
+  <dgm:styleLbl name="fgAcc2">
+    <dgm:scene3d>
+      <a:camera prst="orthographicFront"/>
+      <a:lightRig rig="threePt" dir="t"/>
+    </dgm:scene3d>
+    <dgm:sp3d/>
+    <dgm:txPr/>
+    <dgm:style>
+      <a:lnRef idx="1">
+        <a:scrgbClr r="0" g="0" b="0"/>
+      </a:lnRef>
+      <a:fillRef idx="1">
+        <a:scrgbClr r="0" g="0" b="0"/>
+      </a:fillRef>
+      <a:effectRef idx="0">
+        <a:scrgbClr r="0" g="0" b="0"/>
+      </a:effectRef>
+      <a:fontRef idx="minor"/>
+    </dgm:style>
+  </dgm:styleLbl>
+  <dgm:styleLbl name="fgAcc3">
+    <dgm:scene3d>
+      <a:camera prst="orthographicFront"/>
+      <a:lightRig rig="threePt" dir="t"/>
+    </dgm:scene3d>
+    <dgm:sp3d/>
+    <dgm:txPr/>
+    <dgm:style>
+      <a:lnRef idx="1">
+        <a:scrgbClr r="0" g="0" b="0"/>
+      </a:lnRef>
+      <a:fillRef idx="1">
+        <a:scrgbClr r="0" g="0" b="0"/>
+      </a:fillRef>
+      <a:effectRef idx="0">
+        <a:scrgbClr r="0" g="0" b="0"/>
+      </a:effectRef>
+      <a:fontRef idx="minor"/>
+    </dgm:style>
+  </dgm:styleLbl>
+  <dgm:styleLbl name="fgAcc4">
+    <dgm:scene3d>
+      <a:camera prst="orthographicFront"/>
+      <a:lightRig rig="threePt" dir="t"/>
+    </dgm:scene3d>
+    <dgm:sp3d/>
+    <dgm:txPr/>
+    <dgm:style>
+      <a:lnRef idx="1">
+        <a:scrgbClr r="0" g="0" b="0"/>
+      </a:lnRef>
+      <a:fillRef idx="1">
+        <a:scrgbClr r="0" g="0" b="0"/>
+      </a:fillRef>
+      <a:effectRef idx="0">
+        <a:scrgbClr r="0" g="0" b="0"/>
+      </a:effectRef>
+      <a:fontRef idx="minor"/>
+    </dgm:style>
+  </dgm:styleLbl>
+  <dgm:styleLbl name="bgShp">
+    <dgm:scene3d>
+      <a:camera prst="orthographicFront"/>
+      <a:lightRig rig="threePt" dir="t"/>
+    </dgm:scene3d>
+    <dgm:sp3d/>
+    <dgm:txPr/>
+    <dgm:style>
+      <a:lnRef idx="0">
+        <a:scrgbClr r="0" g="0" b="0"/>
+      </a:lnRef>
+      <a:fillRef idx="1">
+        <a:scrgbClr r="0" g="0" b="0"/>
+      </a:fillRef>
+      <a:effectRef idx="2">
+        <a:scrgbClr r="0" g="0" b="0"/>
+      </a:effectRef>
+      <a:fontRef idx="minor"/>
+    </dgm:style>
+  </dgm:styleLbl>
+  <dgm:styleLbl name="dkBgShp">
+    <dgm:scene3d>
+      <a:camera prst="orthographicFront"/>
+      <a:lightRig rig="threePt" dir="t"/>
+    </dgm:scene3d>
+    <dgm:sp3d/>
+    <dgm:txPr/>
+    <dgm:style>
+      <a:lnRef idx="0">
+        <a:scrgbClr r="0" g="0" b="0"/>
+      </a:lnRef>
+      <a:fillRef idx="1">
+        <a:scrgbClr r="0" g="0" b="0"/>
+      </a:fillRef>
+      <a:effectRef idx="2">
+        <a:scrgbClr r="0" g="0" b="0"/>
+      </a:effectRef>
+      <a:fontRef idx="minor"/>
+    </dgm:style>
+  </dgm:styleLbl>
+  <dgm:styleLbl name="trBgShp">
+    <dgm:scene3d>
+      <a:camera prst="orthographicFront"/>
+      <a:lightRig rig="threePt" dir="t"/>
+    </dgm:scene3d>
+    <dgm:sp3d/>
+    <dgm:txPr/>
+    <dgm:style>
+      <a:lnRef idx="0">
+        <a:scrgbClr r="0" g="0" b="0"/>
+      </a:lnRef>
+      <a:fillRef idx="1">
+        <a:scrgbClr r="0" g="0" b="0"/>
+      </a:fillRef>
+      <a:effectRef idx="0">
+        <a:scrgbClr r="0" g="0" b="0"/>
+      </a:effectRef>
+      <a:fontRef idx="minor"/>
+    </dgm:style>
+  </dgm:styleLbl>
+  <dgm:styleLbl name="fgShp">
+    <dgm:scene3d>
+      <a:camera prst="orthographicFront"/>
+      <a:lightRig rig="threePt" dir="t"/>
+    </dgm:scene3d>
+    <dgm:sp3d/>
+    <dgm:txPr/>
+    <dgm:style>
+      <a:lnRef idx="0">
+        <a:scrgbClr r="0" g="0" b="0"/>
+      </a:lnRef>
+      <a:fillRef idx="3">
+        <a:scrgbClr r="0" g="0" b="0"/>
+      </a:fillRef>
+      <a:effectRef idx="2">
+        <a:scrgbClr r="0" g="0" b="0"/>
+      </a:effectRef>
+      <a:fontRef idx="minor"/>
+    </dgm:style>
+  </dgm:styleLbl>
+  <dgm:styleLbl name="revTx">
+    <dgm:scene3d>
+      <a:camera prst="orthographicFront"/>
+      <a:lightRig rig="threePt" dir="t"/>
+    </dgm:scene3d>
+    <dgm:sp3d/>
+    <dgm:txPr/>
+    <dgm:style>
+      <a:lnRef idx="0">
+        <a:scrgbClr r="0" g="0" b="0"/>
+      </a:lnRef>
+      <a:fillRef idx="0">
+        <a:scrgbClr r="0" g="0" b="0"/>
+      </a:fillRef>
+      <a:effectRef idx="0">
+        <a:scrgbClr r="0" g="0" b="0"/>
+      </a:effectRef>
+      <a:fontRef idx="minor"/>
+    </dgm:style>
+  </dgm:styleLbl>
+</dgm:styleDef>
+</file>
+
 <file path=ppt/slideLayouts/slideLayout1.xml><?xml version="1.0" encoding="utf-8"?>
 <p:sldLayout xmlns:a="http://schemas.openxmlformats.org/drawingml/2006/main" xmlns:r="http://schemas.openxmlformats.org/officeDocument/2006/relationships" xmlns:p="http://schemas.openxmlformats.org/presentationml/2006/main" type="title" preserve="1">
   <p:cSld name="Title Slide">
@@ -285,7 +3414,7 @@
           <a:p>
             <a:fld id="{D8054153-5139-4509-8365-9EBB5BA0BDBB}" type="datetimeFigureOut">
               <a:rPr lang="en-ZA" smtClean="0"/>
-              <a:t>2022/10/23</a:t>
+              <a:t>2022/10/24</a:t>
             </a:fld>
             <a:endParaRPr lang="en-ZA"/>
           </a:p>
@@ -455,7 +3584,7 @@
           <a:p>
             <a:fld id="{D8054153-5139-4509-8365-9EBB5BA0BDBB}" type="datetimeFigureOut">
               <a:rPr lang="en-ZA" smtClean="0"/>
-              <a:t>2022/10/23</a:t>
+              <a:t>2022/10/24</a:t>
             </a:fld>
             <a:endParaRPr lang="en-ZA"/>
           </a:p>
@@ -635,7 +3764,7 @@
           <a:p>
             <a:fld id="{D8054153-5139-4509-8365-9EBB5BA0BDBB}" type="datetimeFigureOut">
               <a:rPr lang="en-ZA" smtClean="0"/>
-              <a:t>2022/10/23</a:t>
+              <a:t>2022/10/24</a:t>
             </a:fld>
             <a:endParaRPr lang="en-ZA"/>
           </a:p>
@@ -805,7 +3934,7 @@
           <a:p>
             <a:fld id="{D8054153-5139-4509-8365-9EBB5BA0BDBB}" type="datetimeFigureOut">
               <a:rPr lang="en-ZA" smtClean="0"/>
-              <a:t>2022/10/23</a:t>
+              <a:t>2022/10/24</a:t>
             </a:fld>
             <a:endParaRPr lang="en-ZA"/>
           </a:p>
@@ -1073,7 +4202,7 @@
           <a:p>
             <a:fld id="{D8054153-5139-4509-8365-9EBB5BA0BDBB}" type="datetimeFigureOut">
               <a:rPr lang="en-ZA" smtClean="0"/>
-              <a:t>2022/10/23</a:t>
+              <a:t>2022/10/24</a:t>
             </a:fld>
             <a:endParaRPr lang="en-ZA"/>
           </a:p>
@@ -1305,7 +4434,7 @@
           <a:p>
             <a:fld id="{D8054153-5139-4509-8365-9EBB5BA0BDBB}" type="datetimeFigureOut">
               <a:rPr lang="en-ZA" smtClean="0"/>
-              <a:t>2022/10/23</a:t>
+              <a:t>2022/10/24</a:t>
             </a:fld>
             <a:endParaRPr lang="en-ZA"/>
           </a:p>
@@ -1664,7 +4793,7 @@
           <a:p>
             <a:fld id="{D8054153-5139-4509-8365-9EBB5BA0BDBB}" type="datetimeFigureOut">
               <a:rPr lang="en-ZA" smtClean="0"/>
-              <a:t>2022/10/23</a:t>
+              <a:t>2022/10/24</a:t>
             </a:fld>
             <a:endParaRPr lang="en-ZA"/>
           </a:p>
@@ -1805,7 +4934,7 @@
           <a:p>
             <a:fld id="{D8054153-5139-4509-8365-9EBB5BA0BDBB}" type="datetimeFigureOut">
               <a:rPr lang="en-ZA" smtClean="0"/>
-              <a:t>2022/10/23</a:t>
+              <a:t>2022/10/24</a:t>
             </a:fld>
             <a:endParaRPr lang="en-ZA"/>
           </a:p>
@@ -1900,7 +5029,7 @@
           <a:p>
             <a:fld id="{D8054153-5139-4509-8365-9EBB5BA0BDBB}" type="datetimeFigureOut">
               <a:rPr lang="en-ZA" smtClean="0"/>
-              <a:t>2022/10/23</a:t>
+              <a:t>2022/10/24</a:t>
             </a:fld>
             <a:endParaRPr lang="en-ZA"/>
           </a:p>
@@ -2257,7 +5386,7 @@
           <a:p>
             <a:fld id="{D8054153-5139-4509-8365-9EBB5BA0BDBB}" type="datetimeFigureOut">
               <a:rPr lang="en-ZA" smtClean="0"/>
-              <a:t>2022/10/23</a:t>
+              <a:t>2022/10/24</a:t>
             </a:fld>
             <a:endParaRPr lang="en-ZA"/>
           </a:p>
@@ -2614,7 +5743,7 @@
           <a:p>
             <a:fld id="{D8054153-5139-4509-8365-9EBB5BA0BDBB}" type="datetimeFigureOut">
               <a:rPr lang="en-ZA" smtClean="0"/>
-              <a:t>2022/10/23</a:t>
+              <a:t>2022/10/24</a:t>
             </a:fld>
             <a:endParaRPr lang="en-ZA"/>
           </a:p>
@@ -2856,7 +5985,7 @@
           <a:p>
             <a:fld id="{D8054153-5139-4509-8365-9EBB5BA0BDBB}" type="datetimeFigureOut">
               <a:rPr lang="en-ZA" smtClean="0"/>
-              <a:t>2022/10/23</a:t>
+              <a:t>2022/10/24</a:t>
             </a:fld>
             <a:endParaRPr lang="en-ZA"/>
           </a:p>
@@ -3415,6 +6544,14 @@
 <file path=ppt/slides/slide10.xml><?xml version="1.0" encoding="utf-8"?>
 <p:sld xmlns:a="http://schemas.openxmlformats.org/drawingml/2006/main" xmlns:r="http://schemas.openxmlformats.org/officeDocument/2006/relationships" xmlns:p="http://schemas.openxmlformats.org/presentationml/2006/main">
   <p:cSld>
+    <p:bg>
+      <p:bgPr>
+        <a:solidFill>
+          <a:schemeClr val="bg1"/>
+        </a:solidFill>
+        <a:effectLst/>
+      </p:bgPr>
+    </p:bg>
     <p:spTree>
       <p:nvGrpSpPr>
         <p:cNvPr id="1" name=""/>
@@ -3431,78 +6568,295 @@
       </p:grpSpPr>
       <p:sp>
         <p:nvSpPr>
-          <p:cNvPr id="2" name="Title 1">
+          <p:cNvPr id="8" name="Rectangle 7">
             <a:extLst>
               <a:ext uri="{FF2B5EF4-FFF2-40B4-BE49-F238E27FC236}">
-                <a16:creationId xmlns:a16="http://schemas.microsoft.com/office/drawing/2014/main" id="{7F6D9E6A-D8CF-D63C-E723-686313DF1FD9}"/>
+                <a16:creationId xmlns:a16="http://schemas.microsoft.com/office/drawing/2014/main" id="{2AEFFFF2-9EB4-4B6C-B9F8-2BA3EF89A21C}"/>
+              </a:ext>
+              <a:ext uri="{C183D7F6-B498-43B3-948B-1728B52AA6E4}">
+                <adec:decorative xmlns:adec="http://schemas.microsoft.com/office/drawing/2017/decorative" val="1"/>
               </a:ext>
             </a:extLst>
           </p:cNvPr>
           <p:cNvSpPr>
-            <a:spLocks noGrp="1"/>
-          </p:cNvSpPr>
-          <p:nvPr>
-            <p:ph type="title"/>
-          </p:nvPr>
-        </p:nvSpPr>
-        <p:spPr/>
-        <p:txBody>
-          <a:bodyPr>
-            <a:normAutofit fontScale="90000"/>
-          </a:bodyPr>
-          <a:lstStyle/>
-          <a:p>
-            <a:r>
-              <a:rPr lang="en-ZA" dirty="0"/>
-              <a:t>A Dashboard showing Cpi trends compared with interest rates (</a:t>
-            </a:r>
-            <a:r>
-              <a:rPr lang="en-ZA" dirty="0" err="1"/>
-              <a:t>bobc</a:t>
-            </a:r>
-            <a:r>
-              <a:rPr lang="en-ZA" dirty="0"/>
-              <a:t> 7 days)</a:t>
-            </a:r>
-          </a:p>
-        </p:txBody>
-      </p:sp>
-      <p:pic>
-        <p:nvPicPr>
-          <p:cNvPr id="4" name="Content Placeholder 3">
-            <a:extLst>
-              <a:ext uri="{FF2B5EF4-FFF2-40B4-BE49-F238E27FC236}">
-                <a16:creationId xmlns:a16="http://schemas.microsoft.com/office/drawing/2014/main" id="{0A1C6B0E-2D59-74D2-1FD3-500F489CBBF7}"/>
-              </a:ext>
-            </a:extLst>
-          </p:cNvPr>
-          <p:cNvPicPr>
-            <a:picLocks noGrp="1" noChangeAspect="1"/>
-          </p:cNvPicPr>
-          <p:nvPr>
-            <p:ph idx="1"/>
-          </p:nvPr>
-        </p:nvPicPr>
-        <p:blipFill>
-          <a:blip r:embed="rId2"/>
-          <a:stretch>
-            <a:fillRect/>
-          </a:stretch>
-        </p:blipFill>
+            <a:spLocks noGrp="1" noRot="1" noChangeAspect="1" noMove="1" noResize="1" noEditPoints="1" noAdjustHandles="1" noChangeArrowheads="1" noChangeShapeType="1" noTextEdit="1"/>
+          </p:cNvSpPr>
+          <p:nvPr>
+            <p:extLst>
+              <p:ext uri="{386F3935-93C4-4BCD-93E2-E3B085C9AB24}">
+                <p16:designElem xmlns:p16="http://schemas.microsoft.com/office/powerpoint/2015/main" val="1"/>
+              </p:ext>
+            </p:extLst>
+          </p:nvPr>
+        </p:nvSpPr>
         <p:spPr>
           <a:xfrm>
-            <a:off x="1856463" y="2245360"/>
-            <a:ext cx="8524733" cy="3850641"/>
+            <a:off x="1" y="0"/>
+            <a:ext cx="3070172" cy="6858000"/>
           </a:xfrm>
           <a:prstGeom prst="rect">
             <a:avLst/>
           </a:prstGeom>
+          <a:solidFill>
+            <a:schemeClr val="tx2"/>
+          </a:solidFill>
+          <a:ln>
+            <a:noFill/>
+          </a:ln>
         </p:spPr>
-      </p:pic>
+        <p:style>
+          <a:lnRef idx="2">
+            <a:schemeClr val="accent1">
+              <a:shade val="50000"/>
+            </a:schemeClr>
+          </a:lnRef>
+          <a:fillRef idx="1">
+            <a:schemeClr val="accent1"/>
+          </a:fillRef>
+          <a:effectRef idx="0">
+            <a:schemeClr val="accent1"/>
+          </a:effectRef>
+          <a:fontRef idx="minor">
+            <a:schemeClr val="lt1"/>
+          </a:fontRef>
+        </p:style>
+        <p:txBody>
+          <a:bodyPr rtlCol="0" anchor="ctr"/>
+          <a:lstStyle/>
+          <a:p>
+            <a:pPr algn="ctr"/>
+            <a:endParaRPr lang="en-US"/>
+          </a:p>
+        </p:txBody>
+      </p:sp>
+      <p:sp useBgFill="1">
+        <p:nvSpPr>
+          <p:cNvPr id="10" name="Rectangle 9">
+            <a:extLst>
+              <a:ext uri="{FF2B5EF4-FFF2-40B4-BE49-F238E27FC236}">
+                <a16:creationId xmlns:a16="http://schemas.microsoft.com/office/drawing/2014/main" id="{0D65299F-028F-4AFC-B46A-8DB33E20FE4A}"/>
+              </a:ext>
+              <a:ext uri="{C183D7F6-B498-43B3-948B-1728B52AA6E4}">
+                <adec:decorative xmlns:adec="http://schemas.microsoft.com/office/drawing/2017/decorative" val="1"/>
+              </a:ext>
+            </a:extLst>
+          </p:cNvPr>
+          <p:cNvSpPr>
+            <a:spLocks noGrp="1" noRot="1" noChangeAspect="1" noMove="1" noResize="1" noEditPoints="1" noAdjustHandles="1" noChangeArrowheads="1" noChangeShapeType="1" noTextEdit="1"/>
+          </p:cNvSpPr>
+          <p:nvPr>
+            <p:extLst>
+              <p:ext uri="{386F3935-93C4-4BCD-93E2-E3B085C9AB24}">
+                <p16:designElem xmlns:p16="http://schemas.microsoft.com/office/powerpoint/2015/main" val="1"/>
+              </p:ext>
+            </p:extLst>
+          </p:nvPr>
+        </p:nvSpPr>
+        <p:spPr>
+          <a:xfrm>
+            <a:off x="3070172" y="0"/>
+            <a:ext cx="9121828" cy="6858000"/>
+          </a:xfrm>
+          <a:prstGeom prst="rect">
+            <a:avLst/>
+          </a:prstGeom>
+          <a:ln>
+            <a:noFill/>
+          </a:ln>
+        </p:spPr>
+        <p:style>
+          <a:lnRef idx="2">
+            <a:schemeClr val="accent1">
+              <a:shade val="50000"/>
+            </a:schemeClr>
+          </a:lnRef>
+          <a:fillRef idx="1">
+            <a:schemeClr val="accent1"/>
+          </a:fillRef>
+          <a:effectRef idx="0">
+            <a:schemeClr val="accent1"/>
+          </a:effectRef>
+          <a:fontRef idx="minor">
+            <a:schemeClr val="lt1"/>
+          </a:fontRef>
+        </p:style>
+        <p:txBody>
+          <a:bodyPr rtlCol="0" anchor="ctr"/>
+          <a:lstStyle/>
+          <a:p>
+            <a:pPr algn="ctr"/>
+            <a:endParaRPr lang="en-US"/>
+          </a:p>
+        </p:txBody>
+      </p:sp>
+      <p:sp>
+        <p:nvSpPr>
+          <p:cNvPr id="12" name="Oval 11">
+            <a:extLst>
+              <a:ext uri="{FF2B5EF4-FFF2-40B4-BE49-F238E27FC236}">
+                <a16:creationId xmlns:a16="http://schemas.microsoft.com/office/drawing/2014/main" id="{BAC87F6E-526A-49B5-995D-42DB656594C9}"/>
+              </a:ext>
+              <a:ext uri="{C183D7F6-B498-43B3-948B-1728B52AA6E4}">
+                <adec:decorative xmlns:adec="http://schemas.microsoft.com/office/drawing/2017/decorative" val="1"/>
+              </a:ext>
+            </a:extLst>
+          </p:cNvPr>
+          <p:cNvSpPr>
+            <a:spLocks noGrp="1" noRot="1" noChangeAspect="1" noMove="1" noResize="1" noEditPoints="1" noAdjustHandles="1" noChangeArrowheads="1" noChangeShapeType="1" noTextEdit="1"/>
+          </p:cNvSpPr>
+          <p:nvPr>
+            <p:extLst>
+              <p:ext uri="{386F3935-93C4-4BCD-93E2-E3B085C9AB24}">
+                <p16:designElem xmlns:p16="http://schemas.microsoft.com/office/powerpoint/2015/main" val="1"/>
+              </p:ext>
+            </p:extLst>
+          </p:nvPr>
+        </p:nvSpPr>
+        <p:spPr>
+          <a:xfrm>
+            <a:off x="1117423" y="1443035"/>
+            <a:ext cx="3971932" cy="3971930"/>
+          </a:xfrm>
+          <a:prstGeom prst="ellipse">
+            <a:avLst/>
+          </a:prstGeom>
+          <a:solidFill>
+            <a:srgbClr val="FFFFFF"/>
+          </a:solidFill>
+          <a:ln w="31750">
+            <a:solidFill>
+              <a:schemeClr val="accent2">
+                <a:lumMod val="75000"/>
+              </a:schemeClr>
+            </a:solidFill>
+          </a:ln>
+        </p:spPr>
+        <p:style>
+          <a:lnRef idx="2">
+            <a:schemeClr val="accent1">
+              <a:shade val="50000"/>
+            </a:schemeClr>
+          </a:lnRef>
+          <a:fillRef idx="1">
+            <a:schemeClr val="accent1"/>
+          </a:fillRef>
+          <a:effectRef idx="0">
+            <a:schemeClr val="accent1"/>
+          </a:effectRef>
+          <a:fontRef idx="minor">
+            <a:schemeClr val="lt1"/>
+          </a:fontRef>
+        </p:style>
+        <p:txBody>
+          <a:bodyPr rtlCol="0" anchor="ctr"/>
+          <a:lstStyle/>
+          <a:p>
+            <a:pPr algn="ctr"/>
+            <a:endParaRPr lang="en-US"/>
+          </a:p>
+        </p:txBody>
+      </p:sp>
+      <p:sp>
+        <p:nvSpPr>
+          <p:cNvPr id="2" name="Title 1">
+            <a:extLst>
+              <a:ext uri="{FF2B5EF4-FFF2-40B4-BE49-F238E27FC236}">
+                <a16:creationId xmlns:a16="http://schemas.microsoft.com/office/drawing/2014/main" id="{5BBC2592-7B3F-3BF1-F46D-E0890F44A042}"/>
+              </a:ext>
+            </a:extLst>
+          </p:cNvPr>
+          <p:cNvSpPr>
+            <a:spLocks noGrp="1"/>
+          </p:cNvSpPr>
+          <p:nvPr>
+            <p:ph type="title"/>
+          </p:nvPr>
+        </p:nvSpPr>
+        <p:spPr>
+          <a:xfrm>
+            <a:off x="1260873" y="1586484"/>
+            <a:ext cx="3685032" cy="3685032"/>
+          </a:xfrm>
+          <a:prstGeom prst="ellipse">
+            <a:avLst/>
+          </a:prstGeom>
+          <a:solidFill>
+            <a:schemeClr val="accent2">
+              <a:lumMod val="75000"/>
+            </a:schemeClr>
+          </a:solidFill>
+          <a:ln>
+            <a:noFill/>
+          </a:ln>
+        </p:spPr>
+        <p:txBody>
+          <a:bodyPr>
+            <a:normAutofit/>
+          </a:bodyPr>
+          <a:lstStyle/>
+          <a:p>
+            <a:r>
+              <a:rPr lang="en-ZA" sz="2100">
+                <a:solidFill>
+                  <a:srgbClr val="FFFFFF"/>
+                </a:solidFill>
+              </a:rPr>
+              <a:t>CPI DISTRIBUTIONS FROM 2008 TO 2022</a:t>
+            </a:r>
+          </a:p>
+        </p:txBody>
+      </p:sp>
+      <p:sp>
+        <p:nvSpPr>
+          <p:cNvPr id="3" name="Content Placeholder 2">
+            <a:extLst>
+              <a:ext uri="{FF2B5EF4-FFF2-40B4-BE49-F238E27FC236}">
+                <a16:creationId xmlns:a16="http://schemas.microsoft.com/office/drawing/2014/main" id="{540BF079-B7DC-92CB-D942-B4ADBB9459FB}"/>
+              </a:ext>
+            </a:extLst>
+          </p:cNvPr>
+          <p:cNvSpPr>
+            <a:spLocks noGrp="1"/>
+          </p:cNvSpPr>
+          <p:nvPr>
+            <p:ph idx="1"/>
+          </p:nvPr>
+        </p:nvSpPr>
+        <p:spPr>
+          <a:xfrm>
+            <a:off x="5591695" y="1402080"/>
+            <a:ext cx="5320696" cy="4053840"/>
+          </a:xfrm>
+        </p:spPr>
+        <p:txBody>
+          <a:bodyPr anchor="ctr">
+            <a:normAutofit/>
+          </a:bodyPr>
+          <a:lstStyle/>
+          <a:p>
+            <a:r>
+              <a:rPr lang="en-ZA" dirty="0"/>
+              <a:t>CPI distribution does not vary much except around 2008 and 2022. </a:t>
+            </a:r>
+          </a:p>
+          <a:p>
+            <a:r>
+              <a:rPr lang="en-ZA" dirty="0"/>
+              <a:t>As discussed earlier, the variance in those years is likely due to the global recession and Covid 19/War between Russia and Ukraine.</a:t>
+            </a:r>
+          </a:p>
+          <a:p>
+            <a:r>
+              <a:rPr lang="en-ZA" dirty="0"/>
+              <a:t>The central bank looks to stabilize the CPI and keep it between 3 and 6% as they managed to do this quite effectively from 2015 to 2020.</a:t>
+            </a:r>
+          </a:p>
+        </p:txBody>
+      </p:sp>
     </p:spTree>
     <p:extLst>
       <p:ext uri="{BB962C8B-B14F-4D97-AF65-F5344CB8AC3E}">
-        <p14:creationId xmlns:p14="http://schemas.microsoft.com/office/powerpoint/2010/main" val="3070275075"/>
+        <p14:creationId xmlns:p14="http://schemas.microsoft.com/office/powerpoint/2010/main" val="1592076109"/>
       </p:ext>
     </p:extLst>
   </p:cSld>
@@ -3515,6 +6869,16 @@
 <file path=ppt/slides/slide11.xml><?xml version="1.0" encoding="utf-8"?>
 <p:sld xmlns:a="http://schemas.openxmlformats.org/drawingml/2006/main" xmlns:r="http://schemas.openxmlformats.org/officeDocument/2006/relationships" xmlns:p="http://schemas.openxmlformats.org/presentationml/2006/main">
   <p:cSld>
+    <p:bg>
+      <p:bgPr>
+        <a:solidFill>
+          <a:schemeClr val="bg1">
+            <a:lumMod val="95000"/>
+          </a:schemeClr>
+        </a:solidFill>
+        <a:effectLst/>
+      </p:bgPr>
+    </p:bg>
     <p:spTree>
       <p:nvGrpSpPr>
         <p:cNvPr id="1" name=""/>
@@ -3531,6 +6895,442 @@
       </p:grpSpPr>
       <p:sp>
         <p:nvSpPr>
+          <p:cNvPr id="13" name="Rectangle 8">
+            <a:extLst>
+              <a:ext uri="{FF2B5EF4-FFF2-40B4-BE49-F238E27FC236}">
+                <a16:creationId xmlns:a16="http://schemas.microsoft.com/office/drawing/2014/main" id="{5FA21C72-692C-49FD-9EB4-DDDDDEBD4BD6}"/>
+              </a:ext>
+              <a:ext uri="{C183D7F6-B498-43B3-948B-1728B52AA6E4}">
+                <adec:decorative xmlns:adec="http://schemas.microsoft.com/office/drawing/2017/decorative" val="1"/>
+              </a:ext>
+            </a:extLst>
+          </p:cNvPr>
+          <p:cNvSpPr>
+            <a:spLocks noGrp="1" noRot="1" noChangeAspect="1" noMove="1" noResize="1" noEditPoints="1" noAdjustHandles="1" noChangeArrowheads="1" noChangeShapeType="1" noTextEdit="1"/>
+          </p:cNvSpPr>
+          <p:nvPr>
+            <p:extLst>
+              <p:ext uri="{386F3935-93C4-4BCD-93E2-E3B085C9AB24}">
+                <p16:designElem xmlns:p16="http://schemas.microsoft.com/office/powerpoint/2015/main" val="1"/>
+              </p:ext>
+            </p:extLst>
+          </p:nvPr>
+        </p:nvSpPr>
+        <p:spPr>
+          <a:xfrm>
+            <a:off x="1575405" y="950977"/>
+            <a:ext cx="9041190" cy="4956047"/>
+          </a:xfrm>
+          <a:prstGeom prst="rect">
+            <a:avLst/>
+          </a:prstGeom>
+          <a:solidFill>
+            <a:srgbClr val="FFFFFF"/>
+          </a:solidFill>
+          <a:ln w="31750">
+            <a:solidFill>
+              <a:srgbClr val="404040"/>
+            </a:solidFill>
+          </a:ln>
+        </p:spPr>
+        <p:style>
+          <a:lnRef idx="2">
+            <a:schemeClr val="accent1">
+              <a:shade val="50000"/>
+            </a:schemeClr>
+          </a:lnRef>
+          <a:fillRef idx="1">
+            <a:schemeClr val="accent1"/>
+          </a:fillRef>
+          <a:effectRef idx="0">
+            <a:schemeClr val="accent1"/>
+          </a:effectRef>
+          <a:fontRef idx="minor">
+            <a:schemeClr val="lt1"/>
+          </a:fontRef>
+        </p:style>
+        <p:txBody>
+          <a:bodyPr rtlCol="0" anchor="ctr"/>
+          <a:lstStyle/>
+          <a:p>
+            <a:pPr algn="ctr"/>
+            <a:endParaRPr lang="en-US"/>
+          </a:p>
+        </p:txBody>
+      </p:sp>
+      <p:pic>
+        <p:nvPicPr>
+          <p:cNvPr id="4" name="Content Placeholder 3">
+            <a:extLst>
+              <a:ext uri="{FF2B5EF4-FFF2-40B4-BE49-F238E27FC236}">
+                <a16:creationId xmlns:a16="http://schemas.microsoft.com/office/drawing/2014/main" id="{0A1C6B0E-2D59-74D2-1FD3-500F489CBBF7}"/>
+              </a:ext>
+            </a:extLst>
+          </p:cNvPr>
+          <p:cNvPicPr>
+            <a:picLocks noGrp="1" noChangeAspect="1"/>
+          </p:cNvPicPr>
+          <p:nvPr>
+            <p:ph idx="1"/>
+          </p:nvPr>
+        </p:nvPicPr>
+        <p:blipFill>
+          <a:blip r:embed="rId2"/>
+          <a:stretch>
+            <a:fillRect/>
+          </a:stretch>
+        </p:blipFill>
+        <p:spPr>
+          <a:xfrm>
+            <a:off x="3126908" y="1271015"/>
+            <a:ext cx="6565731" cy="4431869"/>
+          </a:xfrm>
+          <a:prstGeom prst="rect">
+            <a:avLst/>
+          </a:prstGeom>
+        </p:spPr>
+      </p:pic>
+      <p:sp>
+        <p:nvSpPr>
+          <p:cNvPr id="14" name="Oval 10">
+            <a:extLst>
+              <a:ext uri="{FF2B5EF4-FFF2-40B4-BE49-F238E27FC236}">
+                <a16:creationId xmlns:a16="http://schemas.microsoft.com/office/drawing/2014/main" id="{FBAF941A-6830-47A3-B63C-7C7B66AEA73B}"/>
+              </a:ext>
+              <a:ext uri="{C183D7F6-B498-43B3-948B-1728B52AA6E4}">
+                <adec:decorative xmlns:adec="http://schemas.microsoft.com/office/drawing/2017/decorative" val="1"/>
+              </a:ext>
+            </a:extLst>
+          </p:cNvPr>
+          <p:cNvSpPr>
+            <a:spLocks noGrp="1" noRot="1" noChangeAspect="1" noMove="1" noResize="1" noEditPoints="1" noAdjustHandles="1" noChangeArrowheads="1" noChangeShapeType="1" noTextEdit="1"/>
+          </p:cNvSpPr>
+          <p:nvPr>
+            <p:extLst>
+              <p:ext uri="{386F3935-93C4-4BCD-93E2-E3B085C9AB24}">
+                <p16:designElem xmlns:p16="http://schemas.microsoft.com/office/powerpoint/2015/main" val="1"/>
+              </p:ext>
+            </p:extLst>
+          </p:nvPr>
+        </p:nvSpPr>
+        <p:spPr>
+          <a:xfrm>
+            <a:off x="632380" y="624518"/>
+            <a:ext cx="2157984" cy="2157984"/>
+          </a:xfrm>
+          <a:prstGeom prst="ellipse">
+            <a:avLst/>
+          </a:prstGeom>
+          <a:solidFill>
+            <a:srgbClr val="404040"/>
+          </a:solidFill>
+          <a:ln w="31750">
+            <a:noFill/>
+          </a:ln>
+        </p:spPr>
+        <p:style>
+          <a:lnRef idx="2">
+            <a:schemeClr val="accent1">
+              <a:shade val="50000"/>
+            </a:schemeClr>
+          </a:lnRef>
+          <a:fillRef idx="1">
+            <a:schemeClr val="accent1"/>
+          </a:fillRef>
+          <a:effectRef idx="0">
+            <a:schemeClr val="accent1"/>
+          </a:effectRef>
+          <a:fontRef idx="minor">
+            <a:schemeClr val="lt1"/>
+          </a:fontRef>
+        </p:style>
+        <p:txBody>
+          <a:bodyPr rtlCol="0" anchor="ctr"/>
+          <a:lstStyle/>
+          <a:p>
+            <a:pPr algn="ctr"/>
+            <a:endParaRPr lang="en-US"/>
+          </a:p>
+        </p:txBody>
+      </p:sp>
+      <p:sp>
+        <p:nvSpPr>
+          <p:cNvPr id="2" name="Title 1">
+            <a:extLst>
+              <a:ext uri="{FF2B5EF4-FFF2-40B4-BE49-F238E27FC236}">
+                <a16:creationId xmlns:a16="http://schemas.microsoft.com/office/drawing/2014/main" id="{7F6D9E6A-D8CF-D63C-E723-686313DF1FD9}"/>
+              </a:ext>
+            </a:extLst>
+          </p:cNvPr>
+          <p:cNvSpPr>
+            <a:spLocks noGrp="1"/>
+          </p:cNvSpPr>
+          <p:nvPr>
+            <p:ph type="title"/>
+          </p:nvPr>
+        </p:nvSpPr>
+        <p:spPr>
+          <a:xfrm>
+            <a:off x="796972" y="789110"/>
+            <a:ext cx="1828800" cy="1828800"/>
+          </a:xfrm>
+          <a:prstGeom prst="ellipse">
+            <a:avLst/>
+          </a:prstGeom>
+          <a:noFill/>
+          <a:ln>
+            <a:solidFill>
+              <a:srgbClr val="FFFFFF"/>
+            </a:solidFill>
+          </a:ln>
+        </p:spPr>
+        <p:txBody>
+          <a:bodyPr vert="horz" lIns="182880" tIns="182880" rIns="182880" bIns="182880" rtlCol="0" anchor="ctr">
+            <a:normAutofit/>
+          </a:bodyPr>
+          <a:lstStyle/>
+          <a:p>
+            <a:r>
+              <a:rPr lang="en-US" sz="700">
+                <a:solidFill>
+                  <a:srgbClr val="FFFFFF"/>
+                </a:solidFill>
+              </a:rPr>
+              <a:t>A Dashboard showing Cpi trends compared with interest rates (bobc 7 days)</a:t>
+            </a:r>
+          </a:p>
+        </p:txBody>
+      </p:sp>
+    </p:spTree>
+    <p:extLst>
+      <p:ext uri="{BB962C8B-B14F-4D97-AF65-F5344CB8AC3E}">
+        <p14:creationId xmlns:p14="http://schemas.microsoft.com/office/powerpoint/2010/main" val="3070275075"/>
+      </p:ext>
+    </p:extLst>
+  </p:cSld>
+  <p:clrMapOvr>
+    <a:masterClrMapping/>
+  </p:clrMapOvr>
+</p:sld>
+</file>
+
+<file path=ppt/slides/slide12.xml><?xml version="1.0" encoding="utf-8"?>
+<p:sld xmlns:a="http://schemas.openxmlformats.org/drawingml/2006/main" xmlns:r="http://schemas.openxmlformats.org/officeDocument/2006/relationships" xmlns:p="http://schemas.openxmlformats.org/presentationml/2006/main">
+  <p:cSld>
+    <p:bg>
+      <p:bgPr>
+        <a:solidFill>
+          <a:schemeClr val="bg1"/>
+        </a:solidFill>
+        <a:effectLst/>
+      </p:bgPr>
+    </p:bg>
+    <p:spTree>
+      <p:nvGrpSpPr>
+        <p:cNvPr id="1" name=""/>
+        <p:cNvGrpSpPr/>
+        <p:nvPr/>
+      </p:nvGrpSpPr>
+      <p:grpSpPr>
+        <a:xfrm>
+          <a:off x="0" y="0"/>
+          <a:ext cx="0" cy="0"/>
+          <a:chOff x="0" y="0"/>
+          <a:chExt cx="0" cy="0"/>
+        </a:xfrm>
+      </p:grpSpPr>
+      <p:sp>
+        <p:nvSpPr>
+          <p:cNvPr id="8" name="Rectangle 7">
+            <a:extLst>
+              <a:ext uri="{FF2B5EF4-FFF2-40B4-BE49-F238E27FC236}">
+                <a16:creationId xmlns:a16="http://schemas.microsoft.com/office/drawing/2014/main" id="{C33976D1-3430-450C-A978-87A9A6E8E71F}"/>
+              </a:ext>
+              <a:ext uri="{C183D7F6-B498-43B3-948B-1728B52AA6E4}">
+                <adec:decorative xmlns:adec="http://schemas.microsoft.com/office/drawing/2017/decorative" val="1"/>
+              </a:ext>
+            </a:extLst>
+          </p:cNvPr>
+          <p:cNvSpPr>
+            <a:spLocks noGrp="1" noRot="1" noChangeAspect="1" noMove="1" noResize="1" noEditPoints="1" noAdjustHandles="1" noChangeArrowheads="1" noChangeShapeType="1" noTextEdit="1"/>
+          </p:cNvSpPr>
+          <p:nvPr>
+            <p:extLst>
+              <p:ext uri="{386F3935-93C4-4BCD-93E2-E3B085C9AB24}">
+                <p16:designElem xmlns:p16="http://schemas.microsoft.com/office/powerpoint/2015/main" val="1"/>
+              </p:ext>
+            </p:extLst>
+          </p:nvPr>
+        </p:nvSpPr>
+        <p:spPr>
+          <a:xfrm>
+            <a:off x="0" y="0"/>
+            <a:ext cx="12192000" cy="6858000"/>
+          </a:xfrm>
+          <a:prstGeom prst="rect">
+            <a:avLst/>
+          </a:prstGeom>
+          <a:solidFill>
+            <a:schemeClr val="accent2"/>
+          </a:solidFill>
+          <a:ln>
+            <a:noFill/>
+          </a:ln>
+        </p:spPr>
+        <p:style>
+          <a:lnRef idx="2">
+            <a:schemeClr val="accent1">
+              <a:shade val="50000"/>
+            </a:schemeClr>
+          </a:lnRef>
+          <a:fillRef idx="1">
+            <a:schemeClr val="accent1"/>
+          </a:fillRef>
+          <a:effectRef idx="0">
+            <a:schemeClr val="accent1"/>
+          </a:effectRef>
+          <a:fontRef idx="minor">
+            <a:schemeClr val="lt1"/>
+          </a:fontRef>
+        </p:style>
+        <p:txBody>
+          <a:bodyPr rtlCol="0" anchor="ctr"/>
+          <a:lstStyle/>
+          <a:p>
+            <a:pPr algn="ctr"/>
+            <a:endParaRPr lang="en-US"/>
+          </a:p>
+        </p:txBody>
+      </p:sp>
+      <p:sp>
+        <p:nvSpPr>
+          <p:cNvPr id="10" name="Rectangle 9">
+            <a:extLst>
+              <a:ext uri="{FF2B5EF4-FFF2-40B4-BE49-F238E27FC236}">
+                <a16:creationId xmlns:a16="http://schemas.microsoft.com/office/drawing/2014/main" id="{7D6AAC78-7D86-415A-ADC1-2B474807960C}"/>
+              </a:ext>
+              <a:ext uri="{C183D7F6-B498-43B3-948B-1728B52AA6E4}">
+                <adec:decorative xmlns:adec="http://schemas.microsoft.com/office/drawing/2017/decorative" val="1"/>
+              </a:ext>
+            </a:extLst>
+          </p:cNvPr>
+          <p:cNvSpPr>
+            <a:spLocks noGrp="1" noRot="1" noChangeAspect="1" noMove="1" noResize="1" noEditPoints="1" noAdjustHandles="1" noChangeArrowheads="1" noChangeShapeType="1" noTextEdit="1"/>
+          </p:cNvSpPr>
+          <p:nvPr>
+            <p:extLst>
+              <p:ext uri="{386F3935-93C4-4BCD-93E2-E3B085C9AB24}">
+                <p16:designElem xmlns:p16="http://schemas.microsoft.com/office/powerpoint/2015/main" val="1"/>
+              </p:ext>
+            </p:extLst>
+          </p:nvPr>
+        </p:nvSpPr>
+        <p:spPr>
+          <a:xfrm>
+            <a:off x="1249680" y="1248156"/>
+            <a:ext cx="9692640" cy="4361688"/>
+          </a:xfrm>
+          <a:prstGeom prst="rect">
+            <a:avLst/>
+          </a:prstGeom>
+          <a:solidFill>
+            <a:srgbClr val="FFFFFF"/>
+          </a:solidFill>
+          <a:ln>
+            <a:noFill/>
+          </a:ln>
+        </p:spPr>
+        <p:style>
+          <a:lnRef idx="2">
+            <a:schemeClr val="accent1">
+              <a:shade val="50000"/>
+            </a:schemeClr>
+          </a:lnRef>
+          <a:fillRef idx="1">
+            <a:schemeClr val="accent1"/>
+          </a:fillRef>
+          <a:effectRef idx="0">
+            <a:schemeClr val="accent1"/>
+          </a:effectRef>
+          <a:fontRef idx="minor">
+            <a:schemeClr val="lt1"/>
+          </a:fontRef>
+        </p:style>
+        <p:txBody>
+          <a:bodyPr rtlCol="0" anchor="ctr"/>
+          <a:lstStyle/>
+          <a:p>
+            <a:pPr algn="ctr"/>
+            <a:endParaRPr lang="en-US"/>
+          </a:p>
+        </p:txBody>
+      </p:sp>
+      <p:sp>
+        <p:nvSpPr>
+          <p:cNvPr id="12" name="Rectangle 11">
+            <a:extLst>
+              <a:ext uri="{FF2B5EF4-FFF2-40B4-BE49-F238E27FC236}">
+                <a16:creationId xmlns:a16="http://schemas.microsoft.com/office/drawing/2014/main" id="{F2A658D9-F185-44F1-BA33-D50320D1D078}"/>
+              </a:ext>
+              <a:ext uri="{C183D7F6-B498-43B3-948B-1728B52AA6E4}">
+                <adec:decorative xmlns:adec="http://schemas.microsoft.com/office/drawing/2017/decorative" val="1"/>
+              </a:ext>
+            </a:extLst>
+          </p:cNvPr>
+          <p:cNvSpPr>
+            <a:spLocks noGrp="1" noRot="1" noChangeAspect="1" noMove="1" noResize="1" noEditPoints="1" noAdjustHandles="1" noChangeArrowheads="1" noChangeShapeType="1" noTextEdit="1"/>
+          </p:cNvSpPr>
+          <p:nvPr>
+            <p:extLst>
+              <p:ext uri="{386F3935-93C4-4BCD-93E2-E3B085C9AB24}">
+                <p16:designElem xmlns:p16="http://schemas.microsoft.com/office/powerpoint/2015/main" val="1"/>
+              </p:ext>
+            </p:extLst>
+          </p:nvPr>
+        </p:nvSpPr>
+        <p:spPr>
+          <a:xfrm>
+            <a:off x="1062228" y="1060704"/>
+            <a:ext cx="10067544" cy="4736592"/>
+          </a:xfrm>
+          <a:prstGeom prst="rect">
+            <a:avLst/>
+          </a:prstGeom>
+          <a:noFill/>
+          <a:ln w="31750" cap="sq">
+            <a:solidFill>
+              <a:srgbClr val="FFFFFF"/>
+            </a:solidFill>
+            <a:miter lim="800000"/>
+          </a:ln>
+        </p:spPr>
+        <p:style>
+          <a:lnRef idx="2">
+            <a:schemeClr val="accent1">
+              <a:shade val="50000"/>
+            </a:schemeClr>
+          </a:lnRef>
+          <a:fillRef idx="1">
+            <a:schemeClr val="accent1"/>
+          </a:fillRef>
+          <a:effectRef idx="0">
+            <a:schemeClr val="accent1"/>
+          </a:effectRef>
+          <a:fontRef idx="minor">
+            <a:schemeClr val="lt1"/>
+          </a:fontRef>
+        </p:style>
+        <p:txBody>
+          <a:bodyPr rtlCol="0" anchor="ctr"/>
+          <a:lstStyle/>
+          <a:p>
+            <a:pPr algn="ctr"/>
+            <a:endParaRPr lang="en-US"/>
+          </a:p>
+        </p:txBody>
+      </p:sp>
+      <p:sp>
+        <p:nvSpPr>
           <p:cNvPr id="2" name="Title 1">
             <a:extLst>
               <a:ext uri="{FF2B5EF4-FFF2-40B4-BE49-F238E27FC236}">
@@ -3545,9 +7345,19 @@
             <p:ph type="title"/>
           </p:nvPr>
         </p:nvSpPr>
-        <p:spPr/>
-        <p:txBody>
-          <a:bodyPr/>
+        <p:spPr>
+          <a:xfrm>
+            <a:off x="2231136" y="467418"/>
+            <a:ext cx="7729728" cy="1188720"/>
+          </a:xfrm>
+          <a:solidFill>
+            <a:srgbClr val="FFFFFF"/>
+          </a:solidFill>
+        </p:spPr>
+        <p:txBody>
+          <a:bodyPr>
+            <a:normAutofit/>
+          </a:bodyPr>
           <a:lstStyle/>
           <a:p>
             <a:r>
@@ -3573,25 +7383,44 @@
             <p:ph idx="1"/>
           </p:nvPr>
         </p:nvSpPr>
-        <p:spPr/>
-        <p:txBody>
-          <a:bodyPr/>
+        <p:spPr>
+          <a:xfrm>
+            <a:off x="1706062" y="2291262"/>
+            <a:ext cx="8779512" cy="2879256"/>
+          </a:xfrm>
+        </p:spPr>
+        <p:txBody>
+          <a:bodyPr>
+            <a:normAutofit/>
+          </a:bodyPr>
           <a:lstStyle/>
           <a:p>
             <a:r>
-              <a:rPr lang="en-ZA" dirty="0"/>
+              <a:rPr lang="en-ZA">
+                <a:solidFill>
+                  <a:srgbClr val="404040"/>
+                </a:solidFill>
+              </a:rPr>
               <a:t>There wasn’t much of a correlation between CPI and the currencies in the dataset.  USD had the highest correlation of 0.599.</a:t>
             </a:r>
           </a:p>
           <a:p>
             <a:r>
-              <a:rPr lang="en-ZA" dirty="0"/>
+              <a:rPr lang="en-ZA">
+                <a:solidFill>
+                  <a:srgbClr val="404040"/>
+                </a:solidFill>
+              </a:rPr>
               <a:t>Interest rate clearly had an immense impact on CPI. It was the main monetary tool used to control inflation rates.</a:t>
             </a:r>
           </a:p>
           <a:p>
             <a:r>
-              <a:rPr lang="en-ZA" dirty="0"/>
+              <a:rPr lang="en-ZA">
+                <a:solidFill>
+                  <a:srgbClr val="404040"/>
+                </a:solidFill>
+              </a:rPr>
               <a:t>The true effect of interest rate isn’t very clear because it is used in response to events that affect the economy. The central bank predicts the effects of events on inflation and responds by setting interest rates that will bring inflation back to the range of 3% to 6%.</a:t>
             </a:r>
           </a:p>
@@ -3830,7 +7659,7 @@
           <p:cNvPr id="2" name="Title 1">
             <a:extLst>
               <a:ext uri="{FF2B5EF4-FFF2-40B4-BE49-F238E27FC236}">
-                <a16:creationId xmlns:a16="http://schemas.microsoft.com/office/drawing/2014/main" id="{342EB456-2FCE-BEF3-F767-81A530E0696A}"/>
+                <a16:creationId xmlns:a16="http://schemas.microsoft.com/office/drawing/2014/main" id="{4C0C2586-9768-7B1D-F348-C6A11C22B4C2}"/>
               </a:ext>
             </a:extLst>
           </p:cNvPr>
@@ -3858,6 +7687,358 @@
           <a:p>
             <a:r>
               <a:rPr lang="en-ZA" dirty="0"/>
+              <a:t>INTRODUCTION</a:t>
+            </a:r>
+          </a:p>
+        </p:txBody>
+      </p:sp>
+      <p:sp>
+        <p:nvSpPr>
+          <p:cNvPr id="3" name="Content Placeholder 2">
+            <a:extLst>
+              <a:ext uri="{FF2B5EF4-FFF2-40B4-BE49-F238E27FC236}">
+                <a16:creationId xmlns:a16="http://schemas.microsoft.com/office/drawing/2014/main" id="{FEDE2DBE-C7FB-0285-98DE-901336B08130}"/>
+              </a:ext>
+            </a:extLst>
+          </p:cNvPr>
+          <p:cNvSpPr>
+            <a:spLocks noGrp="1"/>
+          </p:cNvSpPr>
+          <p:nvPr>
+            <p:ph idx="1"/>
+          </p:nvPr>
+        </p:nvSpPr>
+        <p:spPr>
+          <a:xfrm>
+            <a:off x="1706062" y="2291262"/>
+            <a:ext cx="8779512" cy="2879256"/>
+          </a:xfrm>
+        </p:spPr>
+        <p:txBody>
+          <a:bodyPr>
+            <a:normAutofit/>
+          </a:bodyPr>
+          <a:lstStyle/>
+          <a:p>
+            <a:r>
+              <a:rPr lang="en-ZA" dirty="0">
+                <a:solidFill>
+                  <a:srgbClr val="404040"/>
+                </a:solidFill>
+              </a:rPr>
+              <a:t>Inflation is the increase in price of general goods and services in a country.</a:t>
+            </a:r>
+          </a:p>
+          <a:p>
+            <a:r>
+              <a:rPr lang="en-ZA" dirty="0">
+                <a:solidFill>
+                  <a:srgbClr val="404040"/>
+                </a:solidFill>
+              </a:rPr>
+              <a:t>The most popular measure of inflation is CPI (Customer Price Index).</a:t>
+            </a:r>
+          </a:p>
+          <a:p>
+            <a:r>
+              <a:rPr lang="en-ZA" dirty="0">
+                <a:solidFill>
+                  <a:srgbClr val="404040"/>
+                </a:solidFill>
+              </a:rPr>
+              <a:t>Central Bank of a country looks to control inflation in order to stabilize the country’s economy and attract investors.</a:t>
+            </a:r>
+          </a:p>
+          <a:p>
+            <a:r>
+              <a:rPr lang="en-ZA" dirty="0">
+                <a:solidFill>
+                  <a:srgbClr val="404040"/>
+                </a:solidFill>
+              </a:rPr>
+              <a:t>Central Banks control inflation using monetary policy instruments. A major example is the interest rate at which they lend money to commercial banks.  Another example is imposing reserve requirement for commercial banks.</a:t>
+            </a:r>
+          </a:p>
+          <a:p>
+            <a:r>
+              <a:rPr lang="en-ZA" dirty="0">
+                <a:solidFill>
+                  <a:srgbClr val="404040"/>
+                </a:solidFill>
+              </a:rPr>
+              <a:t>The central bank of Botswana is called the Bank of Botswana.</a:t>
+            </a:r>
+          </a:p>
+          <a:p>
+            <a:endParaRPr lang="en-ZA" dirty="0">
+              <a:solidFill>
+                <a:srgbClr val="404040"/>
+              </a:solidFill>
+            </a:endParaRPr>
+          </a:p>
+        </p:txBody>
+      </p:sp>
+    </p:spTree>
+    <p:extLst>
+      <p:ext uri="{BB962C8B-B14F-4D97-AF65-F5344CB8AC3E}">
+        <p14:creationId xmlns:p14="http://schemas.microsoft.com/office/powerpoint/2010/main" val="1893838342"/>
+      </p:ext>
+    </p:extLst>
+  </p:cSld>
+  <p:clrMapOvr>
+    <a:masterClrMapping/>
+  </p:clrMapOvr>
+</p:sld>
+</file>
+
+<file path=ppt/slides/slide3.xml><?xml version="1.0" encoding="utf-8"?>
+<p:sld xmlns:a="http://schemas.openxmlformats.org/drawingml/2006/main" xmlns:r="http://schemas.openxmlformats.org/officeDocument/2006/relationships" xmlns:p="http://schemas.openxmlformats.org/presentationml/2006/main">
+  <p:cSld>
+    <p:bg>
+      <p:bgPr>
+        <a:solidFill>
+          <a:schemeClr val="bg1"/>
+        </a:solidFill>
+        <a:effectLst/>
+      </p:bgPr>
+    </p:bg>
+    <p:spTree>
+      <p:nvGrpSpPr>
+        <p:cNvPr id="1" name=""/>
+        <p:cNvGrpSpPr/>
+        <p:nvPr/>
+      </p:nvGrpSpPr>
+      <p:grpSpPr>
+        <a:xfrm>
+          <a:off x="0" y="0"/>
+          <a:ext cx="0" cy="0"/>
+          <a:chOff x="0" y="0"/>
+          <a:chExt cx="0" cy="0"/>
+        </a:xfrm>
+      </p:grpSpPr>
+      <p:sp>
+        <p:nvSpPr>
+          <p:cNvPr id="8" name="Rectangle 7">
+            <a:extLst>
+              <a:ext uri="{FF2B5EF4-FFF2-40B4-BE49-F238E27FC236}">
+                <a16:creationId xmlns:a16="http://schemas.microsoft.com/office/drawing/2014/main" id="{C33976D1-3430-450C-A978-87A9A6E8E71F}"/>
+              </a:ext>
+              <a:ext uri="{C183D7F6-B498-43B3-948B-1728B52AA6E4}">
+                <adec:decorative xmlns:adec="http://schemas.microsoft.com/office/drawing/2017/decorative" val="1"/>
+              </a:ext>
+            </a:extLst>
+          </p:cNvPr>
+          <p:cNvSpPr>
+            <a:spLocks noGrp="1" noRot="1" noChangeAspect="1" noMove="1" noResize="1" noEditPoints="1" noAdjustHandles="1" noChangeArrowheads="1" noChangeShapeType="1" noTextEdit="1"/>
+          </p:cNvSpPr>
+          <p:nvPr>
+            <p:extLst>
+              <p:ext uri="{386F3935-93C4-4BCD-93E2-E3B085C9AB24}">
+                <p16:designElem xmlns:p16="http://schemas.microsoft.com/office/powerpoint/2015/main" val="1"/>
+              </p:ext>
+            </p:extLst>
+          </p:nvPr>
+        </p:nvSpPr>
+        <p:spPr>
+          <a:xfrm>
+            <a:off x="0" y="0"/>
+            <a:ext cx="12192000" cy="6858000"/>
+          </a:xfrm>
+          <a:prstGeom prst="rect">
+            <a:avLst/>
+          </a:prstGeom>
+          <a:solidFill>
+            <a:schemeClr val="accent2"/>
+          </a:solidFill>
+          <a:ln>
+            <a:noFill/>
+          </a:ln>
+        </p:spPr>
+        <p:style>
+          <a:lnRef idx="2">
+            <a:schemeClr val="accent1">
+              <a:shade val="50000"/>
+            </a:schemeClr>
+          </a:lnRef>
+          <a:fillRef idx="1">
+            <a:schemeClr val="accent1"/>
+          </a:fillRef>
+          <a:effectRef idx="0">
+            <a:schemeClr val="accent1"/>
+          </a:effectRef>
+          <a:fontRef idx="minor">
+            <a:schemeClr val="lt1"/>
+          </a:fontRef>
+        </p:style>
+        <p:txBody>
+          <a:bodyPr rtlCol="0" anchor="ctr"/>
+          <a:lstStyle/>
+          <a:p>
+            <a:pPr algn="ctr"/>
+            <a:endParaRPr lang="en-US"/>
+          </a:p>
+        </p:txBody>
+      </p:sp>
+      <p:sp>
+        <p:nvSpPr>
+          <p:cNvPr id="10" name="Rectangle 9">
+            <a:extLst>
+              <a:ext uri="{FF2B5EF4-FFF2-40B4-BE49-F238E27FC236}">
+                <a16:creationId xmlns:a16="http://schemas.microsoft.com/office/drawing/2014/main" id="{7D6AAC78-7D86-415A-ADC1-2B474807960C}"/>
+              </a:ext>
+              <a:ext uri="{C183D7F6-B498-43B3-948B-1728B52AA6E4}">
+                <adec:decorative xmlns:adec="http://schemas.microsoft.com/office/drawing/2017/decorative" val="1"/>
+              </a:ext>
+            </a:extLst>
+          </p:cNvPr>
+          <p:cNvSpPr>
+            <a:spLocks noGrp="1" noRot="1" noChangeAspect="1" noMove="1" noResize="1" noEditPoints="1" noAdjustHandles="1" noChangeArrowheads="1" noChangeShapeType="1" noTextEdit="1"/>
+          </p:cNvSpPr>
+          <p:nvPr>
+            <p:extLst>
+              <p:ext uri="{386F3935-93C4-4BCD-93E2-E3B085C9AB24}">
+                <p16:designElem xmlns:p16="http://schemas.microsoft.com/office/powerpoint/2015/main" val="1"/>
+              </p:ext>
+            </p:extLst>
+          </p:nvPr>
+        </p:nvSpPr>
+        <p:spPr>
+          <a:xfrm>
+            <a:off x="1249680" y="1248156"/>
+            <a:ext cx="9692640" cy="4361688"/>
+          </a:xfrm>
+          <a:prstGeom prst="rect">
+            <a:avLst/>
+          </a:prstGeom>
+          <a:solidFill>
+            <a:srgbClr val="FFFFFF"/>
+          </a:solidFill>
+          <a:ln>
+            <a:noFill/>
+          </a:ln>
+        </p:spPr>
+        <p:style>
+          <a:lnRef idx="2">
+            <a:schemeClr val="accent1">
+              <a:shade val="50000"/>
+            </a:schemeClr>
+          </a:lnRef>
+          <a:fillRef idx="1">
+            <a:schemeClr val="accent1"/>
+          </a:fillRef>
+          <a:effectRef idx="0">
+            <a:schemeClr val="accent1"/>
+          </a:effectRef>
+          <a:fontRef idx="minor">
+            <a:schemeClr val="lt1"/>
+          </a:fontRef>
+        </p:style>
+        <p:txBody>
+          <a:bodyPr rtlCol="0" anchor="ctr"/>
+          <a:lstStyle/>
+          <a:p>
+            <a:pPr algn="ctr"/>
+            <a:endParaRPr lang="en-US"/>
+          </a:p>
+        </p:txBody>
+      </p:sp>
+      <p:sp>
+        <p:nvSpPr>
+          <p:cNvPr id="12" name="Rectangle 11">
+            <a:extLst>
+              <a:ext uri="{FF2B5EF4-FFF2-40B4-BE49-F238E27FC236}">
+                <a16:creationId xmlns:a16="http://schemas.microsoft.com/office/drawing/2014/main" id="{F2A658D9-F185-44F1-BA33-D50320D1D078}"/>
+              </a:ext>
+              <a:ext uri="{C183D7F6-B498-43B3-948B-1728B52AA6E4}">
+                <adec:decorative xmlns:adec="http://schemas.microsoft.com/office/drawing/2017/decorative" val="1"/>
+              </a:ext>
+            </a:extLst>
+          </p:cNvPr>
+          <p:cNvSpPr>
+            <a:spLocks noGrp="1" noRot="1" noChangeAspect="1" noMove="1" noResize="1" noEditPoints="1" noAdjustHandles="1" noChangeArrowheads="1" noChangeShapeType="1" noTextEdit="1"/>
+          </p:cNvSpPr>
+          <p:nvPr>
+            <p:extLst>
+              <p:ext uri="{386F3935-93C4-4BCD-93E2-E3B085C9AB24}">
+                <p16:designElem xmlns:p16="http://schemas.microsoft.com/office/powerpoint/2015/main" val="1"/>
+              </p:ext>
+            </p:extLst>
+          </p:nvPr>
+        </p:nvSpPr>
+        <p:spPr>
+          <a:xfrm>
+            <a:off x="1062228" y="1060704"/>
+            <a:ext cx="10067544" cy="4736592"/>
+          </a:xfrm>
+          <a:prstGeom prst="rect">
+            <a:avLst/>
+          </a:prstGeom>
+          <a:noFill/>
+          <a:ln w="31750" cap="sq">
+            <a:solidFill>
+              <a:srgbClr val="FFFFFF"/>
+            </a:solidFill>
+            <a:miter lim="800000"/>
+          </a:ln>
+        </p:spPr>
+        <p:style>
+          <a:lnRef idx="2">
+            <a:schemeClr val="accent1">
+              <a:shade val="50000"/>
+            </a:schemeClr>
+          </a:lnRef>
+          <a:fillRef idx="1">
+            <a:schemeClr val="accent1"/>
+          </a:fillRef>
+          <a:effectRef idx="0">
+            <a:schemeClr val="accent1"/>
+          </a:effectRef>
+          <a:fontRef idx="minor">
+            <a:schemeClr val="lt1"/>
+          </a:fontRef>
+        </p:style>
+        <p:txBody>
+          <a:bodyPr rtlCol="0" anchor="ctr"/>
+          <a:lstStyle/>
+          <a:p>
+            <a:pPr algn="ctr"/>
+            <a:endParaRPr lang="en-US"/>
+          </a:p>
+        </p:txBody>
+      </p:sp>
+      <p:sp>
+        <p:nvSpPr>
+          <p:cNvPr id="2" name="Title 1">
+            <a:extLst>
+              <a:ext uri="{FF2B5EF4-FFF2-40B4-BE49-F238E27FC236}">
+                <a16:creationId xmlns:a16="http://schemas.microsoft.com/office/drawing/2014/main" id="{342EB456-2FCE-BEF3-F767-81A530E0696A}"/>
+              </a:ext>
+            </a:extLst>
+          </p:cNvPr>
+          <p:cNvSpPr>
+            <a:spLocks noGrp="1"/>
+          </p:cNvSpPr>
+          <p:nvPr>
+            <p:ph type="title"/>
+          </p:nvPr>
+        </p:nvSpPr>
+        <p:spPr>
+          <a:xfrm>
+            <a:off x="2231136" y="467418"/>
+            <a:ext cx="7729728" cy="1188720"/>
+          </a:xfrm>
+          <a:solidFill>
+            <a:srgbClr val="FFFFFF"/>
+          </a:solidFill>
+        </p:spPr>
+        <p:txBody>
+          <a:bodyPr>
+            <a:normAutofit/>
+          </a:bodyPr>
+          <a:lstStyle/>
+          <a:p>
+            <a:r>
+              <a:rPr lang="en-ZA" dirty="0"/>
               <a:t>Data Sourcing</a:t>
             </a:r>
           </a:p>
@@ -3907,7 +8088,7 @@
                   <a:srgbClr val="404040"/>
                 </a:solidFill>
               </a:rPr>
-              <a:t>It came in the form of csv files. There was a file for CPI data, one for exchange rate data, and another one for interest rates. The files were joined together based on the date field.</a:t>
+              <a:t>The data came in the form of csv files. There was a file for CPI data, one for exchange rate data, and another one for interest rates. The tables were joined together based on the date field.</a:t>
             </a:r>
           </a:p>
           <a:p>
@@ -3917,7 +8098,7 @@
                   <a:srgbClr val="404040"/>
                 </a:solidFill>
               </a:rPr>
-              <a:t>The data can be assumed to be coming from a reliable source.</a:t>
+              <a:t>The data was assumed to be coming from a reliable source since it was extracted from official central bank websites.</a:t>
             </a:r>
           </a:p>
         </p:txBody>
@@ -3935,7 +8116,7 @@
 </p:sld>
 </file>
 
-<file path=ppt/slides/slide3.xml><?xml version="1.0" encoding="utf-8"?>
+<file path=ppt/slides/slide4.xml><?xml version="1.0" encoding="utf-8"?>
 <p:sld xmlns:a="http://schemas.openxmlformats.org/drawingml/2006/main" xmlns:r="http://schemas.openxmlformats.org/officeDocument/2006/relationships" xmlns:p="http://schemas.openxmlformats.org/presentationml/2006/main">
   <p:cSld>
     <p:bg>
@@ -4108,7 +8289,7 @@
             </a:pPr>
             <a:r>
               <a:rPr lang="en-ZA" sz="1500" dirty="0"/>
-              <a:t>The Bank has an objective to keep inflation rate between 3 and 6 percent and makes adjustment to interest rates through its monetary policy tools. This should affect the data.</a:t>
+              <a:t>The Bank has an objective to keep inflation rate between 3 and 6 percent and makes adjustment to interest rates through its monetary policy tools. This is expected to have a significant impact on the data.</a:t>
             </a:r>
           </a:p>
           <a:p>
@@ -4119,7 +8300,7 @@
             </a:pPr>
             <a:r>
               <a:rPr lang="en-ZA" sz="1500" dirty="0"/>
-              <a:t>The data includes exchange rates for Pula (Botswana’s currency) with Special Drawing Rights as well as the 5 currencies that affect them. Namely: Chinese Renminbi (CHN), USD, GBP, EUR, and YEN. It also includes the exchange rate for the South African Rand which is known to have a big impact on Botswana’s inflation rate.</a:t>
+              <a:t>The data includes exchange rates for Pula (Botswana’s currency) with Special Drawing Rights as well as the 5 currencies that influence them. Namely: Chinese Renminbi (CHN), USD, GBP, EUR, and YEN. It also includes the exchange rate for the South African Rand which is known to have a big impact on Botswana’s inflation rate.</a:t>
             </a:r>
           </a:p>
           <a:p>
@@ -4130,7 +8311,7 @@
             </a:pPr>
             <a:r>
               <a:rPr lang="en-ZA" sz="1500" dirty="0"/>
-              <a:t>It also includes Interest Rates for Bank of Botswana Certificates (BOBC’s). This includes the BOBC 7 DAYS (7 days to maturity) and BOBC 1 MONTH (1 month to maturity). This is how the Central Bank makes short term loans to commercial banks.</a:t>
+              <a:t>The data also includes Interest Rates for Bank of Botswana Certificates (BOBC’s). This includes the BOBC 7 DAYS (7 days to maturity) and BOBC 1 MONTH (1 month to maturity). This is how the Central Bank makes short term loans to commercial banks.</a:t>
             </a:r>
           </a:p>
           <a:p>
@@ -4141,7 +8322,7 @@
             </a:pPr>
             <a:r>
               <a:rPr lang="en-ZA" sz="1500" dirty="0"/>
-              <a:t>There are also fields for CPI, CPIXA, AND CPIT. These are all measures of inflation. It was decided that CPI would be used as the main measure, and so it was the target variable.</a:t>
+              <a:t>There are also fields for CPI, CPIXA, AND CPIT. These are all measures of inflation. It was decided that CPI would be used as the main measure, and so it was the target variable for modelling.</a:t>
             </a:r>
           </a:p>
           <a:p>
@@ -4167,7 +8348,7 @@
 </p:sld>
 </file>
 
-<file path=ppt/slides/slide4.xml><?xml version="1.0" encoding="utf-8"?>
+<file path=ppt/slides/slide5.xml><?xml version="1.0" encoding="utf-8"?>
 <p:sld xmlns:a="http://schemas.openxmlformats.org/drawingml/2006/main" xmlns:r="http://schemas.openxmlformats.org/officeDocument/2006/relationships" xmlns:p="http://schemas.openxmlformats.org/presentationml/2006/main">
   <p:cSld>
     <p:bg>
@@ -4422,12 +8603,12 @@
           <a:lstStyle/>
           <a:p>
             <a:r>
-              <a:rPr lang="en-ZA" sz="2300">
+              <a:rPr lang="en-ZA" sz="2300" dirty="0">
                 <a:solidFill>
                   <a:srgbClr val="FFFFFF"/>
                 </a:solidFill>
               </a:rPr>
-              <a:t>Data exploratory analysis</a:t>
+              <a:t>Data Wrangling</a:t>
             </a:r>
           </a:p>
         </p:txBody>
@@ -4504,7 +8685,242 @@
 </p:sld>
 </file>
 
-<file path=ppt/slides/slide5.xml><?xml version="1.0" encoding="utf-8"?>
+<file path=ppt/slides/slide6.xml><?xml version="1.0" encoding="utf-8"?>
+<p:sld xmlns:a="http://schemas.openxmlformats.org/drawingml/2006/main" xmlns:r="http://schemas.openxmlformats.org/officeDocument/2006/relationships" xmlns:p="http://schemas.openxmlformats.org/presentationml/2006/main">
+  <p:cSld>
+    <p:bg>
+      <p:bgPr>
+        <a:solidFill>
+          <a:schemeClr val="bg1"/>
+        </a:solidFill>
+        <a:effectLst/>
+      </p:bgPr>
+    </p:bg>
+    <p:spTree>
+      <p:nvGrpSpPr>
+        <p:cNvPr id="1" name=""/>
+        <p:cNvGrpSpPr/>
+        <p:nvPr/>
+      </p:nvGrpSpPr>
+      <p:grpSpPr>
+        <a:xfrm>
+          <a:off x="0" y="0"/>
+          <a:ext cx="0" cy="0"/>
+          <a:chOff x="0" y="0"/>
+          <a:chExt cx="0" cy="0"/>
+        </a:xfrm>
+      </p:grpSpPr>
+      <p:sp useBgFill="1">
+        <p:nvSpPr>
+          <p:cNvPr id="10" name="Rectangle 9">
+            <a:extLst>
+              <a:ext uri="{FF2B5EF4-FFF2-40B4-BE49-F238E27FC236}">
+                <a16:creationId xmlns:a16="http://schemas.microsoft.com/office/drawing/2014/main" id="{93F0ADB5-A0B4-4B01-A8C4-FDC34CE22BD4}"/>
+              </a:ext>
+              <a:ext uri="{C183D7F6-B498-43B3-948B-1728B52AA6E4}">
+                <adec:decorative xmlns:adec="http://schemas.microsoft.com/office/drawing/2017/decorative" val="1"/>
+              </a:ext>
+            </a:extLst>
+          </p:cNvPr>
+          <p:cNvSpPr>
+            <a:spLocks noGrp="1" noRot="1" noChangeAspect="1" noMove="1" noResize="1" noEditPoints="1" noAdjustHandles="1" noChangeArrowheads="1" noChangeShapeType="1" noTextEdit="1"/>
+          </p:cNvSpPr>
+          <p:nvPr>
+            <p:extLst>
+              <p:ext uri="{386F3935-93C4-4BCD-93E2-E3B085C9AB24}">
+                <p16:designElem xmlns:p16="http://schemas.microsoft.com/office/powerpoint/2015/main" val="1"/>
+              </p:ext>
+            </p:extLst>
+          </p:nvPr>
+        </p:nvSpPr>
+        <p:spPr>
+          <a:xfrm>
+            <a:off x="0" y="0"/>
+            <a:ext cx="12191999" cy="6858000"/>
+          </a:xfrm>
+          <a:prstGeom prst="rect">
+            <a:avLst/>
+          </a:prstGeom>
+          <a:ln>
+            <a:noFill/>
+          </a:ln>
+        </p:spPr>
+        <p:style>
+          <a:lnRef idx="2">
+            <a:schemeClr val="accent1">
+              <a:shade val="50000"/>
+            </a:schemeClr>
+          </a:lnRef>
+          <a:fillRef idx="1">
+            <a:schemeClr val="accent1"/>
+          </a:fillRef>
+          <a:effectRef idx="0">
+            <a:schemeClr val="accent1"/>
+          </a:effectRef>
+          <a:fontRef idx="minor">
+            <a:schemeClr val="lt1"/>
+          </a:fontRef>
+        </p:style>
+        <p:txBody>
+          <a:bodyPr rtlCol="0" anchor="ctr"/>
+          <a:lstStyle/>
+          <a:p>
+            <a:pPr algn="ctr"/>
+            <a:endParaRPr lang="en-US"/>
+          </a:p>
+        </p:txBody>
+      </p:sp>
+      <p:sp>
+        <p:nvSpPr>
+          <p:cNvPr id="12" name="Rectangle 11">
+            <a:extLst>
+              <a:ext uri="{FF2B5EF4-FFF2-40B4-BE49-F238E27FC236}">
+                <a16:creationId xmlns:a16="http://schemas.microsoft.com/office/drawing/2014/main" id="{AA6D0FDE-0241-4C21-A720-A69475358235}"/>
+              </a:ext>
+              <a:ext uri="{C183D7F6-B498-43B3-948B-1728B52AA6E4}">
+                <adec:decorative xmlns:adec="http://schemas.microsoft.com/office/drawing/2017/decorative" val="1"/>
+              </a:ext>
+            </a:extLst>
+          </p:cNvPr>
+          <p:cNvSpPr>
+            <a:spLocks noGrp="1" noRot="1" noChangeAspect="1" noMove="1" noResize="1" noEditPoints="1" noAdjustHandles="1" noChangeArrowheads="1" noChangeShapeType="1" noTextEdit="1"/>
+          </p:cNvSpPr>
+          <p:nvPr>
+            <p:extLst>
+              <p:ext uri="{386F3935-93C4-4BCD-93E2-E3B085C9AB24}">
+                <p16:designElem xmlns:p16="http://schemas.microsoft.com/office/powerpoint/2015/main" val="1"/>
+              </p:ext>
+            </p:extLst>
+          </p:nvPr>
+        </p:nvSpPr>
+        <p:spPr>
+          <a:xfrm>
+            <a:off x="0" y="0"/>
+            <a:ext cx="4654296" cy="6858000"/>
+          </a:xfrm>
+          <a:prstGeom prst="rect">
+            <a:avLst/>
+          </a:prstGeom>
+          <a:solidFill>
+            <a:schemeClr val="tx2"/>
+          </a:solidFill>
+          <a:ln>
+            <a:noFill/>
+          </a:ln>
+        </p:spPr>
+        <p:style>
+          <a:lnRef idx="0">
+            <a:scrgbClr r="0" g="0" b="0"/>
+          </a:lnRef>
+          <a:fillRef idx="0">
+            <a:scrgbClr r="0" g="0" b="0"/>
+          </a:fillRef>
+          <a:effectRef idx="0">
+            <a:scrgbClr r="0" g="0" b="0"/>
+          </a:effectRef>
+          <a:fontRef idx="minor">
+            <a:schemeClr val="lt1"/>
+          </a:fontRef>
+        </p:style>
+        <p:txBody>
+          <a:bodyPr rtlCol="0" anchor="ctr"/>
+          <a:lstStyle/>
+          <a:p>
+            <a:pPr algn="ctr"/>
+            <a:endParaRPr lang="en-US"/>
+          </a:p>
+        </p:txBody>
+      </p:sp>
+      <p:sp>
+        <p:nvSpPr>
+          <p:cNvPr id="4" name="Title 3">
+            <a:extLst>
+              <a:ext uri="{FF2B5EF4-FFF2-40B4-BE49-F238E27FC236}">
+                <a16:creationId xmlns:a16="http://schemas.microsoft.com/office/drawing/2014/main" id="{B76581DD-26B4-26CE-9D89-5587D0038CB9}"/>
+              </a:ext>
+            </a:extLst>
+          </p:cNvPr>
+          <p:cNvSpPr>
+            <a:spLocks noGrp="1"/>
+          </p:cNvSpPr>
+          <p:nvPr>
+            <p:ph type="title"/>
+          </p:nvPr>
+        </p:nvSpPr>
+        <p:spPr>
+          <a:xfrm>
+            <a:off x="643467" y="2681103"/>
+            <a:ext cx="3363974" cy="1495794"/>
+          </a:xfrm>
+          <a:noFill/>
+          <a:ln>
+            <a:solidFill>
+              <a:schemeClr val="bg1"/>
+            </a:solidFill>
+          </a:ln>
+        </p:spPr>
+        <p:txBody>
+          <a:bodyPr wrap="square">
+            <a:normAutofit/>
+          </a:bodyPr>
+          <a:lstStyle/>
+          <a:p>
+            <a:r>
+              <a:rPr lang="en-ZA">
+                <a:solidFill>
+                  <a:schemeClr val="bg1"/>
+                </a:solidFill>
+              </a:rPr>
+              <a:t>EXPLORATORY DATA ANALYSIS</a:t>
+            </a:r>
+          </a:p>
+        </p:txBody>
+      </p:sp>
+      <p:graphicFrame>
+        <p:nvGraphicFramePr>
+          <p:cNvPr id="6" name="Content Placeholder 2">
+            <a:extLst>
+              <a:ext uri="{FF2B5EF4-FFF2-40B4-BE49-F238E27FC236}">
+                <a16:creationId xmlns:a16="http://schemas.microsoft.com/office/drawing/2014/main" id="{6CAE9886-E15D-5BFC-7E28-BDD41C6B51B8}"/>
+              </a:ext>
+            </a:extLst>
+          </p:cNvPr>
+          <p:cNvGraphicFramePr>
+            <a:graphicFrameLocks noGrp="1"/>
+          </p:cNvGraphicFramePr>
+          <p:nvPr>
+            <p:ph idx="1"/>
+            <p:extLst>
+              <p:ext uri="{D42A27DB-BD31-4B8C-83A1-F6EECF244321}">
+                <p14:modId xmlns:p14="http://schemas.microsoft.com/office/powerpoint/2010/main" val="1459643633"/>
+              </p:ext>
+            </p:extLst>
+          </p:nvPr>
+        </p:nvGraphicFramePr>
+        <p:xfrm>
+          <a:off x="5619750" y="965200"/>
+          <a:ext cx="5607050" cy="4927600"/>
+        </p:xfrm>
+        <a:graphic>
+          <a:graphicData uri="http://schemas.openxmlformats.org/drawingml/2006/diagram">
+            <dgm:relIds xmlns:dgm="http://schemas.openxmlformats.org/drawingml/2006/diagram" xmlns:r="http://schemas.openxmlformats.org/officeDocument/2006/relationships" r:dm="rId2" r:lo="rId3" r:qs="rId4" r:cs="rId5"/>
+          </a:graphicData>
+        </a:graphic>
+      </p:graphicFrame>
+    </p:spTree>
+    <p:extLst>
+      <p:ext uri="{BB962C8B-B14F-4D97-AF65-F5344CB8AC3E}">
+        <p14:creationId xmlns:p14="http://schemas.microsoft.com/office/powerpoint/2010/main" val="1691385926"/>
+      </p:ext>
+    </p:extLst>
+  </p:cSld>
+  <p:clrMapOvr>
+    <a:masterClrMapping/>
+  </p:clrMapOvr>
+</p:sld>
+</file>
+
+<file path=ppt/slides/slide7.xml><?xml version="1.0" encoding="utf-8"?>
 <p:sld xmlns:a="http://schemas.openxmlformats.org/drawingml/2006/main" xmlns:r="http://schemas.openxmlformats.org/officeDocument/2006/relationships" xmlns:p="http://schemas.openxmlformats.org/presentationml/2006/main">
   <p:cSld>
     <p:bg>
@@ -4818,9 +9234,19 @@
 </p:sld>
 </file>
 
-<file path=ppt/slides/slide6.xml><?xml version="1.0" encoding="utf-8"?>
+<file path=ppt/slides/slide8.xml><?xml version="1.0" encoding="utf-8"?>
 <p:sld xmlns:a="http://schemas.openxmlformats.org/drawingml/2006/main" xmlns:r="http://schemas.openxmlformats.org/officeDocument/2006/relationships" xmlns:p="http://schemas.openxmlformats.org/presentationml/2006/main">
   <p:cSld>
+    <p:bg>
+      <p:bgPr>
+        <a:solidFill>
+          <a:schemeClr val="bg1">
+            <a:lumMod val="95000"/>
+          </a:schemeClr>
+        </a:solidFill>
+        <a:effectLst/>
+      </p:bgPr>
+    </p:bg>
     <p:spTree>
       <p:nvGrpSpPr>
         <p:cNvPr id="1" name=""/>
@@ -4835,110 +9261,127 @@
           <a:chExt cx="0" cy="0"/>
         </a:xfrm>
       </p:grpSpPr>
-      <p:sp>
-        <p:nvSpPr>
-          <p:cNvPr id="4" name="Title 3">
+      <p:sp useBgFill="1">
+        <p:nvSpPr>
+          <p:cNvPr id="21" name="Rectangle 20">
             <a:extLst>
               <a:ext uri="{FF2B5EF4-FFF2-40B4-BE49-F238E27FC236}">
-                <a16:creationId xmlns:a16="http://schemas.microsoft.com/office/drawing/2014/main" id="{B76581DD-26B4-26CE-9D89-5587D0038CB9}"/>
+                <a16:creationId xmlns:a16="http://schemas.microsoft.com/office/drawing/2014/main" id="{930BC020-BDBF-49EB-9898-BAB5BF559317}"/>
+              </a:ext>
+              <a:ext uri="{C183D7F6-B498-43B3-948B-1728B52AA6E4}">
+                <adec:decorative xmlns:adec="http://schemas.microsoft.com/office/drawing/2017/decorative" val="1"/>
               </a:ext>
             </a:extLst>
           </p:cNvPr>
           <p:cNvSpPr>
-            <a:spLocks noGrp="1"/>
-          </p:cNvSpPr>
-          <p:nvPr>
-            <p:ph type="title"/>
-          </p:nvPr>
-        </p:nvSpPr>
-        <p:spPr/>
-        <p:txBody>
-          <a:bodyPr/>
+            <a:spLocks noGrp="1" noRot="1" noChangeAspect="1" noMove="1" noResize="1" noEditPoints="1" noAdjustHandles="1" noChangeArrowheads="1" noChangeShapeType="1" noTextEdit="1"/>
+          </p:cNvSpPr>
+          <p:nvPr>
+            <p:extLst>
+              <p:ext uri="{386F3935-93C4-4BCD-93E2-E3B085C9AB24}">
+                <p16:designElem xmlns:p16="http://schemas.microsoft.com/office/powerpoint/2015/main" val="1"/>
+              </p:ext>
+            </p:extLst>
+          </p:nvPr>
+        </p:nvSpPr>
+        <p:spPr>
+          <a:xfrm>
+            <a:off x="0" y="-2"/>
+            <a:ext cx="12192000" cy="6858001"/>
+          </a:xfrm>
+          <a:prstGeom prst="rect">
+            <a:avLst/>
+          </a:prstGeom>
+          <a:ln>
+            <a:noFill/>
+          </a:ln>
+        </p:spPr>
+        <p:style>
+          <a:lnRef idx="2">
+            <a:schemeClr val="accent1">
+              <a:shade val="50000"/>
+            </a:schemeClr>
+          </a:lnRef>
+          <a:fillRef idx="1">
+            <a:schemeClr val="accent1"/>
+          </a:fillRef>
+          <a:effectRef idx="0">
+            <a:schemeClr val="accent1"/>
+          </a:effectRef>
+          <a:fontRef idx="minor">
+            <a:schemeClr val="lt1"/>
+          </a:fontRef>
+        </p:style>
+        <p:txBody>
+          <a:bodyPr rtlCol="0" anchor="ctr"/>
           <a:lstStyle/>
           <a:p>
-            <a:r>
-              <a:rPr lang="en-ZA" dirty="0"/>
-              <a:t>A LOOK AT CPI TRENDS SINCE 2008</a:t>
-            </a:r>
-          </a:p>
-        </p:txBody>
-      </p:sp>
-      <p:sp>
-        <p:nvSpPr>
-          <p:cNvPr id="3" name="Content Placeholder 2">
+            <a:pPr algn="ctr"/>
+            <a:endParaRPr lang="en-US"/>
+          </a:p>
+        </p:txBody>
+      </p:sp>
+      <p:sp>
+        <p:nvSpPr>
+          <p:cNvPr id="23" name="Rectangle 22">
             <a:extLst>
               <a:ext uri="{FF2B5EF4-FFF2-40B4-BE49-F238E27FC236}">
-                <a16:creationId xmlns:a16="http://schemas.microsoft.com/office/drawing/2014/main" id="{CDB12FA4-6328-B981-06DD-90F92E5EAD11}"/>
+                <a16:creationId xmlns:a16="http://schemas.microsoft.com/office/drawing/2014/main" id="{64950C64-5D81-40F1-9601-8BA0D63BAE74}"/>
+              </a:ext>
+              <a:ext uri="{C183D7F6-B498-43B3-948B-1728B52AA6E4}">
+                <adec:decorative xmlns:adec="http://schemas.microsoft.com/office/drawing/2017/decorative" val="1"/>
               </a:ext>
             </a:extLst>
           </p:cNvPr>
           <p:cNvSpPr>
-            <a:spLocks noGrp="1"/>
-          </p:cNvSpPr>
-          <p:nvPr>
-            <p:ph idx="1"/>
-          </p:nvPr>
-        </p:nvSpPr>
-        <p:spPr/>
-        <p:txBody>
-          <a:bodyPr/>
+            <a:spLocks noGrp="1" noRot="1" noChangeAspect="1" noMove="1" noResize="1" noEditPoints="1" noAdjustHandles="1" noChangeArrowheads="1" noChangeShapeType="1" noTextEdit="1"/>
+          </p:cNvSpPr>
+          <p:nvPr>
+            <p:extLst>
+              <p:ext uri="{386F3935-93C4-4BCD-93E2-E3B085C9AB24}">
+                <p16:designElem xmlns:p16="http://schemas.microsoft.com/office/powerpoint/2015/main" val="1"/>
+              </p:ext>
+            </p:extLst>
+          </p:nvPr>
+        </p:nvSpPr>
+        <p:spPr>
+          <a:xfrm>
+            <a:off x="0" y="3429000"/>
+            <a:ext cx="12192000" cy="3429000"/>
+          </a:xfrm>
+          <a:prstGeom prst="rect">
+            <a:avLst/>
+          </a:prstGeom>
+          <a:solidFill>
+            <a:schemeClr val="tx2"/>
+          </a:solidFill>
+          <a:ln>
+            <a:noFill/>
+          </a:ln>
+        </p:spPr>
+        <p:style>
+          <a:lnRef idx="0">
+            <a:scrgbClr r="0" g="0" b="0"/>
+          </a:lnRef>
+          <a:fillRef idx="0">
+            <a:scrgbClr r="0" g="0" b="0"/>
+          </a:fillRef>
+          <a:effectRef idx="0">
+            <a:scrgbClr r="0" g="0" b="0"/>
+          </a:effectRef>
+          <a:fontRef idx="minor">
+            <a:schemeClr val="lt1"/>
+          </a:fontRef>
+        </p:style>
+        <p:txBody>
+          <a:bodyPr rtlCol="0" anchor="ctr"/>
           <a:lstStyle/>
           <a:p>
-            <a:r>
-              <a:rPr lang="en-ZA" dirty="0"/>
-              <a:t>As can be seen in the slide before this, CPI has peaked around 2008 and in 2022.</a:t>
-            </a:r>
-          </a:p>
-          <a:p>
-            <a:r>
-              <a:rPr lang="en-ZA" dirty="0"/>
-              <a:t>In 2008, it was likely caused by the well known recession that occurred at that time.</a:t>
-            </a:r>
-          </a:p>
-          <a:p>
-            <a:r>
-              <a:rPr lang="en-ZA" dirty="0"/>
-              <a:t>In 2022, there was a war between Russia and Ukraine and the after effects of Covid 19 were still in effect. </a:t>
-            </a:r>
-          </a:p>
-          <a:p>
-            <a:r>
-              <a:rPr lang="en-ZA" dirty="0"/>
-              <a:t>After Covid, the Bank made a decision to keep interest rates very low in order to boost the economy. This can be seen in the next slide. It is generally known that low interest rates result in high inflation.</a:t>
-            </a:r>
-          </a:p>
-        </p:txBody>
-      </p:sp>
-    </p:spTree>
-    <p:extLst>
-      <p:ext uri="{BB962C8B-B14F-4D97-AF65-F5344CB8AC3E}">
-        <p14:creationId xmlns:p14="http://schemas.microsoft.com/office/powerpoint/2010/main" val="1691385926"/>
-      </p:ext>
-    </p:extLst>
-  </p:cSld>
-  <p:clrMapOvr>
-    <a:masterClrMapping/>
-  </p:clrMapOvr>
-</p:sld>
-</file>
-
-<file path=ppt/slides/slide7.xml><?xml version="1.0" encoding="utf-8"?>
-<p:sld xmlns:a="http://schemas.openxmlformats.org/drawingml/2006/main" xmlns:r="http://schemas.openxmlformats.org/officeDocument/2006/relationships" xmlns:p="http://schemas.openxmlformats.org/presentationml/2006/main">
-  <p:cSld>
-    <p:spTree>
-      <p:nvGrpSpPr>
-        <p:cNvPr id="1" name=""/>
-        <p:cNvGrpSpPr/>
-        <p:nvPr/>
-      </p:nvGrpSpPr>
-      <p:grpSpPr>
-        <a:xfrm>
-          <a:off x="0" y="0"/>
-          <a:ext cx="0" cy="0"/>
-          <a:chOff x="0" y="0"/>
-          <a:chExt cx="0" cy="0"/>
-        </a:xfrm>
-      </p:grpSpPr>
+            <a:pPr algn="ctr"/>
+            <a:endParaRPr lang="en-US"/>
+          </a:p>
+        </p:txBody>
+      </p:sp>
       <p:sp>
         <p:nvSpPr>
           <p:cNvPr id="6" name="Title 5">
@@ -4955,13 +9398,30 @@
             <p:ph type="title"/>
           </p:nvPr>
         </p:nvSpPr>
-        <p:spPr/>
-        <p:txBody>
-          <a:bodyPr/>
+        <p:spPr>
+          <a:xfrm>
+            <a:off x="2231136" y="3781241"/>
+            <a:ext cx="7729729" cy="855406"/>
+          </a:xfrm>
+          <a:noFill/>
+          <a:ln>
+            <a:solidFill>
+              <a:schemeClr val="bg1"/>
+            </a:solidFill>
+          </a:ln>
+        </p:spPr>
+        <p:txBody>
+          <a:bodyPr vert="horz" lIns="182880" tIns="182880" rIns="182880" bIns="182880" rtlCol="0" anchor="ctr">
+            <a:normAutofit/>
+          </a:bodyPr>
           <a:lstStyle/>
           <a:p>
             <a:r>
-              <a:rPr lang="en-ZA" dirty="0"/>
+              <a:rPr lang="en-US" sz="2400">
+                <a:solidFill>
+                  <a:schemeClr val="bg1"/>
+                </a:solidFill>
+              </a:rPr>
               <a:t>CPI vs Interest Rate</a:t>
             </a:r>
           </a:p>
@@ -4991,9 +9451,12 @@
         </p:blipFill>
         <p:spPr>
           <a:xfrm>
-            <a:off x="716956" y="3429000"/>
-            <a:ext cx="5136158" cy="1095636"/>
+            <a:off x="2392018" y="1348142"/>
+            <a:ext cx="7407964" cy="1166754"/>
           </a:xfrm>
+          <a:prstGeom prst="rect">
+            <a:avLst/>
+          </a:prstGeom>
         </p:spPr>
       </p:pic>
       <p:sp>
@@ -5012,27 +9475,59 @@
             <p:ph sz="half" idx="2"/>
           </p:nvPr>
         </p:nvSpPr>
-        <p:spPr/>
-        <p:txBody>
-          <a:bodyPr>
-            <a:normAutofit lnSpcReduction="10000"/>
+        <p:spPr>
+          <a:xfrm>
+            <a:off x="2238412" y="4846076"/>
+            <a:ext cx="7715177" cy="1271556"/>
+          </a:xfrm>
+        </p:spPr>
+        <p:txBody>
+          <a:bodyPr vert="horz" lIns="91440" tIns="45720" rIns="91440" bIns="45720" rtlCol="0">
+            <a:normAutofit/>
           </a:bodyPr>
           <a:lstStyle/>
           <a:p>
-            <a:r>
-              <a:rPr lang="en-ZA" dirty="0"/>
+            <a:pPr>
+              <a:lnSpc>
+                <a:spcPct val="90000"/>
+              </a:lnSpc>
+            </a:pPr>
+            <a:r>
+              <a:rPr lang="en-US" sz="1300">
+                <a:solidFill>
+                  <a:schemeClr val="bg1"/>
+                </a:solidFill>
+              </a:rPr>
               <a:t>According to the image, the BOBC 7 Days Interest rate has a moderately strong positive correlation with CPI.</a:t>
             </a:r>
           </a:p>
           <a:p>
-            <a:r>
-              <a:rPr lang="en-ZA" dirty="0"/>
+            <a:pPr>
+              <a:lnSpc>
+                <a:spcPct val="90000"/>
+              </a:lnSpc>
+            </a:pPr>
+            <a:r>
+              <a:rPr lang="en-US" sz="1300">
+                <a:solidFill>
+                  <a:schemeClr val="bg1"/>
+                </a:solidFill>
+              </a:rPr>
               <a:t>It is usually expected to be negative. This could be caused by how the central bank responds to rapidly rising inflation: they increase interest rates so the inflation can drop.</a:t>
             </a:r>
           </a:p>
           <a:p>
-            <a:r>
-              <a:rPr lang="en-ZA" dirty="0"/>
+            <a:pPr>
+              <a:lnSpc>
+                <a:spcPct val="90000"/>
+              </a:lnSpc>
+            </a:pPr>
+            <a:r>
+              <a:rPr lang="en-US" sz="1300">
+                <a:solidFill>
+                  <a:schemeClr val="bg1"/>
+                </a:solidFill>
+              </a:rPr>
               <a:t>The effect of increasing interest rates does not take place immediately, it takes time.</a:t>
             </a:r>
           </a:p>
@@ -5051,7 +9546,7 @@
 </p:sld>
 </file>
 
-<file path=ppt/slides/slide8.xml><?xml version="1.0" encoding="utf-8"?>
+<file path=ppt/slides/slide9.xml><?xml version="1.0" encoding="utf-8"?>
 <p:sld xmlns:a="http://schemas.openxmlformats.org/drawingml/2006/main" xmlns:r="http://schemas.openxmlformats.org/officeDocument/2006/relationships" xmlns:p="http://schemas.openxmlformats.org/presentationml/2006/main">
   <p:cSld>
     <p:bg>
@@ -5286,104 +9781,6 @@
     <p:extLst>
       <p:ext uri="{BB962C8B-B14F-4D97-AF65-F5344CB8AC3E}">
         <p14:creationId xmlns:p14="http://schemas.microsoft.com/office/powerpoint/2010/main" val="849758888"/>
-      </p:ext>
-    </p:extLst>
-  </p:cSld>
-  <p:clrMapOvr>
-    <a:masterClrMapping/>
-  </p:clrMapOvr>
-</p:sld>
-</file>
-
-<file path=ppt/slides/slide9.xml><?xml version="1.0" encoding="utf-8"?>
-<p:sld xmlns:a="http://schemas.openxmlformats.org/drawingml/2006/main" xmlns:r="http://schemas.openxmlformats.org/officeDocument/2006/relationships" xmlns:p="http://schemas.openxmlformats.org/presentationml/2006/main">
-  <p:cSld>
-    <p:spTree>
-      <p:nvGrpSpPr>
-        <p:cNvPr id="1" name=""/>
-        <p:cNvGrpSpPr/>
-        <p:nvPr/>
-      </p:nvGrpSpPr>
-      <p:grpSpPr>
-        <a:xfrm>
-          <a:off x="0" y="0"/>
-          <a:ext cx="0" cy="0"/>
-          <a:chOff x="0" y="0"/>
-          <a:chExt cx="0" cy="0"/>
-        </a:xfrm>
-      </p:grpSpPr>
-      <p:sp>
-        <p:nvSpPr>
-          <p:cNvPr id="2" name="Title 1">
-            <a:extLst>
-              <a:ext uri="{FF2B5EF4-FFF2-40B4-BE49-F238E27FC236}">
-                <a16:creationId xmlns:a16="http://schemas.microsoft.com/office/drawing/2014/main" id="{5BBC2592-7B3F-3BF1-F46D-E0890F44A042}"/>
-              </a:ext>
-            </a:extLst>
-          </p:cNvPr>
-          <p:cNvSpPr>
-            <a:spLocks noGrp="1"/>
-          </p:cNvSpPr>
-          <p:nvPr>
-            <p:ph type="title"/>
-          </p:nvPr>
-        </p:nvSpPr>
-        <p:spPr/>
-        <p:txBody>
-          <a:bodyPr/>
-          <a:lstStyle/>
-          <a:p>
-            <a:r>
-              <a:rPr lang="en-ZA" dirty="0"/>
-              <a:t>CPI DISTRIBUTIONS FROM 2008 TO 2022</a:t>
-            </a:r>
-          </a:p>
-        </p:txBody>
-      </p:sp>
-      <p:sp>
-        <p:nvSpPr>
-          <p:cNvPr id="3" name="Content Placeholder 2">
-            <a:extLst>
-              <a:ext uri="{FF2B5EF4-FFF2-40B4-BE49-F238E27FC236}">
-                <a16:creationId xmlns:a16="http://schemas.microsoft.com/office/drawing/2014/main" id="{540BF079-B7DC-92CB-D942-B4ADBB9459FB}"/>
-              </a:ext>
-            </a:extLst>
-          </p:cNvPr>
-          <p:cNvSpPr>
-            <a:spLocks noGrp="1"/>
-          </p:cNvSpPr>
-          <p:nvPr>
-            <p:ph idx="1"/>
-          </p:nvPr>
-        </p:nvSpPr>
-        <p:spPr/>
-        <p:txBody>
-          <a:bodyPr/>
-          <a:lstStyle/>
-          <a:p>
-            <a:r>
-              <a:rPr lang="en-ZA" dirty="0"/>
-              <a:t>CPI distribution does not vary much except around 2008 and 2022. </a:t>
-            </a:r>
-          </a:p>
-          <a:p>
-            <a:r>
-              <a:rPr lang="en-ZA" dirty="0"/>
-              <a:t>As discussed earlier, the variance in those years is likely due to the global recession and Covid 19/War between Russia and Ukraine.</a:t>
-            </a:r>
-          </a:p>
-          <a:p>
-            <a:r>
-              <a:rPr lang="en-ZA" dirty="0"/>
-              <a:t>The central bank looks to stabilize the CPI and keep it between 3 and 6% as they managed to do this quite effectively from 2015 to 2020.</a:t>
-            </a:r>
-          </a:p>
-        </p:txBody>
-      </p:sp>
-    </p:spTree>
-    <p:extLst>
-      <p:ext uri="{BB962C8B-B14F-4D97-AF65-F5344CB8AC3E}">
-        <p14:creationId xmlns:p14="http://schemas.microsoft.com/office/powerpoint/2010/main" val="1592076109"/>
       </p:ext>
     </p:extLst>
   </p:cSld>
